--- a/PPT/chapter15.pptx
+++ b/PPT/chapter15.pptx
@@ -2,7 +2,7 @@
 <file path=ppt/presentation.xml><?xml version="1.0" encoding="utf-8"?>
 <p:presentation xmlns:a="http://schemas.openxmlformats.org/drawingml/2006/main" xmlns:r="http://schemas.openxmlformats.org/officeDocument/2006/relationships" xmlns:p="http://schemas.openxmlformats.org/presentationml/2006/main" saveSubsetFonts="1">
   <p:sldMasterIdLst>
-    <p:sldMasterId id="2147483648" r:id="rId1"/>
+    <p:sldMasterId id="2147483661" r:id="rId1"/>
   </p:sldMasterIdLst>
   <p:notesMasterIdLst>
     <p:notesMasterId r:id="rId29"/>
@@ -11,7 +11,7 @@
     <p:handoutMasterId r:id="rId30"/>
   </p:handoutMasterIdLst>
   <p:sldIdLst>
-    <p:sldId id="260" r:id="rId2"/>
+    <p:sldId id="368" r:id="rId2"/>
     <p:sldId id="366" r:id="rId3"/>
     <p:sldId id="257" r:id="rId4"/>
     <p:sldId id="381" r:id="rId5"/>
@@ -209,1438 +209,6 @@
     </pc:docChg>
   </pc:docChgLst>
   <pc:docChgLst>
-    <pc:chgData name="Scruel Tao" userId="5ea5c98d59b44d4b" providerId="LiveId" clId="{2BA6F94F-59B6-4AA6-9DB6-4A8227DBE37E}"/>
-    <pc:docChg chg="undo redo custSel addSld delSld modSld sldOrd modMainMaster">
-      <pc:chgData name="Scruel Tao" userId="5ea5c98d59b44d4b" providerId="LiveId" clId="{2BA6F94F-59B6-4AA6-9DB6-4A8227DBE37E}" dt="2023-04-06T03:22:01.021" v="6326" actId="20577"/>
-      <pc:docMkLst>
-        <pc:docMk/>
-      </pc:docMkLst>
-      <pc:sldChg chg="del">
-        <pc:chgData name="Scruel Tao" userId="5ea5c98d59b44d4b" providerId="LiveId" clId="{2BA6F94F-59B6-4AA6-9DB6-4A8227DBE37E}" dt="2023-04-03T03:24:06.255" v="207" actId="47"/>
-        <pc:sldMkLst>
-          <pc:docMk/>
-          <pc:sldMk cId="1900326474" sldId="256"/>
-        </pc:sldMkLst>
-      </pc:sldChg>
-      <pc:sldChg chg="modSp mod">
-        <pc:chgData name="Scruel Tao" userId="5ea5c98d59b44d4b" providerId="LiveId" clId="{2BA6F94F-59B6-4AA6-9DB6-4A8227DBE37E}" dt="2023-04-06T03:06:34.065" v="6045" actId="20577"/>
-        <pc:sldMkLst>
-          <pc:docMk/>
-          <pc:sldMk cId="1112998187" sldId="257"/>
-        </pc:sldMkLst>
-        <pc:spChg chg="mod">
-          <ac:chgData name="Scruel Tao" userId="5ea5c98d59b44d4b" providerId="LiveId" clId="{2BA6F94F-59B6-4AA6-9DB6-4A8227DBE37E}" dt="2023-04-06T01:53:20.359" v="3276"/>
-          <ac:spMkLst>
-            <pc:docMk/>
-            <pc:sldMk cId="1112998187" sldId="257"/>
-            <ac:spMk id="2" creationId="{1422DFF6-0952-1023-64E3-97184D36BE3F}"/>
-          </ac:spMkLst>
-        </pc:spChg>
-        <pc:spChg chg="mod">
-          <ac:chgData name="Scruel Tao" userId="5ea5c98d59b44d4b" providerId="LiveId" clId="{2BA6F94F-59B6-4AA6-9DB6-4A8227DBE37E}" dt="2023-04-06T03:06:34.065" v="6045" actId="20577"/>
-          <ac:spMkLst>
-            <pc:docMk/>
-            <pc:sldMk cId="1112998187" sldId="257"/>
-            <ac:spMk id="3" creationId="{AC7759D9-0BB4-08ED-8476-24F7D903D6DE}"/>
-          </ac:spMkLst>
-        </pc:spChg>
-      </pc:sldChg>
-      <pc:sldChg chg="addSp delSp modSp mod modClrScheme chgLayout">
-        <pc:chgData name="Scruel Tao" userId="5ea5c98d59b44d4b" providerId="LiveId" clId="{2BA6F94F-59B6-4AA6-9DB6-4A8227DBE37E}" dt="2023-04-03T05:03:22.628" v="2756"/>
-        <pc:sldMkLst>
-          <pc:docMk/>
-          <pc:sldMk cId="3636494425" sldId="258"/>
-        </pc:sldMkLst>
-        <pc:spChg chg="mod ord">
-          <ac:chgData name="Scruel Tao" userId="5ea5c98d59b44d4b" providerId="LiveId" clId="{2BA6F94F-59B6-4AA6-9DB6-4A8227DBE37E}" dt="2023-04-03T05:03:22.628" v="2756"/>
-          <ac:spMkLst>
-            <pc:docMk/>
-            <pc:sldMk cId="3636494425" sldId="258"/>
-            <ac:spMk id="2" creationId="{ABA783DF-49A6-7EF1-661E-C574E2C2F386}"/>
-          </ac:spMkLst>
-        </pc:spChg>
-        <pc:spChg chg="mod ord">
-          <ac:chgData name="Scruel Tao" userId="5ea5c98d59b44d4b" providerId="LiveId" clId="{2BA6F94F-59B6-4AA6-9DB6-4A8227DBE37E}" dt="2023-04-03T03:46:29.252" v="641" actId="20577"/>
-          <ac:spMkLst>
-            <pc:docMk/>
-            <pc:sldMk cId="3636494425" sldId="258"/>
-            <ac:spMk id="3" creationId="{4C14948B-081B-0FED-AF72-DA2CFEC85EB0}"/>
-          </ac:spMkLst>
-        </pc:spChg>
-        <pc:spChg chg="add del mod ord">
-          <ac:chgData name="Scruel Tao" userId="5ea5c98d59b44d4b" providerId="LiveId" clId="{2BA6F94F-59B6-4AA6-9DB6-4A8227DBE37E}" dt="2023-04-03T03:44:53.662" v="491" actId="700"/>
-          <ac:spMkLst>
-            <pc:docMk/>
-            <pc:sldMk cId="3636494425" sldId="258"/>
-            <ac:spMk id="6" creationId="{F56D7D0D-9A8C-4EF8-27F2-E32848F94E27}"/>
-          </ac:spMkLst>
-        </pc:spChg>
-        <pc:spChg chg="add del mod ord">
-          <ac:chgData name="Scruel Tao" userId="5ea5c98d59b44d4b" providerId="LiveId" clId="{2BA6F94F-59B6-4AA6-9DB6-4A8227DBE37E}" dt="2023-04-03T03:47:53.866" v="642" actId="478"/>
-          <ac:spMkLst>
-            <pc:docMk/>
-            <pc:sldMk cId="3636494425" sldId="258"/>
-            <ac:spMk id="7" creationId="{34E14114-55C2-509B-E32D-4974A828AFB6}"/>
-          </ac:spMkLst>
-        </pc:spChg>
-        <pc:picChg chg="add mod">
-          <ac:chgData name="Scruel Tao" userId="5ea5c98d59b44d4b" providerId="LiveId" clId="{2BA6F94F-59B6-4AA6-9DB6-4A8227DBE37E}" dt="2023-04-03T03:45:05.643" v="494" actId="1076"/>
-          <ac:picMkLst>
-            <pc:docMk/>
-            <pc:sldMk cId="3636494425" sldId="258"/>
-            <ac:picMk id="5" creationId="{C5E50AA4-F82C-6E14-E269-5451494306AE}"/>
-          </ac:picMkLst>
-        </pc:picChg>
-      </pc:sldChg>
-      <pc:sldChg chg="addSp delSp modSp add mod modClrScheme chgLayout">
-        <pc:chgData name="Scruel Tao" userId="5ea5c98d59b44d4b" providerId="LiveId" clId="{2BA6F94F-59B6-4AA6-9DB6-4A8227DBE37E}" dt="2023-04-06T01:58:50.310" v="3415" actId="20577"/>
-        <pc:sldMkLst>
-          <pc:docMk/>
-          <pc:sldMk cId="1199684676" sldId="259"/>
-        </pc:sldMkLst>
-        <pc:spChg chg="mod ord">
-          <ac:chgData name="Scruel Tao" userId="5ea5c98d59b44d4b" providerId="LiveId" clId="{2BA6F94F-59B6-4AA6-9DB6-4A8227DBE37E}" dt="2023-04-06T01:58:50.310" v="3415" actId="20577"/>
-          <ac:spMkLst>
-            <pc:docMk/>
-            <pc:sldMk cId="1199684676" sldId="259"/>
-            <ac:spMk id="2" creationId="{ABA783DF-49A6-7EF1-661E-C574E2C2F386}"/>
-          </ac:spMkLst>
-        </pc:spChg>
-        <pc:spChg chg="del">
-          <ac:chgData name="Scruel Tao" userId="5ea5c98d59b44d4b" providerId="LiveId" clId="{2BA6F94F-59B6-4AA6-9DB6-4A8227DBE37E}" dt="2023-04-03T03:35:16.150" v="336"/>
-          <ac:spMkLst>
-            <pc:docMk/>
-            <pc:sldMk cId="1199684676" sldId="259"/>
-            <ac:spMk id="3" creationId="{4C14948B-081B-0FED-AF72-DA2CFEC85EB0}"/>
-          </ac:spMkLst>
-        </pc:spChg>
-        <pc:spChg chg="add del mod">
-          <ac:chgData name="Scruel Tao" userId="5ea5c98d59b44d4b" providerId="LiveId" clId="{2BA6F94F-59B6-4AA6-9DB6-4A8227DBE37E}" dt="2023-04-03T03:35:26.887" v="338"/>
-          <ac:spMkLst>
-            <pc:docMk/>
-            <pc:sldMk cId="1199684676" sldId="259"/>
-            <ac:spMk id="6" creationId="{99A6C97A-27D9-096E-3F01-65FA7A6B5674}"/>
-          </ac:spMkLst>
-        </pc:spChg>
-        <pc:spChg chg="add del mod">
-          <ac:chgData name="Scruel Tao" userId="5ea5c98d59b44d4b" providerId="LiveId" clId="{2BA6F94F-59B6-4AA6-9DB6-4A8227DBE37E}" dt="2023-04-03T03:35:46.159" v="342"/>
-          <ac:spMkLst>
-            <pc:docMk/>
-            <pc:sldMk cId="1199684676" sldId="259"/>
-            <ac:spMk id="9" creationId="{EA4CD5A2-8483-D61D-CBA0-AB48D8A07DC9}"/>
-          </ac:spMkLst>
-        </pc:spChg>
-        <pc:spChg chg="add mod ord">
-          <ac:chgData name="Scruel Tao" userId="5ea5c98d59b44d4b" providerId="LiveId" clId="{2BA6F94F-59B6-4AA6-9DB6-4A8227DBE37E}" dt="2023-04-06T01:54:00.591" v="3312" actId="20577"/>
-          <ac:spMkLst>
-            <pc:docMk/>
-            <pc:sldMk cId="1199684676" sldId="259"/>
-            <ac:spMk id="12" creationId="{17AECC1C-6944-9F68-770A-0455E86B2492}"/>
-          </ac:spMkLst>
-        </pc:spChg>
-        <pc:picChg chg="add del mod">
-          <ac:chgData name="Scruel Tao" userId="5ea5c98d59b44d4b" providerId="LiveId" clId="{2BA6F94F-59B6-4AA6-9DB6-4A8227DBE37E}" dt="2023-04-03T03:35:18.823" v="337" actId="478"/>
-          <ac:picMkLst>
-            <pc:docMk/>
-            <pc:sldMk cId="1199684676" sldId="259"/>
-            <ac:picMk id="4" creationId="{5CD98794-78EF-B400-A554-F39AC55576BD}"/>
-          </ac:picMkLst>
-        </pc:picChg>
-        <pc:picChg chg="add del mod">
-          <ac:chgData name="Scruel Tao" userId="5ea5c98d59b44d4b" providerId="LiveId" clId="{2BA6F94F-59B6-4AA6-9DB6-4A8227DBE37E}" dt="2023-04-03T03:35:35.326" v="341" actId="478"/>
-          <ac:picMkLst>
-            <pc:docMk/>
-            <pc:sldMk cId="1199684676" sldId="259"/>
-            <ac:picMk id="7" creationId="{F8FEA747-E9DF-6A17-2CB8-1B41D931CB90}"/>
-          </ac:picMkLst>
-        </pc:picChg>
-        <pc:picChg chg="add mod ord">
-          <ac:chgData name="Scruel Tao" userId="5ea5c98d59b44d4b" providerId="LiveId" clId="{2BA6F94F-59B6-4AA6-9DB6-4A8227DBE37E}" dt="2023-04-06T01:54:10.825" v="3315" actId="1076"/>
-          <ac:picMkLst>
-            <pc:docMk/>
-            <pc:sldMk cId="1199684676" sldId="259"/>
-            <ac:picMk id="11" creationId="{9D500740-D60E-EFBC-F3C9-43DA9B4672BC}"/>
-          </ac:picMkLst>
-        </pc:picChg>
-      </pc:sldChg>
-      <pc:sldChg chg="addSp delSp modSp add mod">
-        <pc:chgData name="Scruel Tao" userId="5ea5c98d59b44d4b" providerId="LiveId" clId="{2BA6F94F-59B6-4AA6-9DB6-4A8227DBE37E}" dt="2023-04-03T03:41:24.102" v="348" actId="1076"/>
-        <pc:sldMkLst>
-          <pc:docMk/>
-          <pc:sldMk cId="0" sldId="260"/>
-        </pc:sldMkLst>
-        <pc:spChg chg="mod">
-          <ac:chgData name="Scruel Tao" userId="5ea5c98d59b44d4b" providerId="LiveId" clId="{2BA6F94F-59B6-4AA6-9DB6-4A8227DBE37E}" dt="2023-04-03T03:33:34.644" v="330"/>
-          <ac:spMkLst>
-            <pc:docMk/>
-            <pc:sldMk cId="0" sldId="260"/>
-            <ac:spMk id="1227783" creationId="{F7B3941E-B689-22D6-F18C-358E4BAEDF5F}"/>
-          </ac:spMkLst>
-        </pc:spChg>
-        <pc:spChg chg="add del mod">
-          <ac:chgData name="Scruel Tao" userId="5ea5c98d59b44d4b" providerId="LiveId" clId="{2BA6F94F-59B6-4AA6-9DB6-4A8227DBE37E}" dt="2023-04-03T03:33:39.968" v="331" actId="1076"/>
-          <ac:spMkLst>
-            <pc:docMk/>
-            <pc:sldMk cId="0" sldId="260"/>
-            <ac:spMk id="1227786" creationId="{C3F4DD20-8FA3-3CB0-19B6-FE0240B92A34}"/>
-          </ac:spMkLst>
-        </pc:spChg>
-        <pc:picChg chg="add mod">
-          <ac:chgData name="Scruel Tao" userId="5ea5c98d59b44d4b" providerId="LiveId" clId="{2BA6F94F-59B6-4AA6-9DB6-4A8227DBE37E}" dt="2023-04-03T03:41:24.102" v="348" actId="1076"/>
-          <ac:picMkLst>
-            <pc:docMk/>
-            <pc:sldMk cId="0" sldId="260"/>
-            <ac:picMk id="4" creationId="{E03AF484-A892-E4D7-A8C4-A4C7AE20944E}"/>
-          </ac:picMkLst>
-        </pc:picChg>
-      </pc:sldChg>
-      <pc:sldChg chg="addSp delSp modSp add mod chgLayout">
-        <pc:chgData name="Scruel Tao" userId="5ea5c98d59b44d4b" providerId="LiveId" clId="{2BA6F94F-59B6-4AA6-9DB6-4A8227DBE37E}" dt="2023-04-06T01:59:00.026" v="3419" actId="20577"/>
-        <pc:sldMkLst>
-          <pc:docMk/>
-          <pc:sldMk cId="3351160539" sldId="261"/>
-        </pc:sldMkLst>
-        <pc:spChg chg="mod ord">
-          <ac:chgData name="Scruel Tao" userId="5ea5c98d59b44d4b" providerId="LiveId" clId="{2BA6F94F-59B6-4AA6-9DB6-4A8227DBE37E}" dt="2023-04-06T01:59:00.026" v="3419" actId="20577"/>
-          <ac:spMkLst>
-            <pc:docMk/>
-            <pc:sldMk cId="3351160539" sldId="261"/>
-            <ac:spMk id="2" creationId="{ABA783DF-49A6-7EF1-661E-C574E2C2F386}"/>
-          </ac:spMkLst>
-        </pc:spChg>
-        <pc:spChg chg="add del mod">
-          <ac:chgData name="Scruel Tao" userId="5ea5c98d59b44d4b" providerId="LiveId" clId="{2BA6F94F-59B6-4AA6-9DB6-4A8227DBE37E}" dt="2023-04-03T03:55:10.330" v="847" actId="700"/>
-          <ac:spMkLst>
-            <pc:docMk/>
-            <pc:sldMk cId="3351160539" sldId="261"/>
-            <ac:spMk id="4" creationId="{B3A734ED-5C82-D6A5-9DB3-B2DF9F846D94}"/>
-          </ac:spMkLst>
-        </pc:spChg>
-        <pc:spChg chg="add mod ord">
-          <ac:chgData name="Scruel Tao" userId="5ea5c98d59b44d4b" providerId="LiveId" clId="{2BA6F94F-59B6-4AA6-9DB6-4A8227DBE37E}" dt="2023-04-03T04:04:07.946" v="1365" actId="20577"/>
-          <ac:spMkLst>
-            <pc:docMk/>
-            <pc:sldMk cId="3351160539" sldId="261"/>
-            <ac:spMk id="5" creationId="{334FF01F-2A65-44F6-34F9-69AC934A31D7}"/>
-          </ac:spMkLst>
-        </pc:spChg>
-        <pc:spChg chg="add del mod">
-          <ac:chgData name="Scruel Tao" userId="5ea5c98d59b44d4b" providerId="LiveId" clId="{2BA6F94F-59B6-4AA6-9DB6-4A8227DBE37E}" dt="2023-04-03T03:59:25.344" v="1081"/>
-          <ac:spMkLst>
-            <pc:docMk/>
-            <pc:sldMk cId="3351160539" sldId="261"/>
-            <ac:spMk id="9" creationId="{C16084A3-CDE6-AAC4-2971-FD575FBF0A8B}"/>
-          </ac:spMkLst>
-        </pc:spChg>
-        <pc:spChg chg="del mod ord">
-          <ac:chgData name="Scruel Tao" userId="5ea5c98d59b44d4b" providerId="LiveId" clId="{2BA6F94F-59B6-4AA6-9DB6-4A8227DBE37E}" dt="2023-04-03T03:58:01.823" v="1015"/>
-          <ac:spMkLst>
-            <pc:docMk/>
-            <pc:sldMk cId="3351160539" sldId="261"/>
-            <ac:spMk id="12" creationId="{17AECC1C-6944-9F68-770A-0455E86B2492}"/>
-          </ac:spMkLst>
-        </pc:spChg>
-        <pc:spChg chg="add mod">
-          <ac:chgData name="Scruel Tao" userId="5ea5c98d59b44d4b" providerId="LiveId" clId="{2BA6F94F-59B6-4AA6-9DB6-4A8227DBE37E}" dt="2023-04-03T04:05:44.217" v="1475" actId="114"/>
-          <ac:spMkLst>
-            <pc:docMk/>
-            <pc:sldMk cId="3351160539" sldId="261"/>
-            <ac:spMk id="14" creationId="{670E3534-8F35-5B26-8418-171E013CEE09}"/>
-          </ac:spMkLst>
-        </pc:spChg>
-        <pc:picChg chg="add del mod">
-          <ac:chgData name="Scruel Tao" userId="5ea5c98d59b44d4b" providerId="LiveId" clId="{2BA6F94F-59B6-4AA6-9DB6-4A8227DBE37E}" dt="2023-04-03T03:59:24.519" v="1080" actId="478"/>
-          <ac:picMkLst>
-            <pc:docMk/>
-            <pc:sldMk cId="3351160539" sldId="261"/>
-            <ac:picMk id="7" creationId="{0FBFFB0C-E3DC-4B3B-8988-A0B34551F390}"/>
-          </ac:picMkLst>
-        </pc:picChg>
-        <pc:picChg chg="del">
-          <ac:chgData name="Scruel Tao" userId="5ea5c98d59b44d4b" providerId="LiveId" clId="{2BA6F94F-59B6-4AA6-9DB6-4A8227DBE37E}" dt="2023-04-03T03:53:43.786" v="845" actId="21"/>
-          <ac:picMkLst>
-            <pc:docMk/>
-            <pc:sldMk cId="3351160539" sldId="261"/>
-            <ac:picMk id="11" creationId="{9D500740-D60E-EFBC-F3C9-43DA9B4672BC}"/>
-          </ac:picMkLst>
-        </pc:picChg>
-        <pc:picChg chg="add mod">
-          <ac:chgData name="Scruel Tao" userId="5ea5c98d59b44d4b" providerId="LiveId" clId="{2BA6F94F-59B6-4AA6-9DB6-4A8227DBE37E}" dt="2023-04-03T04:05:27.689" v="1473" actId="1076"/>
-          <ac:picMkLst>
-            <pc:docMk/>
-            <pc:sldMk cId="3351160539" sldId="261"/>
-            <ac:picMk id="13" creationId="{7C633EC2-82A6-5F6A-D9A3-326C1E77FDA3}"/>
-          </ac:picMkLst>
-        </pc:picChg>
-      </pc:sldChg>
-      <pc:sldChg chg="addSp delSp modSp add mod">
-        <pc:chgData name="Scruel Tao" userId="5ea5c98d59b44d4b" providerId="LiveId" clId="{2BA6F94F-59B6-4AA6-9DB6-4A8227DBE37E}" dt="2023-04-06T03:20:40.633" v="6312" actId="20577"/>
-        <pc:sldMkLst>
-          <pc:docMk/>
-          <pc:sldMk cId="1122177192" sldId="262"/>
-        </pc:sldMkLst>
-        <pc:spChg chg="mod">
-          <ac:chgData name="Scruel Tao" userId="5ea5c98d59b44d4b" providerId="LiveId" clId="{2BA6F94F-59B6-4AA6-9DB6-4A8227DBE37E}" dt="2023-04-06T03:20:30.082" v="6290" actId="20577"/>
-          <ac:spMkLst>
-            <pc:docMk/>
-            <pc:sldMk cId="1122177192" sldId="262"/>
-            <ac:spMk id="2" creationId="{ABA783DF-49A6-7EF1-661E-C574E2C2F386}"/>
-          </ac:spMkLst>
-        </pc:spChg>
-        <pc:spChg chg="mod">
-          <ac:chgData name="Scruel Tao" userId="5ea5c98d59b44d4b" providerId="LiveId" clId="{2BA6F94F-59B6-4AA6-9DB6-4A8227DBE37E}" dt="2023-04-06T03:20:40.633" v="6312" actId="20577"/>
-          <ac:spMkLst>
-            <pc:docMk/>
-            <pc:sldMk cId="1122177192" sldId="262"/>
-            <ac:spMk id="5" creationId="{334FF01F-2A65-44F6-34F9-69AC934A31D7}"/>
-          </ac:spMkLst>
-        </pc:spChg>
-        <pc:spChg chg="del">
-          <ac:chgData name="Scruel Tao" userId="5ea5c98d59b44d4b" providerId="LiveId" clId="{2BA6F94F-59B6-4AA6-9DB6-4A8227DBE37E}" dt="2023-04-03T04:15:30.512" v="1555"/>
-          <ac:spMkLst>
-            <pc:docMk/>
-            <pc:sldMk cId="1122177192" sldId="262"/>
-            <ac:spMk id="12" creationId="{17AECC1C-6944-9F68-770A-0455E86B2492}"/>
-          </ac:spMkLst>
-        </pc:spChg>
-        <pc:picChg chg="add mod">
-          <ac:chgData name="Scruel Tao" userId="5ea5c98d59b44d4b" providerId="LiveId" clId="{2BA6F94F-59B6-4AA6-9DB6-4A8227DBE37E}" dt="2023-04-03T04:15:30.512" v="1555"/>
-          <ac:picMkLst>
-            <pc:docMk/>
-            <pc:sldMk cId="1122177192" sldId="262"/>
-            <ac:picMk id="4" creationId="{1025CE4E-D3BC-5184-15B8-313E85995FFB}"/>
-          </ac:picMkLst>
-        </pc:picChg>
-      </pc:sldChg>
-      <pc:sldChg chg="addSp delSp modSp add mod chgLayout">
-        <pc:chgData name="Scruel Tao" userId="5ea5c98d59b44d4b" providerId="LiveId" clId="{2BA6F94F-59B6-4AA6-9DB6-4A8227DBE37E}" dt="2023-04-06T01:59:30.132" v="3435" actId="20577"/>
-        <pc:sldMkLst>
-          <pc:docMk/>
-          <pc:sldMk cId="3745137309" sldId="263"/>
-        </pc:sldMkLst>
-        <pc:spChg chg="mod ord">
-          <ac:chgData name="Scruel Tao" userId="5ea5c98d59b44d4b" providerId="LiveId" clId="{2BA6F94F-59B6-4AA6-9DB6-4A8227DBE37E}" dt="2023-04-06T01:59:30.132" v="3435" actId="20577"/>
-          <ac:spMkLst>
-            <pc:docMk/>
-            <pc:sldMk cId="3745137309" sldId="263"/>
-            <ac:spMk id="2" creationId="{ABA783DF-49A6-7EF1-661E-C574E2C2F386}"/>
-          </ac:spMkLst>
-        </pc:spChg>
-        <pc:spChg chg="del">
-          <ac:chgData name="Scruel Tao" userId="5ea5c98d59b44d4b" providerId="LiveId" clId="{2BA6F94F-59B6-4AA6-9DB6-4A8227DBE37E}" dt="2023-04-03T04:18:57.963" v="1679"/>
-          <ac:spMkLst>
-            <pc:docMk/>
-            <pc:sldMk cId="3745137309" sldId="263"/>
-            <ac:spMk id="5" creationId="{334FF01F-2A65-44F6-34F9-69AC934A31D7}"/>
-          </ac:spMkLst>
-        </pc:spChg>
-        <pc:spChg chg="add del mod ord">
-          <ac:chgData name="Scruel Tao" userId="5ea5c98d59b44d4b" providerId="LiveId" clId="{2BA6F94F-59B6-4AA6-9DB6-4A8227DBE37E}" dt="2023-04-03T04:19:17.511" v="1685"/>
-          <ac:spMkLst>
-            <pc:docMk/>
-            <pc:sldMk cId="3745137309" sldId="263"/>
-            <ac:spMk id="6" creationId="{6B189840-C568-FCE7-C338-AC0FAD512F62}"/>
-          </ac:spMkLst>
-        </pc:spChg>
-        <pc:spChg chg="add mod">
-          <ac:chgData name="Scruel Tao" userId="5ea5c98d59b44d4b" providerId="LiveId" clId="{2BA6F94F-59B6-4AA6-9DB6-4A8227DBE37E}" dt="2023-04-03T04:24:42.121" v="1788" actId="1076"/>
-          <ac:spMkLst>
-            <pc:docMk/>
-            <pc:sldMk cId="3745137309" sldId="263"/>
-            <ac:spMk id="8" creationId="{4EC194EB-1593-CBF2-055D-77D4ADFC943F}"/>
-          </ac:spMkLst>
-        </pc:spChg>
-        <pc:spChg chg="del">
-          <ac:chgData name="Scruel Tao" userId="5ea5c98d59b44d4b" providerId="LiveId" clId="{2BA6F94F-59B6-4AA6-9DB6-4A8227DBE37E}" dt="2023-04-03T04:19:06.857" v="1681" actId="478"/>
-          <ac:spMkLst>
-            <pc:docMk/>
-            <pc:sldMk cId="3745137309" sldId="263"/>
-            <ac:spMk id="12" creationId="{17AECC1C-6944-9F68-770A-0455E86B2492}"/>
-          </ac:spMkLst>
-        </pc:spChg>
-        <pc:spChg chg="add del mod">
-          <ac:chgData name="Scruel Tao" userId="5ea5c98d59b44d4b" providerId="LiveId" clId="{2BA6F94F-59B6-4AA6-9DB6-4A8227DBE37E}" dt="2023-04-03T04:39:14.278" v="1794"/>
-          <ac:spMkLst>
-            <pc:docMk/>
-            <pc:sldMk cId="3745137309" sldId="263"/>
-            <ac:spMk id="13" creationId="{2B1E7E69-5ECD-2369-2087-012FACB0EF09}"/>
-          </ac:spMkLst>
-        </pc:spChg>
-        <pc:spChg chg="add mod">
-          <ac:chgData name="Scruel Tao" userId="5ea5c98d59b44d4b" providerId="LiveId" clId="{2BA6F94F-59B6-4AA6-9DB6-4A8227DBE37E}" dt="2023-04-03T04:43:54.118" v="2025" actId="1076"/>
-          <ac:spMkLst>
-            <pc:docMk/>
-            <pc:sldMk cId="3745137309" sldId="263"/>
-            <ac:spMk id="14" creationId="{7382B610-BA58-D421-667D-2CC58252E53B}"/>
-          </ac:spMkLst>
-        </pc:spChg>
-        <pc:spChg chg="add del mod">
-          <ac:chgData name="Scruel Tao" userId="5ea5c98d59b44d4b" providerId="LiveId" clId="{2BA6F94F-59B6-4AA6-9DB6-4A8227DBE37E}" dt="2023-04-03T04:41:30.895" v="1872"/>
-          <ac:spMkLst>
-            <pc:docMk/>
-            <pc:sldMk cId="3745137309" sldId="263"/>
-            <ac:spMk id="20" creationId="{3C1528B3-D941-8F6A-C2B1-9FE727504D1A}"/>
-          </ac:spMkLst>
-        </pc:spChg>
-        <pc:spChg chg="add mod">
-          <ac:chgData name="Scruel Tao" userId="5ea5c98d59b44d4b" providerId="LiveId" clId="{2BA6F94F-59B6-4AA6-9DB6-4A8227DBE37E}" dt="2023-04-03T04:43:48.923" v="2024" actId="113"/>
-          <ac:spMkLst>
-            <pc:docMk/>
-            <pc:sldMk cId="3745137309" sldId="263"/>
-            <ac:spMk id="22" creationId="{7B6674C0-F558-F52E-4B1A-A3B15762388C}"/>
-          </ac:spMkLst>
-        </pc:spChg>
-        <pc:picChg chg="add del mod ord">
-          <ac:chgData name="Scruel Tao" userId="5ea5c98d59b44d4b" providerId="LiveId" clId="{2BA6F94F-59B6-4AA6-9DB6-4A8227DBE37E}" dt="2023-04-03T04:19:16.103" v="1684" actId="21"/>
-          <ac:picMkLst>
-            <pc:docMk/>
-            <pc:sldMk cId="3745137309" sldId="263"/>
-            <ac:picMk id="4" creationId="{52AC7973-0B2B-7791-FC5B-6D95CBD8CBA1}"/>
-          </ac:picMkLst>
-        </pc:picChg>
-        <pc:picChg chg="add del mod">
-          <ac:chgData name="Scruel Tao" userId="5ea5c98d59b44d4b" providerId="LiveId" clId="{2BA6F94F-59B6-4AA6-9DB6-4A8227DBE37E}" dt="2023-04-03T04:41:22.605" v="1869" actId="478"/>
-          <ac:picMkLst>
-            <pc:docMk/>
-            <pc:sldMk cId="3745137309" sldId="263"/>
-            <ac:picMk id="9" creationId="{B07056AA-01D5-51E8-D408-F1980FDC4BC3}"/>
-          </ac:picMkLst>
-        </pc:picChg>
-        <pc:picChg chg="add del mod">
-          <ac:chgData name="Scruel Tao" userId="5ea5c98d59b44d4b" providerId="LiveId" clId="{2BA6F94F-59B6-4AA6-9DB6-4A8227DBE37E}" dt="2023-04-03T04:40:34.570" v="1864" actId="21"/>
-          <ac:picMkLst>
-            <pc:docMk/>
-            <pc:sldMk cId="3745137309" sldId="263"/>
-            <ac:picMk id="11" creationId="{F2971DA2-97CA-921D-0683-2575B93D11D9}"/>
-          </ac:picMkLst>
-        </pc:picChg>
-        <pc:picChg chg="add mod">
-          <ac:chgData name="Scruel Tao" userId="5ea5c98d59b44d4b" providerId="LiveId" clId="{2BA6F94F-59B6-4AA6-9DB6-4A8227DBE37E}" dt="2023-04-03T04:41:02.756" v="1866" actId="1076"/>
-          <ac:picMkLst>
-            <pc:docMk/>
-            <pc:sldMk cId="3745137309" sldId="263"/>
-            <ac:picMk id="16" creationId="{6DA1B3CC-2227-CCDD-B3BF-D5E87A89708B}"/>
-          </ac:picMkLst>
-        </pc:picChg>
-        <pc:picChg chg="add del mod">
-          <ac:chgData name="Scruel Tao" userId="5ea5c98d59b44d4b" providerId="LiveId" clId="{2BA6F94F-59B6-4AA6-9DB6-4A8227DBE37E}" dt="2023-04-03T04:41:29.949" v="1871" actId="21"/>
-          <ac:picMkLst>
-            <pc:docMk/>
-            <pc:sldMk cId="3745137309" sldId="263"/>
-            <ac:picMk id="18" creationId="{313CB848-6C20-4548-45B0-BFDAA30EA3A2}"/>
-          </ac:picMkLst>
-        </pc:picChg>
-        <pc:picChg chg="add mod">
-          <ac:chgData name="Scruel Tao" userId="5ea5c98d59b44d4b" providerId="LiveId" clId="{2BA6F94F-59B6-4AA6-9DB6-4A8227DBE37E}" dt="2023-04-03T04:43:33.350" v="2001" actId="1076"/>
-          <ac:picMkLst>
-            <pc:docMk/>
-            <pc:sldMk cId="3745137309" sldId="263"/>
-            <ac:picMk id="21" creationId="{87C92696-2285-C2FB-D306-11BA00515544}"/>
-          </ac:picMkLst>
-        </pc:picChg>
-      </pc:sldChg>
-      <pc:sldChg chg="addSp delSp modSp add mod ord">
-        <pc:chgData name="Scruel Tao" userId="5ea5c98d59b44d4b" providerId="LiveId" clId="{2BA6F94F-59B6-4AA6-9DB6-4A8227DBE37E}" dt="2023-04-06T01:59:23.291" v="3427" actId="20577"/>
-        <pc:sldMkLst>
-          <pc:docMk/>
-          <pc:sldMk cId="3725727672" sldId="264"/>
-        </pc:sldMkLst>
-        <pc:spChg chg="mod">
-          <ac:chgData name="Scruel Tao" userId="5ea5c98d59b44d4b" providerId="LiveId" clId="{2BA6F94F-59B6-4AA6-9DB6-4A8227DBE37E}" dt="2023-04-06T01:59:23.291" v="3427" actId="20577"/>
-          <ac:spMkLst>
-            <pc:docMk/>
-            <pc:sldMk cId="3725727672" sldId="264"/>
-            <ac:spMk id="2" creationId="{ABA783DF-49A6-7EF1-661E-C574E2C2F386}"/>
-          </ac:spMkLst>
-        </pc:spChg>
-        <pc:spChg chg="mod">
-          <ac:chgData name="Scruel Tao" userId="5ea5c98d59b44d4b" providerId="LiveId" clId="{2BA6F94F-59B6-4AA6-9DB6-4A8227DBE37E}" dt="2023-04-03T05:01:36.612" v="2644" actId="1076"/>
-          <ac:spMkLst>
-            <pc:docMk/>
-            <pc:sldMk cId="3725727672" sldId="264"/>
-            <ac:spMk id="5" creationId="{334FF01F-2A65-44F6-34F9-69AC934A31D7}"/>
-          </ac:spMkLst>
-        </pc:spChg>
-        <pc:spChg chg="add del mod">
-          <ac:chgData name="Scruel Tao" userId="5ea5c98d59b44d4b" providerId="LiveId" clId="{2BA6F94F-59B6-4AA6-9DB6-4A8227DBE37E}" dt="2023-04-03T05:00:26.370" v="2626"/>
-          <ac:spMkLst>
-            <pc:docMk/>
-            <pc:sldMk cId="3725727672" sldId="264"/>
-            <ac:spMk id="11" creationId="{E9210103-9DD3-6F29-C0C7-B18A6E419E73}"/>
-          </ac:spMkLst>
-        </pc:spChg>
-        <pc:spChg chg="del mod">
-          <ac:chgData name="Scruel Tao" userId="5ea5c98d59b44d4b" providerId="LiveId" clId="{2BA6F94F-59B6-4AA6-9DB6-4A8227DBE37E}" dt="2023-04-03T04:44:34.015" v="2029"/>
-          <ac:spMkLst>
-            <pc:docMk/>
-            <pc:sldMk cId="3725727672" sldId="264"/>
-            <ac:spMk id="12" creationId="{17AECC1C-6944-9F68-770A-0455E86B2492}"/>
-          </ac:spMkLst>
-        </pc:spChg>
-        <pc:spChg chg="add mod">
-          <ac:chgData name="Scruel Tao" userId="5ea5c98d59b44d4b" providerId="LiveId" clId="{2BA6F94F-59B6-4AA6-9DB6-4A8227DBE37E}" dt="2023-04-03T05:03:05.445" v="2754" actId="1076"/>
-          <ac:spMkLst>
-            <pc:docMk/>
-            <pc:sldMk cId="3725727672" sldId="264"/>
-            <ac:spMk id="15" creationId="{57CD949C-3C60-4F11-3188-DAAC2954E147}"/>
-          </ac:spMkLst>
-        </pc:spChg>
-        <pc:picChg chg="add del mod">
-          <ac:chgData name="Scruel Tao" userId="5ea5c98d59b44d4b" providerId="LiveId" clId="{2BA6F94F-59B6-4AA6-9DB6-4A8227DBE37E}" dt="2023-04-03T05:00:25.324" v="2625" actId="478"/>
-          <ac:picMkLst>
-            <pc:docMk/>
-            <pc:sldMk cId="3725727672" sldId="264"/>
-            <ac:picMk id="4" creationId="{A511FBE8-0DD6-E630-8EF3-0C4EEA9CD752}"/>
-          </ac:picMkLst>
-        </pc:picChg>
-        <pc:picChg chg="add del mod">
-          <ac:chgData name="Scruel Tao" userId="5ea5c98d59b44d4b" providerId="LiveId" clId="{2BA6F94F-59B6-4AA6-9DB6-4A8227DBE37E}" dt="2023-04-03T04:57:24.837" v="2616" actId="21"/>
-          <ac:picMkLst>
-            <pc:docMk/>
-            <pc:sldMk cId="3725727672" sldId="264"/>
-            <ac:picMk id="7" creationId="{DD04D8AF-8509-73F1-4E2C-416ED822D93C}"/>
-          </ac:picMkLst>
-        </pc:picChg>
-        <pc:picChg chg="add mod">
-          <ac:chgData name="Scruel Tao" userId="5ea5c98d59b44d4b" providerId="LiveId" clId="{2BA6F94F-59B6-4AA6-9DB6-4A8227DBE37E}" dt="2023-04-03T05:01:32.816" v="2643" actId="1076"/>
-          <ac:picMkLst>
-            <pc:docMk/>
-            <pc:sldMk cId="3725727672" sldId="264"/>
-            <ac:picMk id="9" creationId="{5508513D-8323-A6F7-C52C-5D05B49C07CC}"/>
-          </ac:picMkLst>
-        </pc:picChg>
-        <pc:picChg chg="add mod">
-          <ac:chgData name="Scruel Tao" userId="5ea5c98d59b44d4b" providerId="LiveId" clId="{2BA6F94F-59B6-4AA6-9DB6-4A8227DBE37E}" dt="2023-04-03T05:01:30.973" v="2642" actId="1076"/>
-          <ac:picMkLst>
-            <pc:docMk/>
-            <pc:sldMk cId="3725727672" sldId="264"/>
-            <ac:picMk id="14" creationId="{D5EB1BEF-B3CD-34F8-C19A-87E8C64345B3}"/>
-          </ac:picMkLst>
-        </pc:picChg>
-      </pc:sldChg>
-      <pc:sldChg chg="addSp delSp modSp add mod">
-        <pc:chgData name="Scruel Tao" userId="5ea5c98d59b44d4b" providerId="LiveId" clId="{2BA6F94F-59B6-4AA6-9DB6-4A8227DBE37E}" dt="2023-04-06T03:12:15.194" v="6242" actId="13926"/>
-        <pc:sldMkLst>
-          <pc:docMk/>
-          <pc:sldMk cId="3416507657" sldId="265"/>
-        </pc:sldMkLst>
-        <pc:spChg chg="mod">
-          <ac:chgData name="Scruel Tao" userId="5ea5c98d59b44d4b" providerId="LiveId" clId="{2BA6F94F-59B6-4AA6-9DB6-4A8227DBE37E}" dt="2023-04-06T01:59:38.903" v="3439" actId="20577"/>
-          <ac:spMkLst>
-            <pc:docMk/>
-            <pc:sldMk cId="3416507657" sldId="265"/>
-            <ac:spMk id="2" creationId="{ABA783DF-49A6-7EF1-661E-C574E2C2F386}"/>
-          </ac:spMkLst>
-        </pc:spChg>
-        <pc:spChg chg="add del mod">
-          <ac:chgData name="Scruel Tao" userId="5ea5c98d59b44d4b" providerId="LiveId" clId="{2BA6F94F-59B6-4AA6-9DB6-4A8227DBE37E}" dt="2023-04-06T03:12:15.194" v="6242" actId="13926"/>
-          <ac:spMkLst>
-            <pc:docMk/>
-            <pc:sldMk cId="3416507657" sldId="265"/>
-            <ac:spMk id="5" creationId="{334FF01F-2A65-44F6-34F9-69AC934A31D7}"/>
-          </ac:spMkLst>
-        </pc:spChg>
-        <pc:spChg chg="add del mod">
-          <ac:chgData name="Scruel Tao" userId="5ea5c98d59b44d4b" providerId="LiveId" clId="{2BA6F94F-59B6-4AA6-9DB6-4A8227DBE37E}" dt="2023-04-03T05:07:31.501" v="2932"/>
-          <ac:spMkLst>
-            <pc:docMk/>
-            <pc:sldMk cId="3416507657" sldId="265"/>
-            <ac:spMk id="9" creationId="{CCAFF9B5-8F81-F673-219D-9240B0194641}"/>
-          </ac:spMkLst>
-        </pc:spChg>
-        <pc:spChg chg="del">
-          <ac:chgData name="Scruel Tao" userId="5ea5c98d59b44d4b" providerId="LiveId" clId="{2BA6F94F-59B6-4AA6-9DB6-4A8227DBE37E}" dt="2023-04-03T05:06:16.950" v="2812"/>
-          <ac:spMkLst>
-            <pc:docMk/>
-            <pc:sldMk cId="3416507657" sldId="265"/>
-            <ac:spMk id="12" creationId="{17AECC1C-6944-9F68-770A-0455E86B2492}"/>
-          </ac:spMkLst>
-        </pc:spChg>
-        <pc:picChg chg="add del mod">
-          <ac:chgData name="Scruel Tao" userId="5ea5c98d59b44d4b" providerId="LiveId" clId="{2BA6F94F-59B6-4AA6-9DB6-4A8227DBE37E}" dt="2023-04-03T05:06:16.168" v="2811"/>
-          <ac:picMkLst>
-            <pc:docMk/>
-            <pc:sldMk cId="3416507657" sldId="265"/>
-            <ac:picMk id="4" creationId="{ABCDEA2C-CB97-DE24-E641-E77BFA3BF78D}"/>
-          </ac:picMkLst>
-        </pc:picChg>
-        <pc:picChg chg="add del mod">
-          <ac:chgData name="Scruel Tao" userId="5ea5c98d59b44d4b" providerId="LiveId" clId="{2BA6F94F-59B6-4AA6-9DB6-4A8227DBE37E}" dt="2023-04-03T05:07:30.490" v="2931" actId="478"/>
-          <ac:picMkLst>
-            <pc:docMk/>
-            <pc:sldMk cId="3416507657" sldId="265"/>
-            <ac:picMk id="7" creationId="{203C7841-531F-0781-7458-699E2A5C7CE7}"/>
-          </ac:picMkLst>
-        </pc:picChg>
-        <pc:picChg chg="add mod">
-          <ac:chgData name="Scruel Tao" userId="5ea5c98d59b44d4b" providerId="LiveId" clId="{2BA6F94F-59B6-4AA6-9DB6-4A8227DBE37E}" dt="2023-04-03T05:09:18.591" v="3012" actId="1076"/>
-          <ac:picMkLst>
-            <pc:docMk/>
-            <pc:sldMk cId="3416507657" sldId="265"/>
-            <ac:picMk id="11" creationId="{44AA24C5-508C-4D40-7E65-55D5627E4671}"/>
-          </ac:picMkLst>
-        </pc:picChg>
-      </pc:sldChg>
-      <pc:sldChg chg="add del">
-        <pc:chgData name="Scruel Tao" userId="5ea5c98d59b44d4b" providerId="LiveId" clId="{2BA6F94F-59B6-4AA6-9DB6-4A8227DBE37E}" dt="2023-04-03T05:03:50.426" v="2761" actId="47"/>
-        <pc:sldMkLst>
-          <pc:docMk/>
-          <pc:sldMk cId="3540231720" sldId="266"/>
-        </pc:sldMkLst>
-      </pc:sldChg>
-      <pc:sldChg chg="add del">
-        <pc:chgData name="Scruel Tao" userId="5ea5c98d59b44d4b" providerId="LiveId" clId="{2BA6F94F-59B6-4AA6-9DB6-4A8227DBE37E}" dt="2023-04-03T05:03:50.758" v="2762" actId="47"/>
-        <pc:sldMkLst>
-          <pc:docMk/>
-          <pc:sldMk cId="4025758886" sldId="267"/>
-        </pc:sldMkLst>
-      </pc:sldChg>
-      <pc:sldChg chg="add del">
-        <pc:chgData name="Scruel Tao" userId="5ea5c98d59b44d4b" providerId="LiveId" clId="{2BA6F94F-59B6-4AA6-9DB6-4A8227DBE37E}" dt="2023-04-03T05:03:50.967" v="2763" actId="47"/>
-        <pc:sldMkLst>
-          <pc:docMk/>
-          <pc:sldMk cId="3881832977" sldId="268"/>
-        </pc:sldMkLst>
-      </pc:sldChg>
-      <pc:sldChg chg="add del">
-        <pc:chgData name="Scruel Tao" userId="5ea5c98d59b44d4b" providerId="LiveId" clId="{2BA6F94F-59B6-4AA6-9DB6-4A8227DBE37E}" dt="2023-04-03T05:03:51.140" v="2764" actId="47"/>
-        <pc:sldMkLst>
-          <pc:docMk/>
-          <pc:sldMk cId="3546485175" sldId="269"/>
-        </pc:sldMkLst>
-      </pc:sldChg>
-      <pc:sldChg chg="addSp delSp modSp add mod ord">
-        <pc:chgData name="Scruel Tao" userId="5ea5c98d59b44d4b" providerId="LiveId" clId="{2BA6F94F-59B6-4AA6-9DB6-4A8227DBE37E}" dt="2023-04-06T03:12:53.496" v="6269" actId="1076"/>
-        <pc:sldMkLst>
-          <pc:docMk/>
-          <pc:sldMk cId="192831406" sldId="270"/>
-        </pc:sldMkLst>
-        <pc:spChg chg="mod">
-          <ac:chgData name="Scruel Tao" userId="5ea5c98d59b44d4b" providerId="LiveId" clId="{2BA6F94F-59B6-4AA6-9DB6-4A8227DBE37E}" dt="2023-04-06T01:59:06.037" v="3423" actId="20577"/>
-          <ac:spMkLst>
-            <pc:docMk/>
-            <pc:sldMk cId="192831406" sldId="270"/>
-            <ac:spMk id="2" creationId="{ABA783DF-49A6-7EF1-661E-C574E2C2F386}"/>
-          </ac:spMkLst>
-        </pc:spChg>
-        <pc:spChg chg="mod">
-          <ac:chgData name="Scruel Tao" userId="5ea5c98d59b44d4b" providerId="LiveId" clId="{2BA6F94F-59B6-4AA6-9DB6-4A8227DBE37E}" dt="2023-04-03T04:55:36.354" v="2500" actId="20577"/>
-          <ac:spMkLst>
-            <pc:docMk/>
-            <pc:sldMk cId="192831406" sldId="270"/>
-            <ac:spMk id="5" creationId="{334FF01F-2A65-44F6-34F9-69AC934A31D7}"/>
-          </ac:spMkLst>
-        </pc:spChg>
-        <pc:spChg chg="add del mod">
-          <ac:chgData name="Scruel Tao" userId="5ea5c98d59b44d4b" providerId="LiveId" clId="{2BA6F94F-59B6-4AA6-9DB6-4A8227DBE37E}" dt="2023-04-03T04:49:26.325" v="2108"/>
-          <ac:spMkLst>
-            <pc:docMk/>
-            <pc:sldMk cId="192831406" sldId="270"/>
-            <ac:spMk id="6" creationId="{4825B1F8-4B63-9130-AF5C-D8B58F7AE6AF}"/>
-          </ac:spMkLst>
-        </pc:spChg>
-        <pc:spChg chg="add del mod">
-          <ac:chgData name="Scruel Tao" userId="5ea5c98d59b44d4b" providerId="LiveId" clId="{2BA6F94F-59B6-4AA6-9DB6-4A8227DBE37E}" dt="2023-04-03T04:55:48.392" v="2504"/>
-          <ac:spMkLst>
-            <pc:docMk/>
-            <pc:sldMk cId="192831406" sldId="270"/>
-            <ac:spMk id="13" creationId="{BFF52406-2E49-3B9D-2A6D-2A5EDD1B1D0D}"/>
-          </ac:spMkLst>
-        </pc:spChg>
-        <pc:spChg chg="add mod">
-          <ac:chgData name="Scruel Tao" userId="5ea5c98d59b44d4b" providerId="LiveId" clId="{2BA6F94F-59B6-4AA6-9DB6-4A8227DBE37E}" dt="2023-04-06T03:12:53.496" v="6269" actId="1076"/>
-          <ac:spMkLst>
-            <pc:docMk/>
-            <pc:sldMk cId="192831406" sldId="270"/>
-            <ac:spMk id="14" creationId="{BF2C039C-7D70-5BA8-10BF-AC65C1C472C2}"/>
-          </ac:spMkLst>
-        </pc:spChg>
-        <pc:picChg chg="del">
-          <ac:chgData name="Scruel Tao" userId="5ea5c98d59b44d4b" providerId="LiveId" clId="{2BA6F94F-59B6-4AA6-9DB6-4A8227DBE37E}" dt="2023-04-03T04:46:04.237" v="2072" actId="21"/>
-          <ac:picMkLst>
-            <pc:docMk/>
-            <pc:sldMk cId="192831406" sldId="270"/>
-            <ac:picMk id="4" creationId="{A511FBE8-0DD6-E630-8EF3-0C4EEA9CD752}"/>
-          </ac:picMkLst>
-        </pc:picChg>
-        <pc:picChg chg="del mod">
-          <ac:chgData name="Scruel Tao" userId="5ea5c98d59b44d4b" providerId="LiveId" clId="{2BA6F94F-59B6-4AA6-9DB6-4A8227DBE37E}" dt="2023-04-03T04:49:25.552" v="2107" actId="21"/>
-          <ac:picMkLst>
-            <pc:docMk/>
-            <pc:sldMk cId="192831406" sldId="270"/>
-            <ac:picMk id="7" creationId="{DD04D8AF-8509-73F1-4E2C-416ED822D93C}"/>
-          </ac:picMkLst>
-        </pc:picChg>
-        <pc:picChg chg="add mod">
-          <ac:chgData name="Scruel Tao" userId="5ea5c98d59b44d4b" providerId="LiveId" clId="{2BA6F94F-59B6-4AA6-9DB6-4A8227DBE37E}" dt="2023-04-03T04:56:24.305" v="2563" actId="1076"/>
-          <ac:picMkLst>
-            <pc:docMk/>
-            <pc:sldMk cId="192831406" sldId="270"/>
-            <ac:picMk id="8" creationId="{9FEE71E3-5A5A-BDD3-0177-666AE0953528}"/>
-          </ac:picMkLst>
-        </pc:picChg>
-        <pc:picChg chg="add mod">
-          <ac:chgData name="Scruel Tao" userId="5ea5c98d59b44d4b" providerId="LiveId" clId="{2BA6F94F-59B6-4AA6-9DB6-4A8227DBE37E}" dt="2023-04-03T04:57:09.828" v="2614" actId="1076"/>
-          <ac:picMkLst>
-            <pc:docMk/>
-            <pc:sldMk cId="192831406" sldId="270"/>
-            <ac:picMk id="10" creationId="{ED7D2C24-3911-466C-3E76-669FC1671250}"/>
-          </ac:picMkLst>
-        </pc:picChg>
-        <pc:picChg chg="add mod">
-          <ac:chgData name="Scruel Tao" userId="5ea5c98d59b44d4b" providerId="LiveId" clId="{2BA6F94F-59B6-4AA6-9DB6-4A8227DBE37E}" dt="2023-04-03T04:55:39.683" v="2501" actId="1076"/>
-          <ac:picMkLst>
-            <pc:docMk/>
-            <pc:sldMk cId="192831406" sldId="270"/>
-            <ac:picMk id="12" creationId="{A8B42638-E2EC-8913-3326-65DFC6BFA414}"/>
-          </ac:picMkLst>
-        </pc:picChg>
-      </pc:sldChg>
-      <pc:sldChg chg="addSp delSp modSp add mod modTransition delAnim modAnim">
-        <pc:chgData name="Scruel Tao" userId="5ea5c98d59b44d4b" providerId="LiveId" clId="{2BA6F94F-59B6-4AA6-9DB6-4A8227DBE37E}" dt="2023-04-06T02:37:35.540" v="4103" actId="20577"/>
-        <pc:sldMkLst>
-          <pc:docMk/>
-          <pc:sldMk cId="555885545" sldId="271"/>
-        </pc:sldMkLst>
-        <pc:spChg chg="mod">
-          <ac:chgData name="Scruel Tao" userId="5ea5c98d59b44d4b" providerId="LiveId" clId="{2BA6F94F-59B6-4AA6-9DB6-4A8227DBE37E}" dt="2023-04-06T02:37:35.540" v="4103" actId="20577"/>
-          <ac:spMkLst>
-            <pc:docMk/>
-            <pc:sldMk cId="555885545" sldId="271"/>
-            <ac:spMk id="2" creationId="{ABA783DF-49A6-7EF1-661E-C574E2C2F386}"/>
-          </ac:spMkLst>
-        </pc:spChg>
-        <pc:spChg chg="mod">
-          <ac:chgData name="Scruel Tao" userId="5ea5c98d59b44d4b" providerId="LiveId" clId="{2BA6F94F-59B6-4AA6-9DB6-4A8227DBE37E}" dt="2023-04-06T02:37:10.496" v="4102" actId="20577"/>
-          <ac:spMkLst>
-            <pc:docMk/>
-            <pc:sldMk cId="555885545" sldId="271"/>
-            <ac:spMk id="5" creationId="{334FF01F-2A65-44F6-34F9-69AC934A31D7}"/>
-          </ac:spMkLst>
-        </pc:spChg>
-        <pc:spChg chg="del">
-          <ac:chgData name="Scruel Tao" userId="5ea5c98d59b44d4b" providerId="LiveId" clId="{2BA6F94F-59B6-4AA6-9DB6-4A8227DBE37E}" dt="2023-04-03T05:12:20.396" v="3109"/>
-          <ac:spMkLst>
-            <pc:docMk/>
-            <pc:sldMk cId="555885545" sldId="271"/>
-            <ac:spMk id="12" creationId="{17AECC1C-6944-9F68-770A-0455E86B2492}"/>
-          </ac:spMkLst>
-        </pc:spChg>
-        <pc:picChg chg="add mod">
-          <ac:chgData name="Scruel Tao" userId="5ea5c98d59b44d4b" providerId="LiveId" clId="{2BA6F94F-59B6-4AA6-9DB6-4A8227DBE37E}" dt="2023-04-03T05:12:24.482" v="3111" actId="1076"/>
-          <ac:picMkLst>
-            <pc:docMk/>
-            <pc:sldMk cId="555885545" sldId="271"/>
-            <ac:picMk id="3" creationId="{E9C9C4B6-9E80-13FC-3C11-56455F818828}"/>
-          </ac:picMkLst>
-        </pc:picChg>
-        <pc:picChg chg="add del mod">
-          <ac:chgData name="Scruel Tao" userId="5ea5c98d59b44d4b" providerId="LiveId" clId="{2BA6F94F-59B6-4AA6-9DB6-4A8227DBE37E}" dt="2023-04-06T02:23:46.442" v="3975" actId="478"/>
-          <ac:picMkLst>
-            <pc:docMk/>
-            <pc:sldMk cId="555885545" sldId="271"/>
-            <ac:picMk id="6" creationId="{946FBC4D-967C-E0DD-4B99-AFE37DE456FC}"/>
-          </ac:picMkLst>
-        </pc:picChg>
-        <pc:picChg chg="add del mod">
-          <ac:chgData name="Scruel Tao" userId="5ea5c98d59b44d4b" providerId="LiveId" clId="{2BA6F94F-59B6-4AA6-9DB6-4A8227DBE37E}" dt="2023-04-06T02:34:23.966" v="4014" actId="478"/>
-          <ac:picMkLst>
-            <pc:docMk/>
-            <pc:sldMk cId="555885545" sldId="271"/>
-            <ac:picMk id="8" creationId="{CBE0F782-9063-9A1B-F123-E3585C23F8D4}"/>
-          </ac:picMkLst>
-        </pc:picChg>
-        <pc:picChg chg="add mod ord">
-          <ac:chgData name="Scruel Tao" userId="5ea5c98d59b44d4b" providerId="LiveId" clId="{2BA6F94F-59B6-4AA6-9DB6-4A8227DBE37E}" dt="2023-04-06T02:34:21.109" v="4013" actId="171"/>
-          <ac:picMkLst>
-            <pc:docMk/>
-            <pc:sldMk cId="555885545" sldId="271"/>
-            <ac:picMk id="10" creationId="{AB9AA877-00A8-CAE0-AEB2-54C3CC706AB2}"/>
-          </ac:picMkLst>
-        </pc:picChg>
-        <pc:picChg chg="add del mod">
-          <ac:chgData name="Scruel Tao" userId="5ea5c98d59b44d4b" providerId="LiveId" clId="{2BA6F94F-59B6-4AA6-9DB6-4A8227DBE37E}" dt="2023-04-06T02:34:05.904" v="4011" actId="478"/>
-          <ac:picMkLst>
-            <pc:docMk/>
-            <pc:sldMk cId="555885545" sldId="271"/>
-            <ac:picMk id="12" creationId="{6B5B9BC3-94A6-21D9-46F9-DD8E61B43B92}"/>
-          </ac:picMkLst>
-        </pc:picChg>
-        <pc:picChg chg="add mod">
-          <ac:chgData name="Scruel Tao" userId="5ea5c98d59b44d4b" providerId="LiveId" clId="{2BA6F94F-59B6-4AA6-9DB6-4A8227DBE37E}" dt="2023-04-06T02:34:48.022" v="4029" actId="1076"/>
-          <ac:picMkLst>
-            <pc:docMk/>
-            <pc:sldMk cId="555885545" sldId="271"/>
-            <ac:picMk id="14" creationId="{6A16C4FE-00E6-5357-100A-B8710B34F596}"/>
-          </ac:picMkLst>
-        </pc:picChg>
-        <pc:picChg chg="add mod">
-          <ac:chgData name="Scruel Tao" userId="5ea5c98d59b44d4b" providerId="LiveId" clId="{2BA6F94F-59B6-4AA6-9DB6-4A8227DBE37E}" dt="2023-04-06T02:35:36.170" v="4034" actId="1076"/>
-          <ac:picMkLst>
-            <pc:docMk/>
-            <pc:sldMk cId="555885545" sldId="271"/>
-            <ac:picMk id="16" creationId="{11C754BB-74AE-32B2-031C-7FF20420B575}"/>
-          </ac:picMkLst>
-        </pc:picChg>
-      </pc:sldChg>
-      <pc:sldChg chg="addSp delSp modSp add mod modClrScheme modAnim chgLayout">
-        <pc:chgData name="Scruel Tao" userId="5ea5c98d59b44d4b" providerId="LiveId" clId="{2BA6F94F-59B6-4AA6-9DB6-4A8227DBE37E}" dt="2023-04-06T03:21:33.591" v="6322" actId="20577"/>
-        <pc:sldMkLst>
-          <pc:docMk/>
-          <pc:sldMk cId="1518949093" sldId="272"/>
-        </pc:sldMkLst>
-        <pc:spChg chg="mod ord">
-          <ac:chgData name="Scruel Tao" userId="5ea5c98d59b44d4b" providerId="LiveId" clId="{2BA6F94F-59B6-4AA6-9DB6-4A8227DBE37E}" dt="2023-04-06T02:46:26.755" v="4346" actId="700"/>
-          <ac:spMkLst>
-            <pc:docMk/>
-            <pc:sldMk cId="1518949093" sldId="272"/>
-            <ac:spMk id="2" creationId="{ABA783DF-49A6-7EF1-661E-C574E2C2F386}"/>
-          </ac:spMkLst>
-        </pc:spChg>
-        <pc:spChg chg="add mod ord">
-          <ac:chgData name="Scruel Tao" userId="5ea5c98d59b44d4b" providerId="LiveId" clId="{2BA6F94F-59B6-4AA6-9DB6-4A8227DBE37E}" dt="2023-04-06T03:21:33.591" v="6322" actId="20577"/>
-          <ac:spMkLst>
-            <pc:docMk/>
-            <pc:sldMk cId="1518949093" sldId="272"/>
-            <ac:spMk id="3" creationId="{939F03AE-10F4-D882-D99A-D5393469A114}"/>
-          </ac:spMkLst>
-        </pc:spChg>
-        <pc:spChg chg="add mod">
-          <ac:chgData name="Scruel Tao" userId="5ea5c98d59b44d4b" providerId="LiveId" clId="{2BA6F94F-59B6-4AA6-9DB6-4A8227DBE37E}" dt="2023-04-06T03:00:35.995" v="5800" actId="1076"/>
-          <ac:spMkLst>
-            <pc:docMk/>
-            <pc:sldMk cId="1518949093" sldId="272"/>
-            <ac:spMk id="4" creationId="{7F9F47DD-E49D-A929-FBF6-0571BAC29FB6}"/>
-          </ac:spMkLst>
-        </pc:spChg>
-        <pc:spChg chg="del mod ord">
-          <ac:chgData name="Scruel Tao" userId="5ea5c98d59b44d4b" providerId="LiveId" clId="{2BA6F94F-59B6-4AA6-9DB6-4A8227DBE37E}" dt="2023-04-06T02:46:26.755" v="4346" actId="700"/>
-          <ac:spMkLst>
-            <pc:docMk/>
-            <pc:sldMk cId="1518949093" sldId="272"/>
-            <ac:spMk id="5" creationId="{334FF01F-2A65-44F6-34F9-69AC934A31D7}"/>
-          </ac:spMkLst>
-        </pc:spChg>
-        <pc:spChg chg="add del mod">
-          <ac:chgData name="Scruel Tao" userId="5ea5c98d59b44d4b" providerId="LiveId" clId="{2BA6F94F-59B6-4AA6-9DB6-4A8227DBE37E}" dt="2023-04-06T02:46:26.755" v="4346" actId="700"/>
-          <ac:spMkLst>
-            <pc:docMk/>
-            <pc:sldMk cId="1518949093" sldId="272"/>
-            <ac:spMk id="7" creationId="{F35B7A8A-4930-2C62-CD2B-1E4E38AFABE3}"/>
-          </ac:spMkLst>
-        </pc:spChg>
-        <pc:spChg chg="del">
-          <ac:chgData name="Scruel Tao" userId="5ea5c98d59b44d4b" providerId="LiveId" clId="{2BA6F94F-59B6-4AA6-9DB6-4A8227DBE37E}" dt="2023-04-03T05:12:13.720" v="3106"/>
-          <ac:spMkLst>
-            <pc:docMk/>
-            <pc:sldMk cId="1518949093" sldId="272"/>
-            <ac:spMk id="12" creationId="{17AECC1C-6944-9F68-770A-0455E86B2492}"/>
-          </ac:spMkLst>
-        </pc:spChg>
-        <pc:picChg chg="add del mod">
-          <ac:chgData name="Scruel Tao" userId="5ea5c98d59b44d4b" providerId="LiveId" clId="{2BA6F94F-59B6-4AA6-9DB6-4A8227DBE37E}" dt="2023-04-03T05:12:18.430" v="3108" actId="21"/>
-          <ac:picMkLst>
-            <pc:docMk/>
-            <pc:sldMk cId="1518949093" sldId="272"/>
-            <ac:picMk id="4" creationId="{ED7E2725-EC32-D629-C663-EC55BC83D8AA}"/>
-          </ac:picMkLst>
-        </pc:picChg>
-      </pc:sldChg>
-      <pc:sldChg chg="addSp delSp modSp add mod modAnim">
-        <pc:chgData name="Scruel Tao" userId="5ea5c98d59b44d4b" providerId="LiveId" clId="{2BA6F94F-59B6-4AA6-9DB6-4A8227DBE37E}" dt="2023-04-06T03:22:01.021" v="6326" actId="20577"/>
-        <pc:sldMkLst>
-          <pc:docMk/>
-          <pc:sldMk cId="1301849154" sldId="273"/>
-        </pc:sldMkLst>
-        <pc:spChg chg="mod">
-          <ac:chgData name="Scruel Tao" userId="5ea5c98d59b44d4b" providerId="LiveId" clId="{2BA6F94F-59B6-4AA6-9DB6-4A8227DBE37E}" dt="2023-04-06T02:00:22.559" v="3502" actId="20577"/>
-          <ac:spMkLst>
-            <pc:docMk/>
-            <pc:sldMk cId="1301849154" sldId="273"/>
-            <ac:spMk id="2" creationId="{ABA783DF-49A6-7EF1-661E-C574E2C2F386}"/>
-          </ac:spMkLst>
-        </pc:spChg>
-        <pc:spChg chg="mod ord">
-          <ac:chgData name="Scruel Tao" userId="5ea5c98d59b44d4b" providerId="LiveId" clId="{2BA6F94F-59B6-4AA6-9DB6-4A8227DBE37E}" dt="2023-04-06T03:22:01.021" v="6326" actId="20577"/>
-          <ac:spMkLst>
-            <pc:docMk/>
-            <pc:sldMk cId="1301849154" sldId="273"/>
-            <ac:spMk id="5" creationId="{334FF01F-2A65-44F6-34F9-69AC934A31D7}"/>
-          </ac:spMkLst>
-        </pc:spChg>
-        <pc:spChg chg="add del">
-          <ac:chgData name="Scruel Tao" userId="5ea5c98d59b44d4b" providerId="LiveId" clId="{2BA6F94F-59B6-4AA6-9DB6-4A8227DBE37E}" dt="2023-04-06T03:03:08.342" v="5816" actId="22"/>
-          <ac:spMkLst>
-            <pc:docMk/>
-            <pc:sldMk cId="1301849154" sldId="273"/>
-            <ac:spMk id="9" creationId="{2D63CFCC-FD4C-6E5B-C31C-1FACE6548087}"/>
-          </ac:spMkLst>
-        </pc:spChg>
-        <pc:spChg chg="del">
-          <ac:chgData name="Scruel Tao" userId="5ea5c98d59b44d4b" providerId="LiveId" clId="{2BA6F94F-59B6-4AA6-9DB6-4A8227DBE37E}" dt="2023-04-06T02:59:42.163" v="5772"/>
-          <ac:spMkLst>
-            <pc:docMk/>
-            <pc:sldMk cId="1301849154" sldId="273"/>
-            <ac:spMk id="12" creationId="{17AECC1C-6944-9F68-770A-0455E86B2492}"/>
-          </ac:spMkLst>
-        </pc:spChg>
-        <pc:picChg chg="add mod">
-          <ac:chgData name="Scruel Tao" userId="5ea5c98d59b44d4b" providerId="LiveId" clId="{2BA6F94F-59B6-4AA6-9DB6-4A8227DBE37E}" dt="2023-04-06T03:00:08.355" v="5783" actId="14100"/>
-          <ac:picMkLst>
-            <pc:docMk/>
-            <pc:sldMk cId="1301849154" sldId="273"/>
-            <ac:picMk id="4" creationId="{0A002240-4414-DA2D-96E9-81195475F4D9}"/>
-          </ac:picMkLst>
-        </pc:picChg>
-        <pc:picChg chg="add mod">
-          <ac:chgData name="Scruel Tao" userId="5ea5c98d59b44d4b" providerId="LiveId" clId="{2BA6F94F-59B6-4AA6-9DB6-4A8227DBE37E}" dt="2023-04-06T03:01:55.942" v="5807" actId="1076"/>
-          <ac:picMkLst>
-            <pc:docMk/>
-            <pc:sldMk cId="1301849154" sldId="273"/>
-            <ac:picMk id="7" creationId="{039AB04D-EA90-8BDD-A9C6-599C7C25DC63}"/>
-          </ac:picMkLst>
-        </pc:picChg>
-        <pc:picChg chg="add mod">
-          <ac:chgData name="Scruel Tao" userId="5ea5c98d59b44d4b" providerId="LiveId" clId="{2BA6F94F-59B6-4AA6-9DB6-4A8227DBE37E}" dt="2023-04-06T03:03:35.262" v="5826" actId="1076"/>
-          <ac:picMkLst>
-            <pc:docMk/>
-            <pc:sldMk cId="1301849154" sldId="273"/>
-            <ac:picMk id="11" creationId="{F56CF5C9-083E-9020-8D45-F23AB3CF38CE}"/>
-          </ac:picMkLst>
-        </pc:picChg>
-      </pc:sldChg>
-      <pc:sldChg chg="addSp delSp modSp add mod modClrScheme modAnim chgLayout">
-        <pc:chgData name="Scruel Tao" userId="5ea5c98d59b44d4b" providerId="LiveId" clId="{2BA6F94F-59B6-4AA6-9DB6-4A8227DBE37E}" dt="2023-04-06T03:08:04.347" v="6177" actId="20577"/>
-        <pc:sldMkLst>
-          <pc:docMk/>
-          <pc:sldMk cId="2878673110" sldId="274"/>
-        </pc:sldMkLst>
-        <pc:spChg chg="mod ord">
-          <ac:chgData name="Scruel Tao" userId="5ea5c98d59b44d4b" providerId="LiveId" clId="{2BA6F94F-59B6-4AA6-9DB6-4A8227DBE37E}" dt="2023-04-06T03:06:24.832" v="6026" actId="20577"/>
-          <ac:spMkLst>
-            <pc:docMk/>
-            <pc:sldMk cId="2878673110" sldId="274"/>
-            <ac:spMk id="2" creationId="{ABA783DF-49A6-7EF1-661E-C574E2C2F386}"/>
-          </ac:spMkLst>
-        </pc:spChg>
-        <pc:spChg chg="add mod ord">
-          <ac:chgData name="Scruel Tao" userId="5ea5c98d59b44d4b" providerId="LiveId" clId="{2BA6F94F-59B6-4AA6-9DB6-4A8227DBE37E}" dt="2023-04-06T03:08:04.347" v="6177" actId="20577"/>
-          <ac:spMkLst>
-            <pc:docMk/>
-            <pc:sldMk cId="2878673110" sldId="274"/>
-            <ac:spMk id="3" creationId="{9E0BA8B8-92DA-1AC9-79B9-A552D184BB54}"/>
-          </ac:spMkLst>
-        </pc:spChg>
-        <pc:spChg chg="del mod ord">
-          <ac:chgData name="Scruel Tao" userId="5ea5c98d59b44d4b" providerId="LiveId" clId="{2BA6F94F-59B6-4AA6-9DB6-4A8227DBE37E}" dt="2023-04-03T05:14:57.549" v="3272" actId="700"/>
-          <ac:spMkLst>
-            <pc:docMk/>
-            <pc:sldMk cId="2878673110" sldId="274"/>
-            <ac:spMk id="5" creationId="{334FF01F-2A65-44F6-34F9-69AC934A31D7}"/>
-          </ac:spMkLst>
-        </pc:spChg>
-        <pc:spChg chg="del">
-          <ac:chgData name="Scruel Tao" userId="5ea5c98d59b44d4b" providerId="LiveId" clId="{2BA6F94F-59B6-4AA6-9DB6-4A8227DBE37E}" dt="2023-04-03T05:14:57.549" v="3272" actId="700"/>
-          <ac:spMkLst>
-            <pc:docMk/>
-            <pc:sldMk cId="2878673110" sldId="274"/>
-            <ac:spMk id="12" creationId="{17AECC1C-6944-9F68-770A-0455E86B2492}"/>
-          </ac:spMkLst>
-        </pc:spChg>
-      </pc:sldChg>
-      <pc:sldChg chg="addSp delSp modSp add mod delAnim modAnim">
-        <pc:chgData name="Scruel Tao" userId="5ea5c98d59b44d4b" providerId="LiveId" clId="{2BA6F94F-59B6-4AA6-9DB6-4A8227DBE37E}" dt="2023-04-06T03:11:42.112" v="6223" actId="20577"/>
-        <pc:sldMkLst>
-          <pc:docMk/>
-          <pc:sldMk cId="1525970791" sldId="275"/>
-        </pc:sldMkLst>
-        <pc:spChg chg="mod">
-          <ac:chgData name="Scruel Tao" userId="5ea5c98d59b44d4b" providerId="LiveId" clId="{2BA6F94F-59B6-4AA6-9DB6-4A8227DBE37E}" dt="2023-04-06T02:37:55.606" v="4130" actId="20577"/>
-          <ac:spMkLst>
-            <pc:docMk/>
-            <pc:sldMk cId="1525970791" sldId="275"/>
-            <ac:spMk id="2" creationId="{ABA783DF-49A6-7EF1-661E-C574E2C2F386}"/>
-          </ac:spMkLst>
-        </pc:spChg>
-        <pc:spChg chg="add mod">
-          <ac:chgData name="Scruel Tao" userId="5ea5c98d59b44d4b" providerId="LiveId" clId="{2BA6F94F-59B6-4AA6-9DB6-4A8227DBE37E}" dt="2023-04-06T02:40:44.115" v="4288" actId="1076"/>
-          <ac:spMkLst>
-            <pc:docMk/>
-            <pc:sldMk cId="1525970791" sldId="275"/>
-            <ac:spMk id="3" creationId="{758FEE91-E006-78B4-7371-44F05CE1873F}"/>
-          </ac:spMkLst>
-        </pc:spChg>
-        <pc:spChg chg="mod">
-          <ac:chgData name="Scruel Tao" userId="5ea5c98d59b44d4b" providerId="LiveId" clId="{2BA6F94F-59B6-4AA6-9DB6-4A8227DBE37E}" dt="2023-04-06T03:11:42.112" v="6223" actId="20577"/>
-          <ac:spMkLst>
-            <pc:docMk/>
-            <pc:sldMk cId="1525970791" sldId="275"/>
-            <ac:spMk id="5" creationId="{334FF01F-2A65-44F6-34F9-69AC934A31D7}"/>
-          </ac:spMkLst>
-        </pc:spChg>
-        <pc:spChg chg="add del mod">
-          <ac:chgData name="Scruel Tao" userId="5ea5c98d59b44d4b" providerId="LiveId" clId="{2BA6F94F-59B6-4AA6-9DB6-4A8227DBE37E}" dt="2023-04-06T02:41:11.484" v="4301"/>
-          <ac:spMkLst>
-            <pc:docMk/>
-            <pc:sldMk cId="1525970791" sldId="275"/>
-            <ac:spMk id="6" creationId="{FE71521E-2CC0-4A61-AAED-50B969DD3FB2}"/>
-          </ac:spMkLst>
-        </pc:spChg>
-        <pc:spChg chg="add del mod">
-          <ac:chgData name="Scruel Tao" userId="5ea5c98d59b44d4b" providerId="LiveId" clId="{2BA6F94F-59B6-4AA6-9DB6-4A8227DBE37E}" dt="2023-04-06T02:41:49.801" v="4308"/>
-          <ac:spMkLst>
-            <pc:docMk/>
-            <pc:sldMk cId="1525970791" sldId="275"/>
-            <ac:spMk id="11" creationId="{E7566BCF-DD27-2A40-5FAC-846D590C6664}"/>
-          </ac:spMkLst>
-        </pc:spChg>
-        <pc:picChg chg="del">
-          <ac:chgData name="Scruel Tao" userId="5ea5c98d59b44d4b" providerId="LiveId" clId="{2BA6F94F-59B6-4AA6-9DB6-4A8227DBE37E}" dt="2023-04-03T05:13:19.543" v="3163" actId="21"/>
-          <ac:picMkLst>
-            <pc:docMk/>
-            <pc:sldMk cId="1525970791" sldId="275"/>
-            <ac:picMk id="3" creationId="{E9C9C4B6-9E80-13FC-3C11-56455F818828}"/>
-          </ac:picMkLst>
-        </pc:picChg>
-        <pc:picChg chg="add del mod">
-          <ac:chgData name="Scruel Tao" userId="5ea5c98d59b44d4b" providerId="LiveId" clId="{2BA6F94F-59B6-4AA6-9DB6-4A8227DBE37E}" dt="2023-04-06T02:41:10.728" v="4300"/>
-          <ac:picMkLst>
-            <pc:docMk/>
-            <pc:sldMk cId="1525970791" sldId="275"/>
-            <ac:picMk id="7" creationId="{72753DEC-DD0C-C274-F404-F5EB4CD1C448}"/>
-          </ac:picMkLst>
-        </pc:picChg>
-        <pc:picChg chg="add del mod">
-          <ac:chgData name="Scruel Tao" userId="5ea5c98d59b44d4b" providerId="LiveId" clId="{2BA6F94F-59B6-4AA6-9DB6-4A8227DBE37E}" dt="2023-04-06T02:41:48.798" v="4307" actId="478"/>
-          <ac:picMkLst>
-            <pc:docMk/>
-            <pc:sldMk cId="1525970791" sldId="275"/>
-            <ac:picMk id="9" creationId="{956D46E1-CA10-6110-3721-527FB106B816}"/>
-          </ac:picMkLst>
-        </pc:picChg>
-        <pc:picChg chg="add mod">
-          <ac:chgData name="Scruel Tao" userId="5ea5c98d59b44d4b" providerId="LiveId" clId="{2BA6F94F-59B6-4AA6-9DB6-4A8227DBE37E}" dt="2023-04-06T02:41:56.060" v="4311" actId="14100"/>
-          <ac:picMkLst>
-            <pc:docMk/>
-            <pc:sldMk cId="1525970791" sldId="275"/>
-            <ac:picMk id="13" creationId="{28E0336C-E8D0-EA88-BA1F-58180AAA10B2}"/>
-          </ac:picMkLst>
-        </pc:picChg>
-        <pc:picChg chg="add mod">
-          <ac:chgData name="Scruel Tao" userId="5ea5c98d59b44d4b" providerId="LiveId" clId="{2BA6F94F-59B6-4AA6-9DB6-4A8227DBE37E}" dt="2023-04-06T02:43:15.541" v="4323" actId="1076"/>
-          <ac:picMkLst>
-            <pc:docMk/>
-            <pc:sldMk cId="1525970791" sldId="275"/>
-            <ac:picMk id="15" creationId="{688D0B3B-ED19-D752-7801-4EA7CCF93CF1}"/>
-          </ac:picMkLst>
-        </pc:picChg>
-        <pc:picChg chg="add del mod">
-          <ac:chgData name="Scruel Tao" userId="5ea5c98d59b44d4b" providerId="LiveId" clId="{2BA6F94F-59B6-4AA6-9DB6-4A8227DBE37E}" dt="2023-04-06T02:45:44.597" v="4337" actId="478"/>
-          <ac:picMkLst>
-            <pc:docMk/>
-            <pc:sldMk cId="1525970791" sldId="275"/>
-            <ac:picMk id="17" creationId="{A0899730-319B-2A2E-DBC8-BEBF8655AA69}"/>
-          </ac:picMkLst>
-        </pc:picChg>
-        <pc:picChg chg="add mod">
-          <ac:chgData name="Scruel Tao" userId="5ea5c98d59b44d4b" providerId="LiveId" clId="{2BA6F94F-59B6-4AA6-9DB6-4A8227DBE37E}" dt="2023-04-06T02:45:54.296" v="4342" actId="1076"/>
-          <ac:picMkLst>
-            <pc:docMk/>
-            <pc:sldMk cId="1525970791" sldId="275"/>
-            <ac:picMk id="19" creationId="{EA4C9E56-4F35-33EF-251B-533EFC0DABBF}"/>
-          </ac:picMkLst>
-        </pc:picChg>
-      </pc:sldChg>
-      <pc:sldChg chg="modSp add del mod">
-        <pc:chgData name="Scruel Tao" userId="5ea5c98d59b44d4b" providerId="LiveId" clId="{2BA6F94F-59B6-4AA6-9DB6-4A8227DBE37E}" dt="2023-04-06T02:37:57.733" v="4131" actId="47"/>
-        <pc:sldMkLst>
-          <pc:docMk/>
-          <pc:sldMk cId="1084643022" sldId="276"/>
-        </pc:sldMkLst>
-        <pc:spChg chg="mod">
-          <ac:chgData name="Scruel Tao" userId="5ea5c98d59b44d4b" providerId="LiveId" clId="{2BA6F94F-59B6-4AA6-9DB6-4A8227DBE37E}" dt="2023-04-06T01:59:57.563" v="3451" actId="20577"/>
-          <ac:spMkLst>
-            <pc:docMk/>
-            <pc:sldMk cId="1084643022" sldId="276"/>
-            <ac:spMk id="2" creationId="{ABA783DF-49A6-7EF1-661E-C574E2C2F386}"/>
-          </ac:spMkLst>
-        </pc:spChg>
-      </pc:sldChg>
-      <pc:sldMasterChg chg="modSldLayout">
-        <pc:chgData name="Scruel Tao" userId="5ea5c98d59b44d4b" providerId="LiveId" clId="{2BA6F94F-59B6-4AA6-9DB6-4A8227DBE37E}" dt="2023-04-03T03:34:53.033" v="335" actId="1076"/>
-        <pc:sldMasterMkLst>
-          <pc:docMk/>
-          <pc:sldMasterMk cId="1766057859" sldId="2147483648"/>
-        </pc:sldMasterMkLst>
-        <pc:sldLayoutChg chg="delSp modSp mod">
-          <pc:chgData name="Scruel Tao" userId="5ea5c98d59b44d4b" providerId="LiveId" clId="{2BA6F94F-59B6-4AA6-9DB6-4A8227DBE37E}" dt="2023-04-03T03:34:53.033" v="335" actId="1076"/>
-          <pc:sldLayoutMkLst>
-            <pc:docMk/>
-            <pc:sldMasterMk cId="1766057859" sldId="2147483648"/>
-            <pc:sldLayoutMk cId="1337634028" sldId="2147483660"/>
-          </pc:sldLayoutMkLst>
-          <pc:spChg chg="del mod">
-            <ac:chgData name="Scruel Tao" userId="5ea5c98d59b44d4b" providerId="LiveId" clId="{2BA6F94F-59B6-4AA6-9DB6-4A8227DBE37E}" dt="2023-04-03T03:27:47.594" v="278" actId="478"/>
-            <ac:spMkLst>
-              <pc:docMk/>
-              <pc:sldMasterMk cId="1766057859" sldId="2147483648"/>
-              <pc:sldLayoutMk cId="1337634028" sldId="2147483660"/>
-              <ac:spMk id="19468" creationId="{418CE5A5-515B-CEAB-D160-CBAFEBF4837F}"/>
-            </ac:spMkLst>
-          </pc:spChg>
-          <pc:picChg chg="del">
-            <ac:chgData name="Scruel Tao" userId="5ea5c98d59b44d4b" providerId="LiveId" clId="{2BA6F94F-59B6-4AA6-9DB6-4A8227DBE37E}" dt="2023-04-03T03:26:11.336" v="269" actId="21"/>
-            <ac:picMkLst>
-              <pc:docMk/>
-              <pc:sldMasterMk cId="1766057859" sldId="2147483648"/>
-              <pc:sldLayoutMk cId="1337634028" sldId="2147483660"/>
-              <ac:picMk id="19481" creationId="{02568321-E4E6-1B3D-8017-A3451A7203B9}"/>
-            </ac:picMkLst>
-          </pc:picChg>
-          <pc:picChg chg="mod">
-            <ac:chgData name="Scruel Tao" userId="5ea5c98d59b44d4b" providerId="LiveId" clId="{2BA6F94F-59B6-4AA6-9DB6-4A8227DBE37E}" dt="2023-04-03T03:34:53.033" v="335" actId="1076"/>
-            <ac:picMkLst>
-              <pc:docMk/>
-              <pc:sldMasterMk cId="1766057859" sldId="2147483648"/>
-              <pc:sldLayoutMk cId="1337634028" sldId="2147483660"/>
-              <ac:picMk id="19482" creationId="{8F2B9C9A-7CA4-5723-784E-DBADCF09186B}"/>
-            </ac:picMkLst>
-          </pc:picChg>
-        </pc:sldLayoutChg>
-      </pc:sldMasterChg>
-    </pc:docChg>
-  </pc:docChgLst>
-  <pc:docChgLst>
-    <pc:chgData name="Scruel Tao" userId="5ea5c98d59b44d4b" providerId="LiveId" clId="{3A1D6ABC-E778-4DB1-9EB7-D67198ABF6F5}"/>
-    <pc:docChg chg="undo custSel addSld delSld modSld modMainMaster">
-      <pc:chgData name="Scruel Tao" userId="5ea5c98d59b44d4b" providerId="LiveId" clId="{3A1D6ABC-E778-4DB1-9EB7-D67198ABF6F5}" dt="2023-05-16T03:59:12.622" v="107" actId="478"/>
-      <pc:docMkLst>
-        <pc:docMk/>
-      </pc:docMkLst>
-      <pc:sldChg chg="modSp add del mod">
-        <pc:chgData name="Scruel Tao" userId="5ea5c98d59b44d4b" providerId="LiveId" clId="{3A1D6ABC-E778-4DB1-9EB7-D67198ABF6F5}" dt="2023-05-04T18:25:52.276" v="105" actId="20577"/>
-        <pc:sldMkLst>
-          <pc:docMk/>
-          <pc:sldMk cId="1112998187" sldId="257"/>
-        </pc:sldMkLst>
-        <pc:spChg chg="mod">
-          <ac:chgData name="Scruel Tao" userId="5ea5c98d59b44d4b" providerId="LiveId" clId="{3A1D6ABC-E778-4DB1-9EB7-D67198ABF6F5}" dt="2023-05-04T18:25:52.276" v="105" actId="20577"/>
-          <ac:spMkLst>
-            <pc:docMk/>
-            <pc:sldMk cId="1112998187" sldId="257"/>
-            <ac:spMk id="2" creationId="{1422DFF6-0952-1023-64E3-97184D36BE3F}"/>
-          </ac:spMkLst>
-        </pc:spChg>
-        <pc:spChg chg="mod">
-          <ac:chgData name="Scruel Tao" userId="5ea5c98d59b44d4b" providerId="LiveId" clId="{3A1D6ABC-E778-4DB1-9EB7-D67198ABF6F5}" dt="2023-05-04T01:22:16.978" v="94"/>
-          <ac:spMkLst>
-            <pc:docMk/>
-            <pc:sldMk cId="1112998187" sldId="257"/>
-            <ac:spMk id="3" creationId="{AC7759D9-0BB4-08ED-8476-24F7D903D6DE}"/>
-          </ac:spMkLst>
-        </pc:spChg>
-      </pc:sldChg>
-      <pc:sldChg chg="addSp delSp modSp mod">
-        <pc:chgData name="Scruel Tao" userId="5ea5c98d59b44d4b" providerId="LiveId" clId="{3A1D6ABC-E778-4DB1-9EB7-D67198ABF6F5}" dt="2023-05-16T03:59:06.231" v="106" actId="478"/>
-        <pc:sldMkLst>
-          <pc:docMk/>
-          <pc:sldMk cId="0" sldId="260"/>
-        </pc:sldMkLst>
-        <pc:spChg chg="del">
-          <ac:chgData name="Scruel Tao" userId="5ea5c98d59b44d4b" providerId="LiveId" clId="{3A1D6ABC-E778-4DB1-9EB7-D67198ABF6F5}" dt="2023-05-16T03:59:06.231" v="106" actId="478"/>
-          <ac:spMkLst>
-            <pc:docMk/>
-            <pc:sldMk cId="0" sldId="260"/>
-            <ac:spMk id="2" creationId="{51B8E4C0-E15B-4BD0-7B5B-A44A3D5B0C34}"/>
-          </ac:spMkLst>
-        </pc:spChg>
-        <pc:spChg chg="del">
-          <ac:chgData name="Scruel Tao" userId="5ea5c98d59b44d4b" providerId="LiveId" clId="{3A1D6ABC-E778-4DB1-9EB7-D67198ABF6F5}" dt="2023-05-03T00:11:35.943" v="68" actId="478"/>
-          <ac:spMkLst>
-            <pc:docMk/>
-            <pc:sldMk cId="0" sldId="260"/>
-            <ac:spMk id="3" creationId="{C8068F35-EF78-6218-F528-48E9ED924DF4}"/>
-          </ac:spMkLst>
-        </pc:spChg>
-        <pc:spChg chg="add mod">
-          <ac:chgData name="Scruel Tao" userId="5ea5c98d59b44d4b" providerId="LiveId" clId="{3A1D6ABC-E778-4DB1-9EB7-D67198ABF6F5}" dt="2023-05-03T00:11:36.178" v="69"/>
-          <ac:spMkLst>
-            <pc:docMk/>
-            <pc:sldMk cId="0" sldId="260"/>
-            <ac:spMk id="4" creationId="{C8D8A3AF-A568-FD46-61C8-B9A8DB918237}"/>
-          </ac:spMkLst>
-        </pc:spChg>
-        <pc:spChg chg="mod">
-          <ac:chgData name="Scruel Tao" userId="5ea5c98d59b44d4b" providerId="LiveId" clId="{3A1D6ABC-E778-4DB1-9EB7-D67198ABF6F5}" dt="2023-04-29T18:29:54.560" v="61"/>
-          <ac:spMkLst>
-            <pc:docMk/>
-            <pc:sldMk cId="0" sldId="260"/>
-            <ac:spMk id="1227783" creationId="{F7B3941E-B689-22D6-F18C-358E4BAEDF5F}"/>
-          </ac:spMkLst>
-        </pc:spChg>
-      </pc:sldChg>
-      <pc:sldChg chg="modSp add del mod modAnim">
-        <pc:chgData name="Scruel Tao" userId="5ea5c98d59b44d4b" providerId="LiveId" clId="{3A1D6ABC-E778-4DB1-9EB7-D67198ABF6F5}" dt="2023-04-29T18:26:58.287" v="57" actId="113"/>
-        <pc:sldMkLst>
-          <pc:docMk/>
-          <pc:sldMk cId="3519437269" sldId="279"/>
-        </pc:sldMkLst>
-        <pc:spChg chg="mod">
-          <ac:chgData name="Scruel Tao" userId="5ea5c98d59b44d4b" providerId="LiveId" clId="{3A1D6ABC-E778-4DB1-9EB7-D67198ABF6F5}" dt="2023-04-26T03:03:06.265" v="40" actId="2711"/>
-          <ac:spMkLst>
-            <pc:docMk/>
-            <pc:sldMk cId="3519437269" sldId="279"/>
-            <ac:spMk id="2" creationId="{BAD162F0-2175-84E9-2387-55F669162449}"/>
-          </ac:spMkLst>
-        </pc:spChg>
-        <pc:spChg chg="mod">
-          <ac:chgData name="Scruel Tao" userId="5ea5c98d59b44d4b" providerId="LiveId" clId="{3A1D6ABC-E778-4DB1-9EB7-D67198ABF6F5}" dt="2023-04-29T18:26:58.287" v="57" actId="113"/>
-          <ac:spMkLst>
-            <pc:docMk/>
-            <pc:sldMk cId="3519437269" sldId="279"/>
-            <ac:spMk id="7" creationId="{12C899D8-51C5-D9B7-A323-E6EFE4AB5C33}"/>
-          </ac:spMkLst>
-        </pc:spChg>
-      </pc:sldChg>
-      <pc:sldChg chg="add del">
-        <pc:chgData name="Scruel Tao" userId="5ea5c98d59b44d4b" providerId="LiveId" clId="{3A1D6ABC-E778-4DB1-9EB7-D67198ABF6F5}" dt="2023-04-29T14:08:58.336" v="56" actId="47"/>
-        <pc:sldMkLst>
-          <pc:docMk/>
-          <pc:sldMk cId="3745708182" sldId="280"/>
-        </pc:sldMkLst>
-      </pc:sldChg>
-      <pc:sldChg chg="modSp add del mod">
-        <pc:chgData name="Scruel Tao" userId="5ea5c98d59b44d4b" providerId="LiveId" clId="{3A1D6ABC-E778-4DB1-9EB7-D67198ABF6F5}" dt="2023-04-26T03:03:13.841" v="45" actId="20577"/>
-        <pc:sldMkLst>
-          <pc:docMk/>
-          <pc:sldMk cId="364430658" sldId="282"/>
-        </pc:sldMkLst>
-        <pc:spChg chg="mod">
-          <ac:chgData name="Scruel Tao" userId="5ea5c98d59b44d4b" providerId="LiveId" clId="{3A1D6ABC-E778-4DB1-9EB7-D67198ABF6F5}" dt="2023-04-26T03:03:13.841" v="45" actId="20577"/>
-          <ac:spMkLst>
-            <pc:docMk/>
-            <pc:sldMk cId="364430658" sldId="282"/>
-            <ac:spMk id="2" creationId="{1CBF67D3-549D-0623-7687-618F66C7933B}"/>
-          </ac:spMkLst>
-        </pc:spChg>
-      </pc:sldChg>
-      <pc:sldChg chg="modSp add mod">
-        <pc:chgData name="Scruel Tao" userId="5ea5c98d59b44d4b" providerId="LiveId" clId="{3A1D6ABC-E778-4DB1-9EB7-D67198ABF6F5}" dt="2023-04-29T18:26:59.266" v="58" actId="113"/>
-        <pc:sldMkLst>
-          <pc:docMk/>
-          <pc:sldMk cId="2810264383" sldId="283"/>
-        </pc:sldMkLst>
-        <pc:spChg chg="mod">
-          <ac:chgData name="Scruel Tao" userId="5ea5c98d59b44d4b" providerId="LiveId" clId="{3A1D6ABC-E778-4DB1-9EB7-D67198ABF6F5}" dt="2023-04-26T08:26:59.408" v="51"/>
-          <ac:spMkLst>
-            <pc:docMk/>
-            <pc:sldMk cId="2810264383" sldId="283"/>
-            <ac:spMk id="2" creationId="{BAD162F0-2175-84E9-2387-55F669162449}"/>
-          </ac:spMkLst>
-        </pc:spChg>
-        <pc:spChg chg="mod">
-          <ac:chgData name="Scruel Tao" userId="5ea5c98d59b44d4b" providerId="LiveId" clId="{3A1D6ABC-E778-4DB1-9EB7-D67198ABF6F5}" dt="2023-04-29T18:26:59.266" v="58" actId="113"/>
-          <ac:spMkLst>
-            <pc:docMk/>
-            <pc:sldMk cId="2810264383" sldId="283"/>
-            <ac:spMk id="7" creationId="{12C899D8-51C5-D9B7-A323-E6EFE4AB5C33}"/>
-          </ac:spMkLst>
-        </pc:spChg>
-      </pc:sldChg>
-      <pc:sldChg chg="modSp add mod">
-        <pc:chgData name="Scruel Tao" userId="5ea5c98d59b44d4b" providerId="LiveId" clId="{3A1D6ABC-E778-4DB1-9EB7-D67198ABF6F5}" dt="2023-04-29T18:27:00.527" v="59" actId="113"/>
-        <pc:sldMkLst>
-          <pc:docMk/>
-          <pc:sldMk cId="242327914" sldId="284"/>
-        </pc:sldMkLst>
-        <pc:spChg chg="mod">
-          <ac:chgData name="Scruel Tao" userId="5ea5c98d59b44d4b" providerId="LiveId" clId="{3A1D6ABC-E778-4DB1-9EB7-D67198ABF6F5}" dt="2023-04-26T08:27:03.459" v="52"/>
-          <ac:spMkLst>
-            <pc:docMk/>
-            <pc:sldMk cId="242327914" sldId="284"/>
-            <ac:spMk id="2" creationId="{BAD162F0-2175-84E9-2387-55F669162449}"/>
-          </ac:spMkLst>
-        </pc:spChg>
-        <pc:spChg chg="mod">
-          <ac:chgData name="Scruel Tao" userId="5ea5c98d59b44d4b" providerId="LiveId" clId="{3A1D6ABC-E778-4DB1-9EB7-D67198ABF6F5}" dt="2023-04-29T18:27:00.527" v="59" actId="113"/>
-          <ac:spMkLst>
-            <pc:docMk/>
-            <pc:sldMk cId="242327914" sldId="284"/>
-            <ac:spMk id="7" creationId="{12C899D8-51C5-D9B7-A323-E6EFE4AB5C33}"/>
-          </ac:spMkLst>
-        </pc:spChg>
-      </pc:sldChg>
-      <pc:sldChg chg="modSp add mod">
-        <pc:chgData name="Scruel Tao" userId="5ea5c98d59b44d4b" providerId="LiveId" clId="{3A1D6ABC-E778-4DB1-9EB7-D67198ABF6F5}" dt="2023-04-29T18:27:01.467" v="60" actId="113"/>
-        <pc:sldMkLst>
-          <pc:docMk/>
-          <pc:sldMk cId="2761807541" sldId="285"/>
-        </pc:sldMkLst>
-        <pc:spChg chg="mod">
-          <ac:chgData name="Scruel Tao" userId="5ea5c98d59b44d4b" providerId="LiveId" clId="{3A1D6ABC-E778-4DB1-9EB7-D67198ABF6F5}" dt="2023-04-26T08:27:11.758" v="54" actId="2711"/>
-          <ac:spMkLst>
-            <pc:docMk/>
-            <pc:sldMk cId="2761807541" sldId="285"/>
-            <ac:spMk id="2" creationId="{BAD162F0-2175-84E9-2387-55F669162449}"/>
-          </ac:spMkLst>
-        </pc:spChg>
-        <pc:spChg chg="mod">
-          <ac:chgData name="Scruel Tao" userId="5ea5c98d59b44d4b" providerId="LiveId" clId="{3A1D6ABC-E778-4DB1-9EB7-D67198ABF6F5}" dt="2023-04-29T18:27:01.467" v="60" actId="113"/>
-          <ac:spMkLst>
-            <pc:docMk/>
-            <pc:sldMk cId="2761807541" sldId="285"/>
-            <ac:spMk id="7" creationId="{12C899D8-51C5-D9B7-A323-E6EFE4AB5C33}"/>
-          </ac:spMkLst>
-        </pc:spChg>
-      </pc:sldChg>
-      <pc:sldChg chg="add">
-        <pc:chgData name="Scruel Tao" userId="5ea5c98d59b44d4b" providerId="LiveId" clId="{3A1D6ABC-E778-4DB1-9EB7-D67198ABF6F5}" dt="2023-04-29T14:08:56.226" v="55"/>
-        <pc:sldMkLst>
-          <pc:docMk/>
-          <pc:sldMk cId="255082780" sldId="286"/>
-        </pc:sldMkLst>
-      </pc:sldChg>
-      <pc:sldChg chg="add del">
-        <pc:chgData name="Scruel Tao" userId="5ea5c98d59b44d4b" providerId="LiveId" clId="{3A1D6ABC-E778-4DB1-9EB7-D67198ABF6F5}" dt="2023-05-04T18:19:46.444" v="101" actId="47"/>
-        <pc:sldMkLst>
-          <pc:docMk/>
-          <pc:sldMk cId="1599418885" sldId="287"/>
-        </pc:sldMkLst>
-      </pc:sldChg>
-      <pc:sldChg chg="add del">
-        <pc:chgData name="Scruel Tao" userId="5ea5c98d59b44d4b" providerId="LiveId" clId="{3A1D6ABC-E778-4DB1-9EB7-D67198ABF6F5}" dt="2023-05-05T02:29:39.858" v="96" actId="47"/>
-        <pc:sldMkLst>
-          <pc:docMk/>
-          <pc:sldMk cId="3161108256" sldId="363"/>
-        </pc:sldMkLst>
-      </pc:sldChg>
-      <pc:sldChg chg="add del">
-        <pc:chgData name="Scruel Tao" userId="5ea5c98d59b44d4b" providerId="LiveId" clId="{3A1D6ABC-E778-4DB1-9EB7-D67198ABF6F5}" dt="2023-05-04T18:19:44.605" v="100" actId="47"/>
-        <pc:sldMkLst>
-          <pc:docMk/>
-          <pc:sldMk cId="3829959019" sldId="364"/>
-        </pc:sldMkLst>
-      </pc:sldChg>
-      <pc:sldChg chg="add del">
-        <pc:chgData name="Scruel Tao" userId="5ea5c98d59b44d4b" providerId="LiveId" clId="{3A1D6ABC-E778-4DB1-9EB7-D67198ABF6F5}" dt="2023-05-04T18:25:20.556" v="103" actId="47"/>
-        <pc:sldMkLst>
-          <pc:docMk/>
-          <pc:sldMk cId="858978597" sldId="365"/>
-        </pc:sldMkLst>
-      </pc:sldChg>
-      <pc:sldChg chg="add">
-        <pc:chgData name="Scruel Tao" userId="5ea5c98d59b44d4b" providerId="LiveId" clId="{3A1D6ABC-E778-4DB1-9EB7-D67198ABF6F5}" dt="2023-05-04T18:25:19.508" v="102"/>
-        <pc:sldMkLst>
-          <pc:docMk/>
-          <pc:sldMk cId="3625446739" sldId="366"/>
-        </pc:sldMkLst>
-      </pc:sldChg>
-      <pc:sldMasterChg chg="modSldLayout">
-        <pc:chgData name="Scruel Tao" userId="5ea5c98d59b44d4b" providerId="LiveId" clId="{3A1D6ABC-E778-4DB1-9EB7-D67198ABF6F5}" dt="2023-05-16T03:59:12.622" v="107" actId="478"/>
-        <pc:sldMasterMkLst>
-          <pc:docMk/>
-          <pc:sldMasterMk cId="1766057859" sldId="2147483648"/>
-        </pc:sldMasterMkLst>
-        <pc:sldLayoutChg chg="addSp delSp modSp mod">
-          <pc:chgData name="Scruel Tao" userId="5ea5c98d59b44d4b" providerId="LiveId" clId="{3A1D6ABC-E778-4DB1-9EB7-D67198ABF6F5}" dt="2023-05-03T01:09:15.814" v="72" actId="2711"/>
-          <pc:sldLayoutMkLst>
-            <pc:docMk/>
-            <pc:sldMasterMk cId="1766057859" sldId="2147483648"/>
-            <pc:sldLayoutMk cId="2116765151" sldId="2147483650"/>
-          </pc:sldLayoutMkLst>
-          <pc:spChg chg="mod">
-            <ac:chgData name="Scruel Tao" userId="5ea5c98d59b44d4b" providerId="LiveId" clId="{3A1D6ABC-E778-4DB1-9EB7-D67198ABF6F5}" dt="2023-05-03T01:09:15.814" v="72" actId="2711"/>
-            <ac:spMkLst>
-              <pc:docMk/>
-              <pc:sldMasterMk cId="1766057859" sldId="2147483648"/>
-              <pc:sldLayoutMk cId="2116765151" sldId="2147483650"/>
-              <ac:spMk id="3" creationId="{9C7469E7-ED7E-A1F2-48AF-DF31AAC06407}"/>
-            </ac:spMkLst>
-          </pc:spChg>
-          <pc:spChg chg="del">
-            <ac:chgData name="Scruel Tao" userId="5ea5c98d59b44d4b" providerId="LiveId" clId="{3A1D6ABC-E778-4DB1-9EB7-D67198ABF6F5}" dt="2023-05-03T00:11:33.553" v="66" actId="478"/>
-            <ac:spMkLst>
-              <pc:docMk/>
-              <pc:sldMasterMk cId="1766057859" sldId="2147483648"/>
-              <pc:sldLayoutMk cId="2116765151" sldId="2147483650"/>
-              <ac:spMk id="7" creationId="{CC508A81-C1C7-B1D4-63BC-4C397A9B30DA}"/>
-            </ac:spMkLst>
-          </pc:spChg>
-          <pc:spChg chg="add mod">
-            <ac:chgData name="Scruel Tao" userId="5ea5c98d59b44d4b" providerId="LiveId" clId="{3A1D6ABC-E778-4DB1-9EB7-D67198ABF6F5}" dt="2023-05-03T00:11:33.713" v="67"/>
-            <ac:spMkLst>
-              <pc:docMk/>
-              <pc:sldMasterMk cId="1766057859" sldId="2147483648"/>
-              <pc:sldLayoutMk cId="2116765151" sldId="2147483650"/>
-              <ac:spMk id="8" creationId="{54D53D91-20A1-5B3C-A8FB-0A741900D5FC}"/>
-            </ac:spMkLst>
-          </pc:spChg>
-        </pc:sldLayoutChg>
-        <pc:sldLayoutChg chg="addSp delSp modSp mod">
-          <pc:chgData name="Scruel Tao" userId="5ea5c98d59b44d4b" providerId="LiveId" clId="{3A1D6ABC-E778-4DB1-9EB7-D67198ABF6F5}" dt="2023-05-03T01:09:09.784" v="71" actId="2711"/>
-          <pc:sldLayoutMkLst>
-            <pc:docMk/>
-            <pc:sldMasterMk cId="1766057859" sldId="2147483648"/>
-            <pc:sldLayoutMk cId="2296489930" sldId="2147483652"/>
-          </pc:sldLayoutMkLst>
-          <pc:spChg chg="mod">
-            <ac:chgData name="Scruel Tao" userId="5ea5c98d59b44d4b" providerId="LiveId" clId="{3A1D6ABC-E778-4DB1-9EB7-D67198ABF6F5}" dt="2023-05-03T01:09:06.195" v="70" actId="2711"/>
-            <ac:spMkLst>
-              <pc:docMk/>
-              <pc:sldMasterMk cId="1766057859" sldId="2147483648"/>
-              <pc:sldLayoutMk cId="2296489930" sldId="2147483652"/>
-              <ac:spMk id="3" creationId="{FA361A1F-DD24-D4DC-FDF8-14089EDC7CAD}"/>
-            </ac:spMkLst>
-          </pc:spChg>
-          <pc:spChg chg="mod">
-            <ac:chgData name="Scruel Tao" userId="5ea5c98d59b44d4b" providerId="LiveId" clId="{3A1D6ABC-E778-4DB1-9EB7-D67198ABF6F5}" dt="2023-05-03T01:09:09.784" v="71" actId="2711"/>
-            <ac:spMkLst>
-              <pc:docMk/>
-              <pc:sldMasterMk cId="1766057859" sldId="2147483648"/>
-              <pc:sldLayoutMk cId="2296489930" sldId="2147483652"/>
-              <ac:spMk id="4" creationId="{F7656781-5A02-AEE4-2F0C-71BC7C17E38F}"/>
-            </ac:spMkLst>
-          </pc:spChg>
-          <pc:spChg chg="del">
-            <ac:chgData name="Scruel Tao" userId="5ea5c98d59b44d4b" providerId="LiveId" clId="{3A1D6ABC-E778-4DB1-9EB7-D67198ABF6F5}" dt="2023-05-03T00:11:30.645" v="64" actId="478"/>
-            <ac:spMkLst>
-              <pc:docMk/>
-              <pc:sldMasterMk cId="1766057859" sldId="2147483648"/>
-              <pc:sldLayoutMk cId="2296489930" sldId="2147483652"/>
-              <ac:spMk id="8" creationId="{C5A5C420-1B53-618C-C968-A8FEF109459A}"/>
-            </ac:spMkLst>
-          </pc:spChg>
-          <pc:spChg chg="add mod">
-            <ac:chgData name="Scruel Tao" userId="5ea5c98d59b44d4b" providerId="LiveId" clId="{3A1D6ABC-E778-4DB1-9EB7-D67198ABF6F5}" dt="2023-05-03T00:11:30.867" v="65"/>
-            <ac:spMkLst>
-              <pc:docMk/>
-              <pc:sldMasterMk cId="1766057859" sldId="2147483648"/>
-              <pc:sldLayoutMk cId="2296489930" sldId="2147483652"/>
-              <ac:spMk id="9" creationId="{400149F2-A6AB-3953-F433-DA24D56CB0BE}"/>
-            </ac:spMkLst>
-          </pc:spChg>
-        </pc:sldLayoutChg>
-        <pc:sldLayoutChg chg="delSp">
-          <pc:chgData name="Scruel Tao" userId="5ea5c98d59b44d4b" providerId="LiveId" clId="{3A1D6ABC-E778-4DB1-9EB7-D67198ABF6F5}" dt="2023-05-16T03:59:12.622" v="107" actId="478"/>
-          <pc:sldLayoutMkLst>
-            <pc:docMk/>
-            <pc:sldMasterMk cId="1766057859" sldId="2147483648"/>
-            <pc:sldLayoutMk cId="1337634028" sldId="2147483660"/>
-          </pc:sldLayoutMkLst>
-          <pc:spChg chg="del">
-            <ac:chgData name="Scruel Tao" userId="5ea5c98d59b44d4b" providerId="LiveId" clId="{3A1D6ABC-E778-4DB1-9EB7-D67198ABF6F5}" dt="2023-05-16T03:59:12.622" v="107" actId="478"/>
-            <ac:spMkLst>
-              <pc:docMk/>
-              <pc:sldMasterMk cId="1766057859" sldId="2147483648"/>
-              <pc:sldLayoutMk cId="1337634028" sldId="2147483660"/>
-              <ac:spMk id="19472" creationId="{BD0BF484-93B1-9A87-952A-7D5E9B29C38D}"/>
-            </ac:spMkLst>
-          </pc:spChg>
-        </pc:sldLayoutChg>
-      </pc:sldMasterChg>
-    </pc:docChg>
-  </pc:docChgLst>
-  <pc:docChgLst>
     <pc:chgData name="Scruel Tao" userId="5ea5c98d59b44d4b" providerId="LiveId" clId="{A52ED264-C864-416B-BFF4-46855FE833A0}"/>
     <pc:docChg chg="undo redo custSel addSld delSld modSld modMainMaster">
       <pc:chgData name="Scruel Tao" userId="5ea5c98d59b44d4b" providerId="LiveId" clId="{A52ED264-C864-416B-BFF4-46855FE833A0}" dt="2023-04-25T06:04:49.595" v="147" actId="47"/>
@@ -1828,6 +396,1438 @@
     </pc:docChg>
   </pc:docChgLst>
   <pc:docChgLst>
+    <pc:chgData name="Scruel Tao" userId="5ea5c98d59b44d4b" providerId="LiveId" clId="{3A1D6ABC-E778-4DB1-9EB7-D67198ABF6F5}"/>
+    <pc:docChg chg="undo custSel addSld delSld modSld modMainMaster">
+      <pc:chgData name="Scruel Tao" userId="5ea5c98d59b44d4b" providerId="LiveId" clId="{3A1D6ABC-E778-4DB1-9EB7-D67198ABF6F5}" dt="2023-05-16T03:59:12.622" v="107" actId="478"/>
+      <pc:docMkLst>
+        <pc:docMk/>
+      </pc:docMkLst>
+      <pc:sldChg chg="modSp add del mod">
+        <pc:chgData name="Scruel Tao" userId="5ea5c98d59b44d4b" providerId="LiveId" clId="{3A1D6ABC-E778-4DB1-9EB7-D67198ABF6F5}" dt="2023-05-04T18:25:52.276" v="105" actId="20577"/>
+        <pc:sldMkLst>
+          <pc:docMk/>
+          <pc:sldMk cId="1112998187" sldId="257"/>
+        </pc:sldMkLst>
+        <pc:spChg chg="mod">
+          <ac:chgData name="Scruel Tao" userId="5ea5c98d59b44d4b" providerId="LiveId" clId="{3A1D6ABC-E778-4DB1-9EB7-D67198ABF6F5}" dt="2023-05-04T18:25:52.276" v="105" actId="20577"/>
+          <ac:spMkLst>
+            <pc:docMk/>
+            <pc:sldMk cId="1112998187" sldId="257"/>
+            <ac:spMk id="2" creationId="{1422DFF6-0952-1023-64E3-97184D36BE3F}"/>
+          </ac:spMkLst>
+        </pc:spChg>
+        <pc:spChg chg="mod">
+          <ac:chgData name="Scruel Tao" userId="5ea5c98d59b44d4b" providerId="LiveId" clId="{3A1D6ABC-E778-4DB1-9EB7-D67198ABF6F5}" dt="2023-05-04T01:22:16.978" v="94"/>
+          <ac:spMkLst>
+            <pc:docMk/>
+            <pc:sldMk cId="1112998187" sldId="257"/>
+            <ac:spMk id="3" creationId="{AC7759D9-0BB4-08ED-8476-24F7D903D6DE}"/>
+          </ac:spMkLst>
+        </pc:spChg>
+      </pc:sldChg>
+      <pc:sldChg chg="addSp delSp modSp mod">
+        <pc:chgData name="Scruel Tao" userId="5ea5c98d59b44d4b" providerId="LiveId" clId="{3A1D6ABC-E778-4DB1-9EB7-D67198ABF6F5}" dt="2023-05-16T03:59:06.231" v="106" actId="478"/>
+        <pc:sldMkLst>
+          <pc:docMk/>
+          <pc:sldMk cId="0" sldId="260"/>
+        </pc:sldMkLst>
+        <pc:spChg chg="del">
+          <ac:chgData name="Scruel Tao" userId="5ea5c98d59b44d4b" providerId="LiveId" clId="{3A1D6ABC-E778-4DB1-9EB7-D67198ABF6F5}" dt="2023-05-16T03:59:06.231" v="106" actId="478"/>
+          <ac:spMkLst>
+            <pc:docMk/>
+            <pc:sldMk cId="0" sldId="260"/>
+            <ac:spMk id="2" creationId="{51B8E4C0-E15B-4BD0-7B5B-A44A3D5B0C34}"/>
+          </ac:spMkLst>
+        </pc:spChg>
+        <pc:spChg chg="del">
+          <ac:chgData name="Scruel Tao" userId="5ea5c98d59b44d4b" providerId="LiveId" clId="{3A1D6ABC-E778-4DB1-9EB7-D67198ABF6F5}" dt="2023-05-03T00:11:35.943" v="68" actId="478"/>
+          <ac:spMkLst>
+            <pc:docMk/>
+            <pc:sldMk cId="0" sldId="260"/>
+            <ac:spMk id="3" creationId="{C8068F35-EF78-6218-F528-48E9ED924DF4}"/>
+          </ac:spMkLst>
+        </pc:spChg>
+        <pc:spChg chg="add mod">
+          <ac:chgData name="Scruel Tao" userId="5ea5c98d59b44d4b" providerId="LiveId" clId="{3A1D6ABC-E778-4DB1-9EB7-D67198ABF6F5}" dt="2023-05-03T00:11:36.178" v="69"/>
+          <ac:spMkLst>
+            <pc:docMk/>
+            <pc:sldMk cId="0" sldId="260"/>
+            <ac:spMk id="4" creationId="{C8D8A3AF-A568-FD46-61C8-B9A8DB918237}"/>
+          </ac:spMkLst>
+        </pc:spChg>
+        <pc:spChg chg="mod">
+          <ac:chgData name="Scruel Tao" userId="5ea5c98d59b44d4b" providerId="LiveId" clId="{3A1D6ABC-E778-4DB1-9EB7-D67198ABF6F5}" dt="2023-04-29T18:29:54.560" v="61"/>
+          <ac:spMkLst>
+            <pc:docMk/>
+            <pc:sldMk cId="0" sldId="260"/>
+            <ac:spMk id="1227783" creationId="{F7B3941E-B689-22D6-F18C-358E4BAEDF5F}"/>
+          </ac:spMkLst>
+        </pc:spChg>
+      </pc:sldChg>
+      <pc:sldChg chg="modSp add del mod modAnim">
+        <pc:chgData name="Scruel Tao" userId="5ea5c98d59b44d4b" providerId="LiveId" clId="{3A1D6ABC-E778-4DB1-9EB7-D67198ABF6F5}" dt="2023-04-29T18:26:58.287" v="57" actId="113"/>
+        <pc:sldMkLst>
+          <pc:docMk/>
+          <pc:sldMk cId="3519437269" sldId="279"/>
+        </pc:sldMkLst>
+        <pc:spChg chg="mod">
+          <ac:chgData name="Scruel Tao" userId="5ea5c98d59b44d4b" providerId="LiveId" clId="{3A1D6ABC-E778-4DB1-9EB7-D67198ABF6F5}" dt="2023-04-26T03:03:06.265" v="40" actId="2711"/>
+          <ac:spMkLst>
+            <pc:docMk/>
+            <pc:sldMk cId="3519437269" sldId="279"/>
+            <ac:spMk id="2" creationId="{BAD162F0-2175-84E9-2387-55F669162449}"/>
+          </ac:spMkLst>
+        </pc:spChg>
+        <pc:spChg chg="mod">
+          <ac:chgData name="Scruel Tao" userId="5ea5c98d59b44d4b" providerId="LiveId" clId="{3A1D6ABC-E778-4DB1-9EB7-D67198ABF6F5}" dt="2023-04-29T18:26:58.287" v="57" actId="113"/>
+          <ac:spMkLst>
+            <pc:docMk/>
+            <pc:sldMk cId="3519437269" sldId="279"/>
+            <ac:spMk id="7" creationId="{12C899D8-51C5-D9B7-A323-E6EFE4AB5C33}"/>
+          </ac:spMkLst>
+        </pc:spChg>
+      </pc:sldChg>
+      <pc:sldChg chg="add del">
+        <pc:chgData name="Scruel Tao" userId="5ea5c98d59b44d4b" providerId="LiveId" clId="{3A1D6ABC-E778-4DB1-9EB7-D67198ABF6F5}" dt="2023-04-29T14:08:58.336" v="56" actId="47"/>
+        <pc:sldMkLst>
+          <pc:docMk/>
+          <pc:sldMk cId="3745708182" sldId="280"/>
+        </pc:sldMkLst>
+      </pc:sldChg>
+      <pc:sldChg chg="modSp add del mod">
+        <pc:chgData name="Scruel Tao" userId="5ea5c98d59b44d4b" providerId="LiveId" clId="{3A1D6ABC-E778-4DB1-9EB7-D67198ABF6F5}" dt="2023-04-26T03:03:13.841" v="45" actId="20577"/>
+        <pc:sldMkLst>
+          <pc:docMk/>
+          <pc:sldMk cId="364430658" sldId="282"/>
+        </pc:sldMkLst>
+        <pc:spChg chg="mod">
+          <ac:chgData name="Scruel Tao" userId="5ea5c98d59b44d4b" providerId="LiveId" clId="{3A1D6ABC-E778-4DB1-9EB7-D67198ABF6F5}" dt="2023-04-26T03:03:13.841" v="45" actId="20577"/>
+          <ac:spMkLst>
+            <pc:docMk/>
+            <pc:sldMk cId="364430658" sldId="282"/>
+            <ac:spMk id="2" creationId="{1CBF67D3-549D-0623-7687-618F66C7933B}"/>
+          </ac:spMkLst>
+        </pc:spChg>
+      </pc:sldChg>
+      <pc:sldChg chg="modSp add mod">
+        <pc:chgData name="Scruel Tao" userId="5ea5c98d59b44d4b" providerId="LiveId" clId="{3A1D6ABC-E778-4DB1-9EB7-D67198ABF6F5}" dt="2023-04-29T18:26:59.266" v="58" actId="113"/>
+        <pc:sldMkLst>
+          <pc:docMk/>
+          <pc:sldMk cId="2810264383" sldId="283"/>
+        </pc:sldMkLst>
+        <pc:spChg chg="mod">
+          <ac:chgData name="Scruel Tao" userId="5ea5c98d59b44d4b" providerId="LiveId" clId="{3A1D6ABC-E778-4DB1-9EB7-D67198ABF6F5}" dt="2023-04-26T08:26:59.408" v="51"/>
+          <ac:spMkLst>
+            <pc:docMk/>
+            <pc:sldMk cId="2810264383" sldId="283"/>
+            <ac:spMk id="2" creationId="{BAD162F0-2175-84E9-2387-55F669162449}"/>
+          </ac:spMkLst>
+        </pc:spChg>
+        <pc:spChg chg="mod">
+          <ac:chgData name="Scruel Tao" userId="5ea5c98d59b44d4b" providerId="LiveId" clId="{3A1D6ABC-E778-4DB1-9EB7-D67198ABF6F5}" dt="2023-04-29T18:26:59.266" v="58" actId="113"/>
+          <ac:spMkLst>
+            <pc:docMk/>
+            <pc:sldMk cId="2810264383" sldId="283"/>
+            <ac:spMk id="7" creationId="{12C899D8-51C5-D9B7-A323-E6EFE4AB5C33}"/>
+          </ac:spMkLst>
+        </pc:spChg>
+      </pc:sldChg>
+      <pc:sldChg chg="modSp add mod">
+        <pc:chgData name="Scruel Tao" userId="5ea5c98d59b44d4b" providerId="LiveId" clId="{3A1D6ABC-E778-4DB1-9EB7-D67198ABF6F5}" dt="2023-04-29T18:27:00.527" v="59" actId="113"/>
+        <pc:sldMkLst>
+          <pc:docMk/>
+          <pc:sldMk cId="242327914" sldId="284"/>
+        </pc:sldMkLst>
+        <pc:spChg chg="mod">
+          <ac:chgData name="Scruel Tao" userId="5ea5c98d59b44d4b" providerId="LiveId" clId="{3A1D6ABC-E778-4DB1-9EB7-D67198ABF6F5}" dt="2023-04-26T08:27:03.459" v="52"/>
+          <ac:spMkLst>
+            <pc:docMk/>
+            <pc:sldMk cId="242327914" sldId="284"/>
+            <ac:spMk id="2" creationId="{BAD162F0-2175-84E9-2387-55F669162449}"/>
+          </ac:spMkLst>
+        </pc:spChg>
+        <pc:spChg chg="mod">
+          <ac:chgData name="Scruel Tao" userId="5ea5c98d59b44d4b" providerId="LiveId" clId="{3A1D6ABC-E778-4DB1-9EB7-D67198ABF6F5}" dt="2023-04-29T18:27:00.527" v="59" actId="113"/>
+          <ac:spMkLst>
+            <pc:docMk/>
+            <pc:sldMk cId="242327914" sldId="284"/>
+            <ac:spMk id="7" creationId="{12C899D8-51C5-D9B7-A323-E6EFE4AB5C33}"/>
+          </ac:spMkLst>
+        </pc:spChg>
+      </pc:sldChg>
+      <pc:sldChg chg="modSp add mod">
+        <pc:chgData name="Scruel Tao" userId="5ea5c98d59b44d4b" providerId="LiveId" clId="{3A1D6ABC-E778-4DB1-9EB7-D67198ABF6F5}" dt="2023-04-29T18:27:01.467" v="60" actId="113"/>
+        <pc:sldMkLst>
+          <pc:docMk/>
+          <pc:sldMk cId="2761807541" sldId="285"/>
+        </pc:sldMkLst>
+        <pc:spChg chg="mod">
+          <ac:chgData name="Scruel Tao" userId="5ea5c98d59b44d4b" providerId="LiveId" clId="{3A1D6ABC-E778-4DB1-9EB7-D67198ABF6F5}" dt="2023-04-26T08:27:11.758" v="54" actId="2711"/>
+          <ac:spMkLst>
+            <pc:docMk/>
+            <pc:sldMk cId="2761807541" sldId="285"/>
+            <ac:spMk id="2" creationId="{BAD162F0-2175-84E9-2387-55F669162449}"/>
+          </ac:spMkLst>
+        </pc:spChg>
+        <pc:spChg chg="mod">
+          <ac:chgData name="Scruel Tao" userId="5ea5c98d59b44d4b" providerId="LiveId" clId="{3A1D6ABC-E778-4DB1-9EB7-D67198ABF6F5}" dt="2023-04-29T18:27:01.467" v="60" actId="113"/>
+          <ac:spMkLst>
+            <pc:docMk/>
+            <pc:sldMk cId="2761807541" sldId="285"/>
+            <ac:spMk id="7" creationId="{12C899D8-51C5-D9B7-A323-E6EFE4AB5C33}"/>
+          </ac:spMkLst>
+        </pc:spChg>
+      </pc:sldChg>
+      <pc:sldChg chg="add">
+        <pc:chgData name="Scruel Tao" userId="5ea5c98d59b44d4b" providerId="LiveId" clId="{3A1D6ABC-E778-4DB1-9EB7-D67198ABF6F5}" dt="2023-04-29T14:08:56.226" v="55"/>
+        <pc:sldMkLst>
+          <pc:docMk/>
+          <pc:sldMk cId="255082780" sldId="286"/>
+        </pc:sldMkLst>
+      </pc:sldChg>
+      <pc:sldChg chg="add del">
+        <pc:chgData name="Scruel Tao" userId="5ea5c98d59b44d4b" providerId="LiveId" clId="{3A1D6ABC-E778-4DB1-9EB7-D67198ABF6F5}" dt="2023-05-04T18:19:46.444" v="101" actId="47"/>
+        <pc:sldMkLst>
+          <pc:docMk/>
+          <pc:sldMk cId="1599418885" sldId="287"/>
+        </pc:sldMkLst>
+      </pc:sldChg>
+      <pc:sldChg chg="add del">
+        <pc:chgData name="Scruel Tao" userId="5ea5c98d59b44d4b" providerId="LiveId" clId="{3A1D6ABC-E778-4DB1-9EB7-D67198ABF6F5}" dt="2023-05-05T02:29:39.858" v="96" actId="47"/>
+        <pc:sldMkLst>
+          <pc:docMk/>
+          <pc:sldMk cId="3161108256" sldId="363"/>
+        </pc:sldMkLst>
+      </pc:sldChg>
+      <pc:sldChg chg="add del">
+        <pc:chgData name="Scruel Tao" userId="5ea5c98d59b44d4b" providerId="LiveId" clId="{3A1D6ABC-E778-4DB1-9EB7-D67198ABF6F5}" dt="2023-05-04T18:19:44.605" v="100" actId="47"/>
+        <pc:sldMkLst>
+          <pc:docMk/>
+          <pc:sldMk cId="3829959019" sldId="364"/>
+        </pc:sldMkLst>
+      </pc:sldChg>
+      <pc:sldChg chg="add del">
+        <pc:chgData name="Scruel Tao" userId="5ea5c98d59b44d4b" providerId="LiveId" clId="{3A1D6ABC-E778-4DB1-9EB7-D67198ABF6F5}" dt="2023-05-04T18:25:20.556" v="103" actId="47"/>
+        <pc:sldMkLst>
+          <pc:docMk/>
+          <pc:sldMk cId="858978597" sldId="365"/>
+        </pc:sldMkLst>
+      </pc:sldChg>
+      <pc:sldChg chg="add">
+        <pc:chgData name="Scruel Tao" userId="5ea5c98d59b44d4b" providerId="LiveId" clId="{3A1D6ABC-E778-4DB1-9EB7-D67198ABF6F5}" dt="2023-05-04T18:25:19.508" v="102"/>
+        <pc:sldMkLst>
+          <pc:docMk/>
+          <pc:sldMk cId="3625446739" sldId="366"/>
+        </pc:sldMkLst>
+      </pc:sldChg>
+      <pc:sldMasterChg chg="modSldLayout">
+        <pc:chgData name="Scruel Tao" userId="5ea5c98d59b44d4b" providerId="LiveId" clId="{3A1D6ABC-E778-4DB1-9EB7-D67198ABF6F5}" dt="2023-05-16T03:59:12.622" v="107" actId="478"/>
+        <pc:sldMasterMkLst>
+          <pc:docMk/>
+          <pc:sldMasterMk cId="1766057859" sldId="2147483648"/>
+        </pc:sldMasterMkLst>
+        <pc:sldLayoutChg chg="addSp delSp modSp mod">
+          <pc:chgData name="Scruel Tao" userId="5ea5c98d59b44d4b" providerId="LiveId" clId="{3A1D6ABC-E778-4DB1-9EB7-D67198ABF6F5}" dt="2023-05-03T01:09:15.814" v="72" actId="2711"/>
+          <pc:sldLayoutMkLst>
+            <pc:docMk/>
+            <pc:sldMasterMk cId="1766057859" sldId="2147483648"/>
+            <pc:sldLayoutMk cId="2116765151" sldId="2147483650"/>
+          </pc:sldLayoutMkLst>
+          <pc:spChg chg="mod">
+            <ac:chgData name="Scruel Tao" userId="5ea5c98d59b44d4b" providerId="LiveId" clId="{3A1D6ABC-E778-4DB1-9EB7-D67198ABF6F5}" dt="2023-05-03T01:09:15.814" v="72" actId="2711"/>
+            <ac:spMkLst>
+              <pc:docMk/>
+              <pc:sldMasterMk cId="1766057859" sldId="2147483648"/>
+              <pc:sldLayoutMk cId="2116765151" sldId="2147483650"/>
+              <ac:spMk id="3" creationId="{9C7469E7-ED7E-A1F2-48AF-DF31AAC06407}"/>
+            </ac:spMkLst>
+          </pc:spChg>
+          <pc:spChg chg="del">
+            <ac:chgData name="Scruel Tao" userId="5ea5c98d59b44d4b" providerId="LiveId" clId="{3A1D6ABC-E778-4DB1-9EB7-D67198ABF6F5}" dt="2023-05-03T00:11:33.553" v="66" actId="478"/>
+            <ac:spMkLst>
+              <pc:docMk/>
+              <pc:sldMasterMk cId="1766057859" sldId="2147483648"/>
+              <pc:sldLayoutMk cId="2116765151" sldId="2147483650"/>
+              <ac:spMk id="7" creationId="{CC508A81-C1C7-B1D4-63BC-4C397A9B30DA}"/>
+            </ac:spMkLst>
+          </pc:spChg>
+          <pc:spChg chg="add mod">
+            <ac:chgData name="Scruel Tao" userId="5ea5c98d59b44d4b" providerId="LiveId" clId="{3A1D6ABC-E778-4DB1-9EB7-D67198ABF6F5}" dt="2023-05-03T00:11:33.713" v="67"/>
+            <ac:spMkLst>
+              <pc:docMk/>
+              <pc:sldMasterMk cId="1766057859" sldId="2147483648"/>
+              <pc:sldLayoutMk cId="2116765151" sldId="2147483650"/>
+              <ac:spMk id="8" creationId="{54D53D91-20A1-5B3C-A8FB-0A741900D5FC}"/>
+            </ac:spMkLst>
+          </pc:spChg>
+        </pc:sldLayoutChg>
+        <pc:sldLayoutChg chg="addSp delSp modSp mod">
+          <pc:chgData name="Scruel Tao" userId="5ea5c98d59b44d4b" providerId="LiveId" clId="{3A1D6ABC-E778-4DB1-9EB7-D67198ABF6F5}" dt="2023-05-03T01:09:09.784" v="71" actId="2711"/>
+          <pc:sldLayoutMkLst>
+            <pc:docMk/>
+            <pc:sldMasterMk cId="1766057859" sldId="2147483648"/>
+            <pc:sldLayoutMk cId="2296489930" sldId="2147483652"/>
+          </pc:sldLayoutMkLst>
+          <pc:spChg chg="mod">
+            <ac:chgData name="Scruel Tao" userId="5ea5c98d59b44d4b" providerId="LiveId" clId="{3A1D6ABC-E778-4DB1-9EB7-D67198ABF6F5}" dt="2023-05-03T01:09:06.195" v="70" actId="2711"/>
+            <ac:spMkLst>
+              <pc:docMk/>
+              <pc:sldMasterMk cId="1766057859" sldId="2147483648"/>
+              <pc:sldLayoutMk cId="2296489930" sldId="2147483652"/>
+              <ac:spMk id="3" creationId="{FA361A1F-DD24-D4DC-FDF8-14089EDC7CAD}"/>
+            </ac:spMkLst>
+          </pc:spChg>
+          <pc:spChg chg="mod">
+            <ac:chgData name="Scruel Tao" userId="5ea5c98d59b44d4b" providerId="LiveId" clId="{3A1D6ABC-E778-4DB1-9EB7-D67198ABF6F5}" dt="2023-05-03T01:09:09.784" v="71" actId="2711"/>
+            <ac:spMkLst>
+              <pc:docMk/>
+              <pc:sldMasterMk cId="1766057859" sldId="2147483648"/>
+              <pc:sldLayoutMk cId="2296489930" sldId="2147483652"/>
+              <ac:spMk id="4" creationId="{F7656781-5A02-AEE4-2F0C-71BC7C17E38F}"/>
+            </ac:spMkLst>
+          </pc:spChg>
+          <pc:spChg chg="del">
+            <ac:chgData name="Scruel Tao" userId="5ea5c98d59b44d4b" providerId="LiveId" clId="{3A1D6ABC-E778-4DB1-9EB7-D67198ABF6F5}" dt="2023-05-03T00:11:30.645" v="64" actId="478"/>
+            <ac:spMkLst>
+              <pc:docMk/>
+              <pc:sldMasterMk cId="1766057859" sldId="2147483648"/>
+              <pc:sldLayoutMk cId="2296489930" sldId="2147483652"/>
+              <ac:spMk id="8" creationId="{C5A5C420-1B53-618C-C968-A8FEF109459A}"/>
+            </ac:spMkLst>
+          </pc:spChg>
+          <pc:spChg chg="add mod">
+            <ac:chgData name="Scruel Tao" userId="5ea5c98d59b44d4b" providerId="LiveId" clId="{3A1D6ABC-E778-4DB1-9EB7-D67198ABF6F5}" dt="2023-05-03T00:11:30.867" v="65"/>
+            <ac:spMkLst>
+              <pc:docMk/>
+              <pc:sldMasterMk cId="1766057859" sldId="2147483648"/>
+              <pc:sldLayoutMk cId="2296489930" sldId="2147483652"/>
+              <ac:spMk id="9" creationId="{400149F2-A6AB-3953-F433-DA24D56CB0BE}"/>
+            </ac:spMkLst>
+          </pc:spChg>
+        </pc:sldLayoutChg>
+        <pc:sldLayoutChg chg="delSp">
+          <pc:chgData name="Scruel Tao" userId="5ea5c98d59b44d4b" providerId="LiveId" clId="{3A1D6ABC-E778-4DB1-9EB7-D67198ABF6F5}" dt="2023-05-16T03:59:12.622" v="107" actId="478"/>
+          <pc:sldLayoutMkLst>
+            <pc:docMk/>
+            <pc:sldMasterMk cId="1552319991" sldId="2147483661"/>
+            <pc:sldLayoutMk cId="1337634028" sldId="2147483660"/>
+          </pc:sldLayoutMkLst>
+          <pc:spChg chg="del">
+            <ac:chgData name="Scruel Tao" userId="5ea5c98d59b44d4b" providerId="LiveId" clId="{3A1D6ABC-E778-4DB1-9EB7-D67198ABF6F5}" dt="2023-05-16T03:59:12.622" v="107" actId="478"/>
+            <ac:spMkLst>
+              <pc:docMk/>
+              <pc:sldMasterMk cId="1552319991" sldId="2147483661"/>
+              <pc:sldLayoutMk cId="1337634028" sldId="2147483660"/>
+              <ac:spMk id="19472" creationId="{BD0BF484-93B1-9A87-952A-7D5E9B29C38D}"/>
+            </ac:spMkLst>
+          </pc:spChg>
+        </pc:sldLayoutChg>
+      </pc:sldMasterChg>
+    </pc:docChg>
+  </pc:docChgLst>
+  <pc:docChgLst>
+    <pc:chgData name="Scruel Tao" userId="5ea5c98d59b44d4b" providerId="LiveId" clId="{2BA6F94F-59B6-4AA6-9DB6-4A8227DBE37E}"/>
+    <pc:docChg chg="undo redo custSel addSld delSld modSld sldOrd modMainMaster">
+      <pc:chgData name="Scruel Tao" userId="5ea5c98d59b44d4b" providerId="LiveId" clId="{2BA6F94F-59B6-4AA6-9DB6-4A8227DBE37E}" dt="2023-04-06T03:22:01.021" v="6326" actId="20577"/>
+      <pc:docMkLst>
+        <pc:docMk/>
+      </pc:docMkLst>
+      <pc:sldChg chg="del">
+        <pc:chgData name="Scruel Tao" userId="5ea5c98d59b44d4b" providerId="LiveId" clId="{2BA6F94F-59B6-4AA6-9DB6-4A8227DBE37E}" dt="2023-04-03T03:24:06.255" v="207" actId="47"/>
+        <pc:sldMkLst>
+          <pc:docMk/>
+          <pc:sldMk cId="1900326474" sldId="256"/>
+        </pc:sldMkLst>
+      </pc:sldChg>
+      <pc:sldChg chg="modSp mod">
+        <pc:chgData name="Scruel Tao" userId="5ea5c98d59b44d4b" providerId="LiveId" clId="{2BA6F94F-59B6-4AA6-9DB6-4A8227DBE37E}" dt="2023-04-06T03:06:34.065" v="6045" actId="20577"/>
+        <pc:sldMkLst>
+          <pc:docMk/>
+          <pc:sldMk cId="1112998187" sldId="257"/>
+        </pc:sldMkLst>
+        <pc:spChg chg="mod">
+          <ac:chgData name="Scruel Tao" userId="5ea5c98d59b44d4b" providerId="LiveId" clId="{2BA6F94F-59B6-4AA6-9DB6-4A8227DBE37E}" dt="2023-04-06T01:53:20.359" v="3276"/>
+          <ac:spMkLst>
+            <pc:docMk/>
+            <pc:sldMk cId="1112998187" sldId="257"/>
+            <ac:spMk id="2" creationId="{1422DFF6-0952-1023-64E3-97184D36BE3F}"/>
+          </ac:spMkLst>
+        </pc:spChg>
+        <pc:spChg chg="mod">
+          <ac:chgData name="Scruel Tao" userId="5ea5c98d59b44d4b" providerId="LiveId" clId="{2BA6F94F-59B6-4AA6-9DB6-4A8227DBE37E}" dt="2023-04-06T03:06:34.065" v="6045" actId="20577"/>
+          <ac:spMkLst>
+            <pc:docMk/>
+            <pc:sldMk cId="1112998187" sldId="257"/>
+            <ac:spMk id="3" creationId="{AC7759D9-0BB4-08ED-8476-24F7D903D6DE}"/>
+          </ac:spMkLst>
+        </pc:spChg>
+      </pc:sldChg>
+      <pc:sldChg chg="addSp delSp modSp mod modClrScheme chgLayout">
+        <pc:chgData name="Scruel Tao" userId="5ea5c98d59b44d4b" providerId="LiveId" clId="{2BA6F94F-59B6-4AA6-9DB6-4A8227DBE37E}" dt="2023-04-03T05:03:22.628" v="2756"/>
+        <pc:sldMkLst>
+          <pc:docMk/>
+          <pc:sldMk cId="3636494425" sldId="258"/>
+        </pc:sldMkLst>
+        <pc:spChg chg="mod ord">
+          <ac:chgData name="Scruel Tao" userId="5ea5c98d59b44d4b" providerId="LiveId" clId="{2BA6F94F-59B6-4AA6-9DB6-4A8227DBE37E}" dt="2023-04-03T05:03:22.628" v="2756"/>
+          <ac:spMkLst>
+            <pc:docMk/>
+            <pc:sldMk cId="3636494425" sldId="258"/>
+            <ac:spMk id="2" creationId="{ABA783DF-49A6-7EF1-661E-C574E2C2F386}"/>
+          </ac:spMkLst>
+        </pc:spChg>
+        <pc:spChg chg="mod ord">
+          <ac:chgData name="Scruel Tao" userId="5ea5c98d59b44d4b" providerId="LiveId" clId="{2BA6F94F-59B6-4AA6-9DB6-4A8227DBE37E}" dt="2023-04-03T03:46:29.252" v="641" actId="20577"/>
+          <ac:spMkLst>
+            <pc:docMk/>
+            <pc:sldMk cId="3636494425" sldId="258"/>
+            <ac:spMk id="3" creationId="{4C14948B-081B-0FED-AF72-DA2CFEC85EB0}"/>
+          </ac:spMkLst>
+        </pc:spChg>
+        <pc:spChg chg="add del mod ord">
+          <ac:chgData name="Scruel Tao" userId="5ea5c98d59b44d4b" providerId="LiveId" clId="{2BA6F94F-59B6-4AA6-9DB6-4A8227DBE37E}" dt="2023-04-03T03:44:53.662" v="491" actId="700"/>
+          <ac:spMkLst>
+            <pc:docMk/>
+            <pc:sldMk cId="3636494425" sldId="258"/>
+            <ac:spMk id="6" creationId="{F56D7D0D-9A8C-4EF8-27F2-E32848F94E27}"/>
+          </ac:spMkLst>
+        </pc:spChg>
+        <pc:spChg chg="add del mod ord">
+          <ac:chgData name="Scruel Tao" userId="5ea5c98d59b44d4b" providerId="LiveId" clId="{2BA6F94F-59B6-4AA6-9DB6-4A8227DBE37E}" dt="2023-04-03T03:47:53.866" v="642" actId="478"/>
+          <ac:spMkLst>
+            <pc:docMk/>
+            <pc:sldMk cId="3636494425" sldId="258"/>
+            <ac:spMk id="7" creationId="{34E14114-55C2-509B-E32D-4974A828AFB6}"/>
+          </ac:spMkLst>
+        </pc:spChg>
+        <pc:picChg chg="add mod">
+          <ac:chgData name="Scruel Tao" userId="5ea5c98d59b44d4b" providerId="LiveId" clId="{2BA6F94F-59B6-4AA6-9DB6-4A8227DBE37E}" dt="2023-04-03T03:45:05.643" v="494" actId="1076"/>
+          <ac:picMkLst>
+            <pc:docMk/>
+            <pc:sldMk cId="3636494425" sldId="258"/>
+            <ac:picMk id="5" creationId="{C5E50AA4-F82C-6E14-E269-5451494306AE}"/>
+          </ac:picMkLst>
+        </pc:picChg>
+      </pc:sldChg>
+      <pc:sldChg chg="addSp delSp modSp add mod modClrScheme chgLayout">
+        <pc:chgData name="Scruel Tao" userId="5ea5c98d59b44d4b" providerId="LiveId" clId="{2BA6F94F-59B6-4AA6-9DB6-4A8227DBE37E}" dt="2023-04-06T01:58:50.310" v="3415" actId="20577"/>
+        <pc:sldMkLst>
+          <pc:docMk/>
+          <pc:sldMk cId="1199684676" sldId="259"/>
+        </pc:sldMkLst>
+        <pc:spChg chg="mod ord">
+          <ac:chgData name="Scruel Tao" userId="5ea5c98d59b44d4b" providerId="LiveId" clId="{2BA6F94F-59B6-4AA6-9DB6-4A8227DBE37E}" dt="2023-04-06T01:58:50.310" v="3415" actId="20577"/>
+          <ac:spMkLst>
+            <pc:docMk/>
+            <pc:sldMk cId="1199684676" sldId="259"/>
+            <ac:spMk id="2" creationId="{ABA783DF-49A6-7EF1-661E-C574E2C2F386}"/>
+          </ac:spMkLst>
+        </pc:spChg>
+        <pc:spChg chg="del">
+          <ac:chgData name="Scruel Tao" userId="5ea5c98d59b44d4b" providerId="LiveId" clId="{2BA6F94F-59B6-4AA6-9DB6-4A8227DBE37E}" dt="2023-04-03T03:35:16.150" v="336"/>
+          <ac:spMkLst>
+            <pc:docMk/>
+            <pc:sldMk cId="1199684676" sldId="259"/>
+            <ac:spMk id="3" creationId="{4C14948B-081B-0FED-AF72-DA2CFEC85EB0}"/>
+          </ac:spMkLst>
+        </pc:spChg>
+        <pc:spChg chg="add del mod">
+          <ac:chgData name="Scruel Tao" userId="5ea5c98d59b44d4b" providerId="LiveId" clId="{2BA6F94F-59B6-4AA6-9DB6-4A8227DBE37E}" dt="2023-04-03T03:35:26.887" v="338"/>
+          <ac:spMkLst>
+            <pc:docMk/>
+            <pc:sldMk cId="1199684676" sldId="259"/>
+            <ac:spMk id="6" creationId="{99A6C97A-27D9-096E-3F01-65FA7A6B5674}"/>
+          </ac:spMkLst>
+        </pc:spChg>
+        <pc:spChg chg="add del mod">
+          <ac:chgData name="Scruel Tao" userId="5ea5c98d59b44d4b" providerId="LiveId" clId="{2BA6F94F-59B6-4AA6-9DB6-4A8227DBE37E}" dt="2023-04-03T03:35:46.159" v="342"/>
+          <ac:spMkLst>
+            <pc:docMk/>
+            <pc:sldMk cId="1199684676" sldId="259"/>
+            <ac:spMk id="9" creationId="{EA4CD5A2-8483-D61D-CBA0-AB48D8A07DC9}"/>
+          </ac:spMkLst>
+        </pc:spChg>
+        <pc:spChg chg="add mod ord">
+          <ac:chgData name="Scruel Tao" userId="5ea5c98d59b44d4b" providerId="LiveId" clId="{2BA6F94F-59B6-4AA6-9DB6-4A8227DBE37E}" dt="2023-04-06T01:54:00.591" v="3312" actId="20577"/>
+          <ac:spMkLst>
+            <pc:docMk/>
+            <pc:sldMk cId="1199684676" sldId="259"/>
+            <ac:spMk id="12" creationId="{17AECC1C-6944-9F68-770A-0455E86B2492}"/>
+          </ac:spMkLst>
+        </pc:spChg>
+        <pc:picChg chg="add del mod">
+          <ac:chgData name="Scruel Tao" userId="5ea5c98d59b44d4b" providerId="LiveId" clId="{2BA6F94F-59B6-4AA6-9DB6-4A8227DBE37E}" dt="2023-04-03T03:35:18.823" v="337" actId="478"/>
+          <ac:picMkLst>
+            <pc:docMk/>
+            <pc:sldMk cId="1199684676" sldId="259"/>
+            <ac:picMk id="4" creationId="{5CD98794-78EF-B400-A554-F39AC55576BD}"/>
+          </ac:picMkLst>
+        </pc:picChg>
+        <pc:picChg chg="add del mod">
+          <ac:chgData name="Scruel Tao" userId="5ea5c98d59b44d4b" providerId="LiveId" clId="{2BA6F94F-59B6-4AA6-9DB6-4A8227DBE37E}" dt="2023-04-03T03:35:35.326" v="341" actId="478"/>
+          <ac:picMkLst>
+            <pc:docMk/>
+            <pc:sldMk cId="1199684676" sldId="259"/>
+            <ac:picMk id="7" creationId="{F8FEA747-E9DF-6A17-2CB8-1B41D931CB90}"/>
+          </ac:picMkLst>
+        </pc:picChg>
+        <pc:picChg chg="add mod ord">
+          <ac:chgData name="Scruel Tao" userId="5ea5c98d59b44d4b" providerId="LiveId" clId="{2BA6F94F-59B6-4AA6-9DB6-4A8227DBE37E}" dt="2023-04-06T01:54:10.825" v="3315" actId="1076"/>
+          <ac:picMkLst>
+            <pc:docMk/>
+            <pc:sldMk cId="1199684676" sldId="259"/>
+            <ac:picMk id="11" creationId="{9D500740-D60E-EFBC-F3C9-43DA9B4672BC}"/>
+          </ac:picMkLst>
+        </pc:picChg>
+      </pc:sldChg>
+      <pc:sldChg chg="addSp delSp modSp add mod">
+        <pc:chgData name="Scruel Tao" userId="5ea5c98d59b44d4b" providerId="LiveId" clId="{2BA6F94F-59B6-4AA6-9DB6-4A8227DBE37E}" dt="2023-04-03T03:41:24.102" v="348" actId="1076"/>
+        <pc:sldMkLst>
+          <pc:docMk/>
+          <pc:sldMk cId="0" sldId="260"/>
+        </pc:sldMkLst>
+        <pc:spChg chg="mod">
+          <ac:chgData name="Scruel Tao" userId="5ea5c98d59b44d4b" providerId="LiveId" clId="{2BA6F94F-59B6-4AA6-9DB6-4A8227DBE37E}" dt="2023-04-03T03:33:34.644" v="330"/>
+          <ac:spMkLst>
+            <pc:docMk/>
+            <pc:sldMk cId="0" sldId="260"/>
+            <ac:spMk id="1227783" creationId="{F7B3941E-B689-22D6-F18C-358E4BAEDF5F}"/>
+          </ac:spMkLst>
+        </pc:spChg>
+        <pc:spChg chg="add del mod">
+          <ac:chgData name="Scruel Tao" userId="5ea5c98d59b44d4b" providerId="LiveId" clId="{2BA6F94F-59B6-4AA6-9DB6-4A8227DBE37E}" dt="2023-04-03T03:33:39.968" v="331" actId="1076"/>
+          <ac:spMkLst>
+            <pc:docMk/>
+            <pc:sldMk cId="0" sldId="260"/>
+            <ac:spMk id="1227786" creationId="{C3F4DD20-8FA3-3CB0-19B6-FE0240B92A34}"/>
+          </ac:spMkLst>
+        </pc:spChg>
+        <pc:picChg chg="add mod">
+          <ac:chgData name="Scruel Tao" userId="5ea5c98d59b44d4b" providerId="LiveId" clId="{2BA6F94F-59B6-4AA6-9DB6-4A8227DBE37E}" dt="2023-04-03T03:41:24.102" v="348" actId="1076"/>
+          <ac:picMkLst>
+            <pc:docMk/>
+            <pc:sldMk cId="0" sldId="260"/>
+            <ac:picMk id="4" creationId="{E03AF484-A892-E4D7-A8C4-A4C7AE20944E}"/>
+          </ac:picMkLst>
+        </pc:picChg>
+      </pc:sldChg>
+      <pc:sldChg chg="addSp delSp modSp add mod chgLayout">
+        <pc:chgData name="Scruel Tao" userId="5ea5c98d59b44d4b" providerId="LiveId" clId="{2BA6F94F-59B6-4AA6-9DB6-4A8227DBE37E}" dt="2023-04-06T01:59:00.026" v="3419" actId="20577"/>
+        <pc:sldMkLst>
+          <pc:docMk/>
+          <pc:sldMk cId="3351160539" sldId="261"/>
+        </pc:sldMkLst>
+        <pc:spChg chg="mod ord">
+          <ac:chgData name="Scruel Tao" userId="5ea5c98d59b44d4b" providerId="LiveId" clId="{2BA6F94F-59B6-4AA6-9DB6-4A8227DBE37E}" dt="2023-04-06T01:59:00.026" v="3419" actId="20577"/>
+          <ac:spMkLst>
+            <pc:docMk/>
+            <pc:sldMk cId="3351160539" sldId="261"/>
+            <ac:spMk id="2" creationId="{ABA783DF-49A6-7EF1-661E-C574E2C2F386}"/>
+          </ac:spMkLst>
+        </pc:spChg>
+        <pc:spChg chg="add del mod">
+          <ac:chgData name="Scruel Tao" userId="5ea5c98d59b44d4b" providerId="LiveId" clId="{2BA6F94F-59B6-4AA6-9DB6-4A8227DBE37E}" dt="2023-04-03T03:55:10.330" v="847" actId="700"/>
+          <ac:spMkLst>
+            <pc:docMk/>
+            <pc:sldMk cId="3351160539" sldId="261"/>
+            <ac:spMk id="4" creationId="{B3A734ED-5C82-D6A5-9DB3-B2DF9F846D94}"/>
+          </ac:spMkLst>
+        </pc:spChg>
+        <pc:spChg chg="add mod ord">
+          <ac:chgData name="Scruel Tao" userId="5ea5c98d59b44d4b" providerId="LiveId" clId="{2BA6F94F-59B6-4AA6-9DB6-4A8227DBE37E}" dt="2023-04-03T04:04:07.946" v="1365" actId="20577"/>
+          <ac:spMkLst>
+            <pc:docMk/>
+            <pc:sldMk cId="3351160539" sldId="261"/>
+            <ac:spMk id="5" creationId="{334FF01F-2A65-44F6-34F9-69AC934A31D7}"/>
+          </ac:spMkLst>
+        </pc:spChg>
+        <pc:spChg chg="add del mod">
+          <ac:chgData name="Scruel Tao" userId="5ea5c98d59b44d4b" providerId="LiveId" clId="{2BA6F94F-59B6-4AA6-9DB6-4A8227DBE37E}" dt="2023-04-03T03:59:25.344" v="1081"/>
+          <ac:spMkLst>
+            <pc:docMk/>
+            <pc:sldMk cId="3351160539" sldId="261"/>
+            <ac:spMk id="9" creationId="{C16084A3-CDE6-AAC4-2971-FD575FBF0A8B}"/>
+          </ac:spMkLst>
+        </pc:spChg>
+        <pc:spChg chg="del mod ord">
+          <ac:chgData name="Scruel Tao" userId="5ea5c98d59b44d4b" providerId="LiveId" clId="{2BA6F94F-59B6-4AA6-9DB6-4A8227DBE37E}" dt="2023-04-03T03:58:01.823" v="1015"/>
+          <ac:spMkLst>
+            <pc:docMk/>
+            <pc:sldMk cId="3351160539" sldId="261"/>
+            <ac:spMk id="12" creationId="{17AECC1C-6944-9F68-770A-0455E86B2492}"/>
+          </ac:spMkLst>
+        </pc:spChg>
+        <pc:spChg chg="add mod">
+          <ac:chgData name="Scruel Tao" userId="5ea5c98d59b44d4b" providerId="LiveId" clId="{2BA6F94F-59B6-4AA6-9DB6-4A8227DBE37E}" dt="2023-04-03T04:05:44.217" v="1475" actId="114"/>
+          <ac:spMkLst>
+            <pc:docMk/>
+            <pc:sldMk cId="3351160539" sldId="261"/>
+            <ac:spMk id="14" creationId="{670E3534-8F35-5B26-8418-171E013CEE09}"/>
+          </ac:spMkLst>
+        </pc:spChg>
+        <pc:picChg chg="add del mod">
+          <ac:chgData name="Scruel Tao" userId="5ea5c98d59b44d4b" providerId="LiveId" clId="{2BA6F94F-59B6-4AA6-9DB6-4A8227DBE37E}" dt="2023-04-03T03:59:24.519" v="1080" actId="478"/>
+          <ac:picMkLst>
+            <pc:docMk/>
+            <pc:sldMk cId="3351160539" sldId="261"/>
+            <ac:picMk id="7" creationId="{0FBFFB0C-E3DC-4B3B-8988-A0B34551F390}"/>
+          </ac:picMkLst>
+        </pc:picChg>
+        <pc:picChg chg="del">
+          <ac:chgData name="Scruel Tao" userId="5ea5c98d59b44d4b" providerId="LiveId" clId="{2BA6F94F-59B6-4AA6-9DB6-4A8227DBE37E}" dt="2023-04-03T03:53:43.786" v="845" actId="21"/>
+          <ac:picMkLst>
+            <pc:docMk/>
+            <pc:sldMk cId="3351160539" sldId="261"/>
+            <ac:picMk id="11" creationId="{9D500740-D60E-EFBC-F3C9-43DA9B4672BC}"/>
+          </ac:picMkLst>
+        </pc:picChg>
+        <pc:picChg chg="add mod">
+          <ac:chgData name="Scruel Tao" userId="5ea5c98d59b44d4b" providerId="LiveId" clId="{2BA6F94F-59B6-4AA6-9DB6-4A8227DBE37E}" dt="2023-04-03T04:05:27.689" v="1473" actId="1076"/>
+          <ac:picMkLst>
+            <pc:docMk/>
+            <pc:sldMk cId="3351160539" sldId="261"/>
+            <ac:picMk id="13" creationId="{7C633EC2-82A6-5F6A-D9A3-326C1E77FDA3}"/>
+          </ac:picMkLst>
+        </pc:picChg>
+      </pc:sldChg>
+      <pc:sldChg chg="addSp delSp modSp add mod">
+        <pc:chgData name="Scruel Tao" userId="5ea5c98d59b44d4b" providerId="LiveId" clId="{2BA6F94F-59B6-4AA6-9DB6-4A8227DBE37E}" dt="2023-04-06T03:20:40.633" v="6312" actId="20577"/>
+        <pc:sldMkLst>
+          <pc:docMk/>
+          <pc:sldMk cId="1122177192" sldId="262"/>
+        </pc:sldMkLst>
+        <pc:spChg chg="mod">
+          <ac:chgData name="Scruel Tao" userId="5ea5c98d59b44d4b" providerId="LiveId" clId="{2BA6F94F-59B6-4AA6-9DB6-4A8227DBE37E}" dt="2023-04-06T03:20:30.082" v="6290" actId="20577"/>
+          <ac:spMkLst>
+            <pc:docMk/>
+            <pc:sldMk cId="1122177192" sldId="262"/>
+            <ac:spMk id="2" creationId="{ABA783DF-49A6-7EF1-661E-C574E2C2F386}"/>
+          </ac:spMkLst>
+        </pc:spChg>
+        <pc:spChg chg="mod">
+          <ac:chgData name="Scruel Tao" userId="5ea5c98d59b44d4b" providerId="LiveId" clId="{2BA6F94F-59B6-4AA6-9DB6-4A8227DBE37E}" dt="2023-04-06T03:20:40.633" v="6312" actId="20577"/>
+          <ac:spMkLst>
+            <pc:docMk/>
+            <pc:sldMk cId="1122177192" sldId="262"/>
+            <ac:spMk id="5" creationId="{334FF01F-2A65-44F6-34F9-69AC934A31D7}"/>
+          </ac:spMkLst>
+        </pc:spChg>
+        <pc:spChg chg="del">
+          <ac:chgData name="Scruel Tao" userId="5ea5c98d59b44d4b" providerId="LiveId" clId="{2BA6F94F-59B6-4AA6-9DB6-4A8227DBE37E}" dt="2023-04-03T04:15:30.512" v="1555"/>
+          <ac:spMkLst>
+            <pc:docMk/>
+            <pc:sldMk cId="1122177192" sldId="262"/>
+            <ac:spMk id="12" creationId="{17AECC1C-6944-9F68-770A-0455E86B2492}"/>
+          </ac:spMkLst>
+        </pc:spChg>
+        <pc:picChg chg="add mod">
+          <ac:chgData name="Scruel Tao" userId="5ea5c98d59b44d4b" providerId="LiveId" clId="{2BA6F94F-59B6-4AA6-9DB6-4A8227DBE37E}" dt="2023-04-03T04:15:30.512" v="1555"/>
+          <ac:picMkLst>
+            <pc:docMk/>
+            <pc:sldMk cId="1122177192" sldId="262"/>
+            <ac:picMk id="4" creationId="{1025CE4E-D3BC-5184-15B8-313E85995FFB}"/>
+          </ac:picMkLst>
+        </pc:picChg>
+      </pc:sldChg>
+      <pc:sldChg chg="addSp delSp modSp add mod chgLayout">
+        <pc:chgData name="Scruel Tao" userId="5ea5c98d59b44d4b" providerId="LiveId" clId="{2BA6F94F-59B6-4AA6-9DB6-4A8227DBE37E}" dt="2023-04-06T01:59:30.132" v="3435" actId="20577"/>
+        <pc:sldMkLst>
+          <pc:docMk/>
+          <pc:sldMk cId="3745137309" sldId="263"/>
+        </pc:sldMkLst>
+        <pc:spChg chg="mod ord">
+          <ac:chgData name="Scruel Tao" userId="5ea5c98d59b44d4b" providerId="LiveId" clId="{2BA6F94F-59B6-4AA6-9DB6-4A8227DBE37E}" dt="2023-04-06T01:59:30.132" v="3435" actId="20577"/>
+          <ac:spMkLst>
+            <pc:docMk/>
+            <pc:sldMk cId="3745137309" sldId="263"/>
+            <ac:spMk id="2" creationId="{ABA783DF-49A6-7EF1-661E-C574E2C2F386}"/>
+          </ac:spMkLst>
+        </pc:spChg>
+        <pc:spChg chg="del">
+          <ac:chgData name="Scruel Tao" userId="5ea5c98d59b44d4b" providerId="LiveId" clId="{2BA6F94F-59B6-4AA6-9DB6-4A8227DBE37E}" dt="2023-04-03T04:18:57.963" v="1679"/>
+          <ac:spMkLst>
+            <pc:docMk/>
+            <pc:sldMk cId="3745137309" sldId="263"/>
+            <ac:spMk id="5" creationId="{334FF01F-2A65-44F6-34F9-69AC934A31D7}"/>
+          </ac:spMkLst>
+        </pc:spChg>
+        <pc:spChg chg="add del mod ord">
+          <ac:chgData name="Scruel Tao" userId="5ea5c98d59b44d4b" providerId="LiveId" clId="{2BA6F94F-59B6-4AA6-9DB6-4A8227DBE37E}" dt="2023-04-03T04:19:17.511" v="1685"/>
+          <ac:spMkLst>
+            <pc:docMk/>
+            <pc:sldMk cId="3745137309" sldId="263"/>
+            <ac:spMk id="6" creationId="{6B189840-C568-FCE7-C338-AC0FAD512F62}"/>
+          </ac:spMkLst>
+        </pc:spChg>
+        <pc:spChg chg="add mod">
+          <ac:chgData name="Scruel Tao" userId="5ea5c98d59b44d4b" providerId="LiveId" clId="{2BA6F94F-59B6-4AA6-9DB6-4A8227DBE37E}" dt="2023-04-03T04:24:42.121" v="1788" actId="1076"/>
+          <ac:spMkLst>
+            <pc:docMk/>
+            <pc:sldMk cId="3745137309" sldId="263"/>
+            <ac:spMk id="8" creationId="{4EC194EB-1593-CBF2-055D-77D4ADFC943F}"/>
+          </ac:spMkLst>
+        </pc:spChg>
+        <pc:spChg chg="del">
+          <ac:chgData name="Scruel Tao" userId="5ea5c98d59b44d4b" providerId="LiveId" clId="{2BA6F94F-59B6-4AA6-9DB6-4A8227DBE37E}" dt="2023-04-03T04:19:06.857" v="1681" actId="478"/>
+          <ac:spMkLst>
+            <pc:docMk/>
+            <pc:sldMk cId="3745137309" sldId="263"/>
+            <ac:spMk id="12" creationId="{17AECC1C-6944-9F68-770A-0455E86B2492}"/>
+          </ac:spMkLst>
+        </pc:spChg>
+        <pc:spChg chg="add del mod">
+          <ac:chgData name="Scruel Tao" userId="5ea5c98d59b44d4b" providerId="LiveId" clId="{2BA6F94F-59B6-4AA6-9DB6-4A8227DBE37E}" dt="2023-04-03T04:39:14.278" v="1794"/>
+          <ac:spMkLst>
+            <pc:docMk/>
+            <pc:sldMk cId="3745137309" sldId="263"/>
+            <ac:spMk id="13" creationId="{2B1E7E69-5ECD-2369-2087-012FACB0EF09}"/>
+          </ac:spMkLst>
+        </pc:spChg>
+        <pc:spChg chg="add mod">
+          <ac:chgData name="Scruel Tao" userId="5ea5c98d59b44d4b" providerId="LiveId" clId="{2BA6F94F-59B6-4AA6-9DB6-4A8227DBE37E}" dt="2023-04-03T04:43:54.118" v="2025" actId="1076"/>
+          <ac:spMkLst>
+            <pc:docMk/>
+            <pc:sldMk cId="3745137309" sldId="263"/>
+            <ac:spMk id="14" creationId="{7382B610-BA58-D421-667D-2CC58252E53B}"/>
+          </ac:spMkLst>
+        </pc:spChg>
+        <pc:spChg chg="add del mod">
+          <ac:chgData name="Scruel Tao" userId="5ea5c98d59b44d4b" providerId="LiveId" clId="{2BA6F94F-59B6-4AA6-9DB6-4A8227DBE37E}" dt="2023-04-03T04:41:30.895" v="1872"/>
+          <ac:spMkLst>
+            <pc:docMk/>
+            <pc:sldMk cId="3745137309" sldId="263"/>
+            <ac:spMk id="20" creationId="{3C1528B3-D941-8F6A-C2B1-9FE727504D1A}"/>
+          </ac:spMkLst>
+        </pc:spChg>
+        <pc:spChg chg="add mod">
+          <ac:chgData name="Scruel Tao" userId="5ea5c98d59b44d4b" providerId="LiveId" clId="{2BA6F94F-59B6-4AA6-9DB6-4A8227DBE37E}" dt="2023-04-03T04:43:48.923" v="2024" actId="113"/>
+          <ac:spMkLst>
+            <pc:docMk/>
+            <pc:sldMk cId="3745137309" sldId="263"/>
+            <ac:spMk id="22" creationId="{7B6674C0-F558-F52E-4B1A-A3B15762388C}"/>
+          </ac:spMkLst>
+        </pc:spChg>
+        <pc:picChg chg="add del mod ord">
+          <ac:chgData name="Scruel Tao" userId="5ea5c98d59b44d4b" providerId="LiveId" clId="{2BA6F94F-59B6-4AA6-9DB6-4A8227DBE37E}" dt="2023-04-03T04:19:16.103" v="1684" actId="21"/>
+          <ac:picMkLst>
+            <pc:docMk/>
+            <pc:sldMk cId="3745137309" sldId="263"/>
+            <ac:picMk id="4" creationId="{52AC7973-0B2B-7791-FC5B-6D95CBD8CBA1}"/>
+          </ac:picMkLst>
+        </pc:picChg>
+        <pc:picChg chg="add del mod">
+          <ac:chgData name="Scruel Tao" userId="5ea5c98d59b44d4b" providerId="LiveId" clId="{2BA6F94F-59B6-4AA6-9DB6-4A8227DBE37E}" dt="2023-04-03T04:41:22.605" v="1869" actId="478"/>
+          <ac:picMkLst>
+            <pc:docMk/>
+            <pc:sldMk cId="3745137309" sldId="263"/>
+            <ac:picMk id="9" creationId="{B07056AA-01D5-51E8-D408-F1980FDC4BC3}"/>
+          </ac:picMkLst>
+        </pc:picChg>
+        <pc:picChg chg="add del mod">
+          <ac:chgData name="Scruel Tao" userId="5ea5c98d59b44d4b" providerId="LiveId" clId="{2BA6F94F-59B6-4AA6-9DB6-4A8227DBE37E}" dt="2023-04-03T04:40:34.570" v="1864" actId="21"/>
+          <ac:picMkLst>
+            <pc:docMk/>
+            <pc:sldMk cId="3745137309" sldId="263"/>
+            <ac:picMk id="11" creationId="{F2971DA2-97CA-921D-0683-2575B93D11D9}"/>
+          </ac:picMkLst>
+        </pc:picChg>
+        <pc:picChg chg="add mod">
+          <ac:chgData name="Scruel Tao" userId="5ea5c98d59b44d4b" providerId="LiveId" clId="{2BA6F94F-59B6-4AA6-9DB6-4A8227DBE37E}" dt="2023-04-03T04:41:02.756" v="1866" actId="1076"/>
+          <ac:picMkLst>
+            <pc:docMk/>
+            <pc:sldMk cId="3745137309" sldId="263"/>
+            <ac:picMk id="16" creationId="{6DA1B3CC-2227-CCDD-B3BF-D5E87A89708B}"/>
+          </ac:picMkLst>
+        </pc:picChg>
+        <pc:picChg chg="add del mod">
+          <ac:chgData name="Scruel Tao" userId="5ea5c98d59b44d4b" providerId="LiveId" clId="{2BA6F94F-59B6-4AA6-9DB6-4A8227DBE37E}" dt="2023-04-03T04:41:29.949" v="1871" actId="21"/>
+          <ac:picMkLst>
+            <pc:docMk/>
+            <pc:sldMk cId="3745137309" sldId="263"/>
+            <ac:picMk id="18" creationId="{313CB848-6C20-4548-45B0-BFDAA30EA3A2}"/>
+          </ac:picMkLst>
+        </pc:picChg>
+        <pc:picChg chg="add mod">
+          <ac:chgData name="Scruel Tao" userId="5ea5c98d59b44d4b" providerId="LiveId" clId="{2BA6F94F-59B6-4AA6-9DB6-4A8227DBE37E}" dt="2023-04-03T04:43:33.350" v="2001" actId="1076"/>
+          <ac:picMkLst>
+            <pc:docMk/>
+            <pc:sldMk cId="3745137309" sldId="263"/>
+            <ac:picMk id="21" creationId="{87C92696-2285-C2FB-D306-11BA00515544}"/>
+          </ac:picMkLst>
+        </pc:picChg>
+      </pc:sldChg>
+      <pc:sldChg chg="addSp delSp modSp add mod ord">
+        <pc:chgData name="Scruel Tao" userId="5ea5c98d59b44d4b" providerId="LiveId" clId="{2BA6F94F-59B6-4AA6-9DB6-4A8227DBE37E}" dt="2023-04-06T01:59:23.291" v="3427" actId="20577"/>
+        <pc:sldMkLst>
+          <pc:docMk/>
+          <pc:sldMk cId="3725727672" sldId="264"/>
+        </pc:sldMkLst>
+        <pc:spChg chg="mod">
+          <ac:chgData name="Scruel Tao" userId="5ea5c98d59b44d4b" providerId="LiveId" clId="{2BA6F94F-59B6-4AA6-9DB6-4A8227DBE37E}" dt="2023-04-06T01:59:23.291" v="3427" actId="20577"/>
+          <ac:spMkLst>
+            <pc:docMk/>
+            <pc:sldMk cId="3725727672" sldId="264"/>
+            <ac:spMk id="2" creationId="{ABA783DF-49A6-7EF1-661E-C574E2C2F386}"/>
+          </ac:spMkLst>
+        </pc:spChg>
+        <pc:spChg chg="mod">
+          <ac:chgData name="Scruel Tao" userId="5ea5c98d59b44d4b" providerId="LiveId" clId="{2BA6F94F-59B6-4AA6-9DB6-4A8227DBE37E}" dt="2023-04-03T05:01:36.612" v="2644" actId="1076"/>
+          <ac:spMkLst>
+            <pc:docMk/>
+            <pc:sldMk cId="3725727672" sldId="264"/>
+            <ac:spMk id="5" creationId="{334FF01F-2A65-44F6-34F9-69AC934A31D7}"/>
+          </ac:spMkLst>
+        </pc:spChg>
+        <pc:spChg chg="add del mod">
+          <ac:chgData name="Scruel Tao" userId="5ea5c98d59b44d4b" providerId="LiveId" clId="{2BA6F94F-59B6-4AA6-9DB6-4A8227DBE37E}" dt="2023-04-03T05:00:26.370" v="2626"/>
+          <ac:spMkLst>
+            <pc:docMk/>
+            <pc:sldMk cId="3725727672" sldId="264"/>
+            <ac:spMk id="11" creationId="{E9210103-9DD3-6F29-C0C7-B18A6E419E73}"/>
+          </ac:spMkLst>
+        </pc:spChg>
+        <pc:spChg chg="del mod">
+          <ac:chgData name="Scruel Tao" userId="5ea5c98d59b44d4b" providerId="LiveId" clId="{2BA6F94F-59B6-4AA6-9DB6-4A8227DBE37E}" dt="2023-04-03T04:44:34.015" v="2029"/>
+          <ac:spMkLst>
+            <pc:docMk/>
+            <pc:sldMk cId="3725727672" sldId="264"/>
+            <ac:spMk id="12" creationId="{17AECC1C-6944-9F68-770A-0455E86B2492}"/>
+          </ac:spMkLst>
+        </pc:spChg>
+        <pc:spChg chg="add mod">
+          <ac:chgData name="Scruel Tao" userId="5ea5c98d59b44d4b" providerId="LiveId" clId="{2BA6F94F-59B6-4AA6-9DB6-4A8227DBE37E}" dt="2023-04-03T05:03:05.445" v="2754" actId="1076"/>
+          <ac:spMkLst>
+            <pc:docMk/>
+            <pc:sldMk cId="3725727672" sldId="264"/>
+            <ac:spMk id="15" creationId="{57CD949C-3C60-4F11-3188-DAAC2954E147}"/>
+          </ac:spMkLst>
+        </pc:spChg>
+        <pc:picChg chg="add del mod">
+          <ac:chgData name="Scruel Tao" userId="5ea5c98d59b44d4b" providerId="LiveId" clId="{2BA6F94F-59B6-4AA6-9DB6-4A8227DBE37E}" dt="2023-04-03T05:00:25.324" v="2625" actId="478"/>
+          <ac:picMkLst>
+            <pc:docMk/>
+            <pc:sldMk cId="3725727672" sldId="264"/>
+            <ac:picMk id="4" creationId="{A511FBE8-0DD6-E630-8EF3-0C4EEA9CD752}"/>
+          </ac:picMkLst>
+        </pc:picChg>
+        <pc:picChg chg="add del mod">
+          <ac:chgData name="Scruel Tao" userId="5ea5c98d59b44d4b" providerId="LiveId" clId="{2BA6F94F-59B6-4AA6-9DB6-4A8227DBE37E}" dt="2023-04-03T04:57:24.837" v="2616" actId="21"/>
+          <ac:picMkLst>
+            <pc:docMk/>
+            <pc:sldMk cId="3725727672" sldId="264"/>
+            <ac:picMk id="7" creationId="{DD04D8AF-8509-73F1-4E2C-416ED822D93C}"/>
+          </ac:picMkLst>
+        </pc:picChg>
+        <pc:picChg chg="add mod">
+          <ac:chgData name="Scruel Tao" userId="5ea5c98d59b44d4b" providerId="LiveId" clId="{2BA6F94F-59B6-4AA6-9DB6-4A8227DBE37E}" dt="2023-04-03T05:01:32.816" v="2643" actId="1076"/>
+          <ac:picMkLst>
+            <pc:docMk/>
+            <pc:sldMk cId="3725727672" sldId="264"/>
+            <ac:picMk id="9" creationId="{5508513D-8323-A6F7-C52C-5D05B49C07CC}"/>
+          </ac:picMkLst>
+        </pc:picChg>
+        <pc:picChg chg="add mod">
+          <ac:chgData name="Scruel Tao" userId="5ea5c98d59b44d4b" providerId="LiveId" clId="{2BA6F94F-59B6-4AA6-9DB6-4A8227DBE37E}" dt="2023-04-03T05:01:30.973" v="2642" actId="1076"/>
+          <ac:picMkLst>
+            <pc:docMk/>
+            <pc:sldMk cId="3725727672" sldId="264"/>
+            <ac:picMk id="14" creationId="{D5EB1BEF-B3CD-34F8-C19A-87E8C64345B3}"/>
+          </ac:picMkLst>
+        </pc:picChg>
+      </pc:sldChg>
+      <pc:sldChg chg="addSp delSp modSp add mod">
+        <pc:chgData name="Scruel Tao" userId="5ea5c98d59b44d4b" providerId="LiveId" clId="{2BA6F94F-59B6-4AA6-9DB6-4A8227DBE37E}" dt="2023-04-06T03:12:15.194" v="6242" actId="13926"/>
+        <pc:sldMkLst>
+          <pc:docMk/>
+          <pc:sldMk cId="3416507657" sldId="265"/>
+        </pc:sldMkLst>
+        <pc:spChg chg="mod">
+          <ac:chgData name="Scruel Tao" userId="5ea5c98d59b44d4b" providerId="LiveId" clId="{2BA6F94F-59B6-4AA6-9DB6-4A8227DBE37E}" dt="2023-04-06T01:59:38.903" v="3439" actId="20577"/>
+          <ac:spMkLst>
+            <pc:docMk/>
+            <pc:sldMk cId="3416507657" sldId="265"/>
+            <ac:spMk id="2" creationId="{ABA783DF-49A6-7EF1-661E-C574E2C2F386}"/>
+          </ac:spMkLst>
+        </pc:spChg>
+        <pc:spChg chg="add del mod">
+          <ac:chgData name="Scruel Tao" userId="5ea5c98d59b44d4b" providerId="LiveId" clId="{2BA6F94F-59B6-4AA6-9DB6-4A8227DBE37E}" dt="2023-04-06T03:12:15.194" v="6242" actId="13926"/>
+          <ac:spMkLst>
+            <pc:docMk/>
+            <pc:sldMk cId="3416507657" sldId="265"/>
+            <ac:spMk id="5" creationId="{334FF01F-2A65-44F6-34F9-69AC934A31D7}"/>
+          </ac:spMkLst>
+        </pc:spChg>
+        <pc:spChg chg="add del mod">
+          <ac:chgData name="Scruel Tao" userId="5ea5c98d59b44d4b" providerId="LiveId" clId="{2BA6F94F-59B6-4AA6-9DB6-4A8227DBE37E}" dt="2023-04-03T05:07:31.501" v="2932"/>
+          <ac:spMkLst>
+            <pc:docMk/>
+            <pc:sldMk cId="3416507657" sldId="265"/>
+            <ac:spMk id="9" creationId="{CCAFF9B5-8F81-F673-219D-9240B0194641}"/>
+          </ac:spMkLst>
+        </pc:spChg>
+        <pc:spChg chg="del">
+          <ac:chgData name="Scruel Tao" userId="5ea5c98d59b44d4b" providerId="LiveId" clId="{2BA6F94F-59B6-4AA6-9DB6-4A8227DBE37E}" dt="2023-04-03T05:06:16.950" v="2812"/>
+          <ac:spMkLst>
+            <pc:docMk/>
+            <pc:sldMk cId="3416507657" sldId="265"/>
+            <ac:spMk id="12" creationId="{17AECC1C-6944-9F68-770A-0455E86B2492}"/>
+          </ac:spMkLst>
+        </pc:spChg>
+        <pc:picChg chg="add del mod">
+          <ac:chgData name="Scruel Tao" userId="5ea5c98d59b44d4b" providerId="LiveId" clId="{2BA6F94F-59B6-4AA6-9DB6-4A8227DBE37E}" dt="2023-04-03T05:06:16.168" v="2811"/>
+          <ac:picMkLst>
+            <pc:docMk/>
+            <pc:sldMk cId="3416507657" sldId="265"/>
+            <ac:picMk id="4" creationId="{ABCDEA2C-CB97-DE24-E641-E77BFA3BF78D}"/>
+          </ac:picMkLst>
+        </pc:picChg>
+        <pc:picChg chg="add del mod">
+          <ac:chgData name="Scruel Tao" userId="5ea5c98d59b44d4b" providerId="LiveId" clId="{2BA6F94F-59B6-4AA6-9DB6-4A8227DBE37E}" dt="2023-04-03T05:07:30.490" v="2931" actId="478"/>
+          <ac:picMkLst>
+            <pc:docMk/>
+            <pc:sldMk cId="3416507657" sldId="265"/>
+            <ac:picMk id="7" creationId="{203C7841-531F-0781-7458-699E2A5C7CE7}"/>
+          </ac:picMkLst>
+        </pc:picChg>
+        <pc:picChg chg="add mod">
+          <ac:chgData name="Scruel Tao" userId="5ea5c98d59b44d4b" providerId="LiveId" clId="{2BA6F94F-59B6-4AA6-9DB6-4A8227DBE37E}" dt="2023-04-03T05:09:18.591" v="3012" actId="1076"/>
+          <ac:picMkLst>
+            <pc:docMk/>
+            <pc:sldMk cId="3416507657" sldId="265"/>
+            <ac:picMk id="11" creationId="{44AA24C5-508C-4D40-7E65-55D5627E4671}"/>
+          </ac:picMkLst>
+        </pc:picChg>
+      </pc:sldChg>
+      <pc:sldChg chg="add del">
+        <pc:chgData name="Scruel Tao" userId="5ea5c98d59b44d4b" providerId="LiveId" clId="{2BA6F94F-59B6-4AA6-9DB6-4A8227DBE37E}" dt="2023-04-03T05:03:50.426" v="2761" actId="47"/>
+        <pc:sldMkLst>
+          <pc:docMk/>
+          <pc:sldMk cId="3540231720" sldId="266"/>
+        </pc:sldMkLst>
+      </pc:sldChg>
+      <pc:sldChg chg="add del">
+        <pc:chgData name="Scruel Tao" userId="5ea5c98d59b44d4b" providerId="LiveId" clId="{2BA6F94F-59B6-4AA6-9DB6-4A8227DBE37E}" dt="2023-04-03T05:03:50.758" v="2762" actId="47"/>
+        <pc:sldMkLst>
+          <pc:docMk/>
+          <pc:sldMk cId="4025758886" sldId="267"/>
+        </pc:sldMkLst>
+      </pc:sldChg>
+      <pc:sldChg chg="add del">
+        <pc:chgData name="Scruel Tao" userId="5ea5c98d59b44d4b" providerId="LiveId" clId="{2BA6F94F-59B6-4AA6-9DB6-4A8227DBE37E}" dt="2023-04-03T05:03:50.967" v="2763" actId="47"/>
+        <pc:sldMkLst>
+          <pc:docMk/>
+          <pc:sldMk cId="3881832977" sldId="268"/>
+        </pc:sldMkLst>
+      </pc:sldChg>
+      <pc:sldChg chg="add del">
+        <pc:chgData name="Scruel Tao" userId="5ea5c98d59b44d4b" providerId="LiveId" clId="{2BA6F94F-59B6-4AA6-9DB6-4A8227DBE37E}" dt="2023-04-03T05:03:51.140" v="2764" actId="47"/>
+        <pc:sldMkLst>
+          <pc:docMk/>
+          <pc:sldMk cId="3546485175" sldId="269"/>
+        </pc:sldMkLst>
+      </pc:sldChg>
+      <pc:sldChg chg="addSp delSp modSp add mod ord">
+        <pc:chgData name="Scruel Tao" userId="5ea5c98d59b44d4b" providerId="LiveId" clId="{2BA6F94F-59B6-4AA6-9DB6-4A8227DBE37E}" dt="2023-04-06T03:12:53.496" v="6269" actId="1076"/>
+        <pc:sldMkLst>
+          <pc:docMk/>
+          <pc:sldMk cId="192831406" sldId="270"/>
+        </pc:sldMkLst>
+        <pc:spChg chg="mod">
+          <ac:chgData name="Scruel Tao" userId="5ea5c98d59b44d4b" providerId="LiveId" clId="{2BA6F94F-59B6-4AA6-9DB6-4A8227DBE37E}" dt="2023-04-06T01:59:06.037" v="3423" actId="20577"/>
+          <ac:spMkLst>
+            <pc:docMk/>
+            <pc:sldMk cId="192831406" sldId="270"/>
+            <ac:spMk id="2" creationId="{ABA783DF-49A6-7EF1-661E-C574E2C2F386}"/>
+          </ac:spMkLst>
+        </pc:spChg>
+        <pc:spChg chg="mod">
+          <ac:chgData name="Scruel Tao" userId="5ea5c98d59b44d4b" providerId="LiveId" clId="{2BA6F94F-59B6-4AA6-9DB6-4A8227DBE37E}" dt="2023-04-03T04:55:36.354" v="2500" actId="20577"/>
+          <ac:spMkLst>
+            <pc:docMk/>
+            <pc:sldMk cId="192831406" sldId="270"/>
+            <ac:spMk id="5" creationId="{334FF01F-2A65-44F6-34F9-69AC934A31D7}"/>
+          </ac:spMkLst>
+        </pc:spChg>
+        <pc:spChg chg="add del mod">
+          <ac:chgData name="Scruel Tao" userId="5ea5c98d59b44d4b" providerId="LiveId" clId="{2BA6F94F-59B6-4AA6-9DB6-4A8227DBE37E}" dt="2023-04-03T04:49:26.325" v="2108"/>
+          <ac:spMkLst>
+            <pc:docMk/>
+            <pc:sldMk cId="192831406" sldId="270"/>
+            <ac:spMk id="6" creationId="{4825B1F8-4B63-9130-AF5C-D8B58F7AE6AF}"/>
+          </ac:spMkLst>
+        </pc:spChg>
+        <pc:spChg chg="add del mod">
+          <ac:chgData name="Scruel Tao" userId="5ea5c98d59b44d4b" providerId="LiveId" clId="{2BA6F94F-59B6-4AA6-9DB6-4A8227DBE37E}" dt="2023-04-03T04:55:48.392" v="2504"/>
+          <ac:spMkLst>
+            <pc:docMk/>
+            <pc:sldMk cId="192831406" sldId="270"/>
+            <ac:spMk id="13" creationId="{BFF52406-2E49-3B9D-2A6D-2A5EDD1B1D0D}"/>
+          </ac:spMkLst>
+        </pc:spChg>
+        <pc:spChg chg="add mod">
+          <ac:chgData name="Scruel Tao" userId="5ea5c98d59b44d4b" providerId="LiveId" clId="{2BA6F94F-59B6-4AA6-9DB6-4A8227DBE37E}" dt="2023-04-06T03:12:53.496" v="6269" actId="1076"/>
+          <ac:spMkLst>
+            <pc:docMk/>
+            <pc:sldMk cId="192831406" sldId="270"/>
+            <ac:spMk id="14" creationId="{BF2C039C-7D70-5BA8-10BF-AC65C1C472C2}"/>
+          </ac:spMkLst>
+        </pc:spChg>
+        <pc:picChg chg="del">
+          <ac:chgData name="Scruel Tao" userId="5ea5c98d59b44d4b" providerId="LiveId" clId="{2BA6F94F-59B6-4AA6-9DB6-4A8227DBE37E}" dt="2023-04-03T04:46:04.237" v="2072" actId="21"/>
+          <ac:picMkLst>
+            <pc:docMk/>
+            <pc:sldMk cId="192831406" sldId="270"/>
+            <ac:picMk id="4" creationId="{A511FBE8-0DD6-E630-8EF3-0C4EEA9CD752}"/>
+          </ac:picMkLst>
+        </pc:picChg>
+        <pc:picChg chg="del mod">
+          <ac:chgData name="Scruel Tao" userId="5ea5c98d59b44d4b" providerId="LiveId" clId="{2BA6F94F-59B6-4AA6-9DB6-4A8227DBE37E}" dt="2023-04-03T04:49:25.552" v="2107" actId="21"/>
+          <ac:picMkLst>
+            <pc:docMk/>
+            <pc:sldMk cId="192831406" sldId="270"/>
+            <ac:picMk id="7" creationId="{DD04D8AF-8509-73F1-4E2C-416ED822D93C}"/>
+          </ac:picMkLst>
+        </pc:picChg>
+        <pc:picChg chg="add mod">
+          <ac:chgData name="Scruel Tao" userId="5ea5c98d59b44d4b" providerId="LiveId" clId="{2BA6F94F-59B6-4AA6-9DB6-4A8227DBE37E}" dt="2023-04-03T04:56:24.305" v="2563" actId="1076"/>
+          <ac:picMkLst>
+            <pc:docMk/>
+            <pc:sldMk cId="192831406" sldId="270"/>
+            <ac:picMk id="8" creationId="{9FEE71E3-5A5A-BDD3-0177-666AE0953528}"/>
+          </ac:picMkLst>
+        </pc:picChg>
+        <pc:picChg chg="add mod">
+          <ac:chgData name="Scruel Tao" userId="5ea5c98d59b44d4b" providerId="LiveId" clId="{2BA6F94F-59B6-4AA6-9DB6-4A8227DBE37E}" dt="2023-04-03T04:57:09.828" v="2614" actId="1076"/>
+          <ac:picMkLst>
+            <pc:docMk/>
+            <pc:sldMk cId="192831406" sldId="270"/>
+            <ac:picMk id="10" creationId="{ED7D2C24-3911-466C-3E76-669FC1671250}"/>
+          </ac:picMkLst>
+        </pc:picChg>
+        <pc:picChg chg="add mod">
+          <ac:chgData name="Scruel Tao" userId="5ea5c98d59b44d4b" providerId="LiveId" clId="{2BA6F94F-59B6-4AA6-9DB6-4A8227DBE37E}" dt="2023-04-03T04:55:39.683" v="2501" actId="1076"/>
+          <ac:picMkLst>
+            <pc:docMk/>
+            <pc:sldMk cId="192831406" sldId="270"/>
+            <ac:picMk id="12" creationId="{A8B42638-E2EC-8913-3326-65DFC6BFA414}"/>
+          </ac:picMkLst>
+        </pc:picChg>
+      </pc:sldChg>
+      <pc:sldChg chg="addSp delSp modSp add mod modTransition delAnim modAnim">
+        <pc:chgData name="Scruel Tao" userId="5ea5c98d59b44d4b" providerId="LiveId" clId="{2BA6F94F-59B6-4AA6-9DB6-4A8227DBE37E}" dt="2023-04-06T02:37:35.540" v="4103" actId="20577"/>
+        <pc:sldMkLst>
+          <pc:docMk/>
+          <pc:sldMk cId="555885545" sldId="271"/>
+        </pc:sldMkLst>
+        <pc:spChg chg="mod">
+          <ac:chgData name="Scruel Tao" userId="5ea5c98d59b44d4b" providerId="LiveId" clId="{2BA6F94F-59B6-4AA6-9DB6-4A8227DBE37E}" dt="2023-04-06T02:37:35.540" v="4103" actId="20577"/>
+          <ac:spMkLst>
+            <pc:docMk/>
+            <pc:sldMk cId="555885545" sldId="271"/>
+            <ac:spMk id="2" creationId="{ABA783DF-49A6-7EF1-661E-C574E2C2F386}"/>
+          </ac:spMkLst>
+        </pc:spChg>
+        <pc:spChg chg="mod">
+          <ac:chgData name="Scruel Tao" userId="5ea5c98d59b44d4b" providerId="LiveId" clId="{2BA6F94F-59B6-4AA6-9DB6-4A8227DBE37E}" dt="2023-04-06T02:37:10.496" v="4102" actId="20577"/>
+          <ac:spMkLst>
+            <pc:docMk/>
+            <pc:sldMk cId="555885545" sldId="271"/>
+            <ac:spMk id="5" creationId="{334FF01F-2A65-44F6-34F9-69AC934A31D7}"/>
+          </ac:spMkLst>
+        </pc:spChg>
+        <pc:spChg chg="del">
+          <ac:chgData name="Scruel Tao" userId="5ea5c98d59b44d4b" providerId="LiveId" clId="{2BA6F94F-59B6-4AA6-9DB6-4A8227DBE37E}" dt="2023-04-03T05:12:20.396" v="3109"/>
+          <ac:spMkLst>
+            <pc:docMk/>
+            <pc:sldMk cId="555885545" sldId="271"/>
+            <ac:spMk id="12" creationId="{17AECC1C-6944-9F68-770A-0455E86B2492}"/>
+          </ac:spMkLst>
+        </pc:spChg>
+        <pc:picChg chg="add mod">
+          <ac:chgData name="Scruel Tao" userId="5ea5c98d59b44d4b" providerId="LiveId" clId="{2BA6F94F-59B6-4AA6-9DB6-4A8227DBE37E}" dt="2023-04-03T05:12:24.482" v="3111" actId="1076"/>
+          <ac:picMkLst>
+            <pc:docMk/>
+            <pc:sldMk cId="555885545" sldId="271"/>
+            <ac:picMk id="3" creationId="{E9C9C4B6-9E80-13FC-3C11-56455F818828}"/>
+          </ac:picMkLst>
+        </pc:picChg>
+        <pc:picChg chg="add del mod">
+          <ac:chgData name="Scruel Tao" userId="5ea5c98d59b44d4b" providerId="LiveId" clId="{2BA6F94F-59B6-4AA6-9DB6-4A8227DBE37E}" dt="2023-04-06T02:23:46.442" v="3975" actId="478"/>
+          <ac:picMkLst>
+            <pc:docMk/>
+            <pc:sldMk cId="555885545" sldId="271"/>
+            <ac:picMk id="6" creationId="{946FBC4D-967C-E0DD-4B99-AFE37DE456FC}"/>
+          </ac:picMkLst>
+        </pc:picChg>
+        <pc:picChg chg="add del mod">
+          <ac:chgData name="Scruel Tao" userId="5ea5c98d59b44d4b" providerId="LiveId" clId="{2BA6F94F-59B6-4AA6-9DB6-4A8227DBE37E}" dt="2023-04-06T02:34:23.966" v="4014" actId="478"/>
+          <ac:picMkLst>
+            <pc:docMk/>
+            <pc:sldMk cId="555885545" sldId="271"/>
+            <ac:picMk id="8" creationId="{CBE0F782-9063-9A1B-F123-E3585C23F8D4}"/>
+          </ac:picMkLst>
+        </pc:picChg>
+        <pc:picChg chg="add mod ord">
+          <ac:chgData name="Scruel Tao" userId="5ea5c98d59b44d4b" providerId="LiveId" clId="{2BA6F94F-59B6-4AA6-9DB6-4A8227DBE37E}" dt="2023-04-06T02:34:21.109" v="4013" actId="171"/>
+          <ac:picMkLst>
+            <pc:docMk/>
+            <pc:sldMk cId="555885545" sldId="271"/>
+            <ac:picMk id="10" creationId="{AB9AA877-00A8-CAE0-AEB2-54C3CC706AB2}"/>
+          </ac:picMkLst>
+        </pc:picChg>
+        <pc:picChg chg="add del mod">
+          <ac:chgData name="Scruel Tao" userId="5ea5c98d59b44d4b" providerId="LiveId" clId="{2BA6F94F-59B6-4AA6-9DB6-4A8227DBE37E}" dt="2023-04-06T02:34:05.904" v="4011" actId="478"/>
+          <ac:picMkLst>
+            <pc:docMk/>
+            <pc:sldMk cId="555885545" sldId="271"/>
+            <ac:picMk id="12" creationId="{6B5B9BC3-94A6-21D9-46F9-DD8E61B43B92}"/>
+          </ac:picMkLst>
+        </pc:picChg>
+        <pc:picChg chg="add mod">
+          <ac:chgData name="Scruel Tao" userId="5ea5c98d59b44d4b" providerId="LiveId" clId="{2BA6F94F-59B6-4AA6-9DB6-4A8227DBE37E}" dt="2023-04-06T02:34:48.022" v="4029" actId="1076"/>
+          <ac:picMkLst>
+            <pc:docMk/>
+            <pc:sldMk cId="555885545" sldId="271"/>
+            <ac:picMk id="14" creationId="{6A16C4FE-00E6-5357-100A-B8710B34F596}"/>
+          </ac:picMkLst>
+        </pc:picChg>
+        <pc:picChg chg="add mod">
+          <ac:chgData name="Scruel Tao" userId="5ea5c98d59b44d4b" providerId="LiveId" clId="{2BA6F94F-59B6-4AA6-9DB6-4A8227DBE37E}" dt="2023-04-06T02:35:36.170" v="4034" actId="1076"/>
+          <ac:picMkLst>
+            <pc:docMk/>
+            <pc:sldMk cId="555885545" sldId="271"/>
+            <ac:picMk id="16" creationId="{11C754BB-74AE-32B2-031C-7FF20420B575}"/>
+          </ac:picMkLst>
+        </pc:picChg>
+      </pc:sldChg>
+      <pc:sldChg chg="addSp delSp modSp add mod modClrScheme modAnim chgLayout">
+        <pc:chgData name="Scruel Tao" userId="5ea5c98d59b44d4b" providerId="LiveId" clId="{2BA6F94F-59B6-4AA6-9DB6-4A8227DBE37E}" dt="2023-04-06T03:21:33.591" v="6322" actId="20577"/>
+        <pc:sldMkLst>
+          <pc:docMk/>
+          <pc:sldMk cId="1518949093" sldId="272"/>
+        </pc:sldMkLst>
+        <pc:spChg chg="mod ord">
+          <ac:chgData name="Scruel Tao" userId="5ea5c98d59b44d4b" providerId="LiveId" clId="{2BA6F94F-59B6-4AA6-9DB6-4A8227DBE37E}" dt="2023-04-06T02:46:26.755" v="4346" actId="700"/>
+          <ac:spMkLst>
+            <pc:docMk/>
+            <pc:sldMk cId="1518949093" sldId="272"/>
+            <ac:spMk id="2" creationId="{ABA783DF-49A6-7EF1-661E-C574E2C2F386}"/>
+          </ac:spMkLst>
+        </pc:spChg>
+        <pc:spChg chg="add mod ord">
+          <ac:chgData name="Scruel Tao" userId="5ea5c98d59b44d4b" providerId="LiveId" clId="{2BA6F94F-59B6-4AA6-9DB6-4A8227DBE37E}" dt="2023-04-06T03:21:33.591" v="6322" actId="20577"/>
+          <ac:spMkLst>
+            <pc:docMk/>
+            <pc:sldMk cId="1518949093" sldId="272"/>
+            <ac:spMk id="3" creationId="{939F03AE-10F4-D882-D99A-D5393469A114}"/>
+          </ac:spMkLst>
+        </pc:spChg>
+        <pc:spChg chg="add mod">
+          <ac:chgData name="Scruel Tao" userId="5ea5c98d59b44d4b" providerId="LiveId" clId="{2BA6F94F-59B6-4AA6-9DB6-4A8227DBE37E}" dt="2023-04-06T03:00:35.995" v="5800" actId="1076"/>
+          <ac:spMkLst>
+            <pc:docMk/>
+            <pc:sldMk cId="1518949093" sldId="272"/>
+            <ac:spMk id="4" creationId="{7F9F47DD-E49D-A929-FBF6-0571BAC29FB6}"/>
+          </ac:spMkLst>
+        </pc:spChg>
+        <pc:spChg chg="del mod ord">
+          <ac:chgData name="Scruel Tao" userId="5ea5c98d59b44d4b" providerId="LiveId" clId="{2BA6F94F-59B6-4AA6-9DB6-4A8227DBE37E}" dt="2023-04-06T02:46:26.755" v="4346" actId="700"/>
+          <ac:spMkLst>
+            <pc:docMk/>
+            <pc:sldMk cId="1518949093" sldId="272"/>
+            <ac:spMk id="5" creationId="{334FF01F-2A65-44F6-34F9-69AC934A31D7}"/>
+          </ac:spMkLst>
+        </pc:spChg>
+        <pc:spChg chg="add del mod">
+          <ac:chgData name="Scruel Tao" userId="5ea5c98d59b44d4b" providerId="LiveId" clId="{2BA6F94F-59B6-4AA6-9DB6-4A8227DBE37E}" dt="2023-04-06T02:46:26.755" v="4346" actId="700"/>
+          <ac:spMkLst>
+            <pc:docMk/>
+            <pc:sldMk cId="1518949093" sldId="272"/>
+            <ac:spMk id="7" creationId="{F35B7A8A-4930-2C62-CD2B-1E4E38AFABE3}"/>
+          </ac:spMkLst>
+        </pc:spChg>
+        <pc:spChg chg="del">
+          <ac:chgData name="Scruel Tao" userId="5ea5c98d59b44d4b" providerId="LiveId" clId="{2BA6F94F-59B6-4AA6-9DB6-4A8227DBE37E}" dt="2023-04-03T05:12:13.720" v="3106"/>
+          <ac:spMkLst>
+            <pc:docMk/>
+            <pc:sldMk cId="1518949093" sldId="272"/>
+            <ac:spMk id="12" creationId="{17AECC1C-6944-9F68-770A-0455E86B2492}"/>
+          </ac:spMkLst>
+        </pc:spChg>
+        <pc:picChg chg="add del mod">
+          <ac:chgData name="Scruel Tao" userId="5ea5c98d59b44d4b" providerId="LiveId" clId="{2BA6F94F-59B6-4AA6-9DB6-4A8227DBE37E}" dt="2023-04-03T05:12:18.430" v="3108" actId="21"/>
+          <ac:picMkLst>
+            <pc:docMk/>
+            <pc:sldMk cId="1518949093" sldId="272"/>
+            <ac:picMk id="4" creationId="{ED7E2725-EC32-D629-C663-EC55BC83D8AA}"/>
+          </ac:picMkLst>
+        </pc:picChg>
+      </pc:sldChg>
+      <pc:sldChg chg="addSp delSp modSp add mod modAnim">
+        <pc:chgData name="Scruel Tao" userId="5ea5c98d59b44d4b" providerId="LiveId" clId="{2BA6F94F-59B6-4AA6-9DB6-4A8227DBE37E}" dt="2023-04-06T03:22:01.021" v="6326" actId="20577"/>
+        <pc:sldMkLst>
+          <pc:docMk/>
+          <pc:sldMk cId="1301849154" sldId="273"/>
+        </pc:sldMkLst>
+        <pc:spChg chg="mod">
+          <ac:chgData name="Scruel Tao" userId="5ea5c98d59b44d4b" providerId="LiveId" clId="{2BA6F94F-59B6-4AA6-9DB6-4A8227DBE37E}" dt="2023-04-06T02:00:22.559" v="3502" actId="20577"/>
+          <ac:spMkLst>
+            <pc:docMk/>
+            <pc:sldMk cId="1301849154" sldId="273"/>
+            <ac:spMk id="2" creationId="{ABA783DF-49A6-7EF1-661E-C574E2C2F386}"/>
+          </ac:spMkLst>
+        </pc:spChg>
+        <pc:spChg chg="mod ord">
+          <ac:chgData name="Scruel Tao" userId="5ea5c98d59b44d4b" providerId="LiveId" clId="{2BA6F94F-59B6-4AA6-9DB6-4A8227DBE37E}" dt="2023-04-06T03:22:01.021" v="6326" actId="20577"/>
+          <ac:spMkLst>
+            <pc:docMk/>
+            <pc:sldMk cId="1301849154" sldId="273"/>
+            <ac:spMk id="5" creationId="{334FF01F-2A65-44F6-34F9-69AC934A31D7}"/>
+          </ac:spMkLst>
+        </pc:spChg>
+        <pc:spChg chg="add del">
+          <ac:chgData name="Scruel Tao" userId="5ea5c98d59b44d4b" providerId="LiveId" clId="{2BA6F94F-59B6-4AA6-9DB6-4A8227DBE37E}" dt="2023-04-06T03:03:08.342" v="5816" actId="22"/>
+          <ac:spMkLst>
+            <pc:docMk/>
+            <pc:sldMk cId="1301849154" sldId="273"/>
+            <ac:spMk id="9" creationId="{2D63CFCC-FD4C-6E5B-C31C-1FACE6548087}"/>
+          </ac:spMkLst>
+        </pc:spChg>
+        <pc:spChg chg="del">
+          <ac:chgData name="Scruel Tao" userId="5ea5c98d59b44d4b" providerId="LiveId" clId="{2BA6F94F-59B6-4AA6-9DB6-4A8227DBE37E}" dt="2023-04-06T02:59:42.163" v="5772"/>
+          <ac:spMkLst>
+            <pc:docMk/>
+            <pc:sldMk cId="1301849154" sldId="273"/>
+            <ac:spMk id="12" creationId="{17AECC1C-6944-9F68-770A-0455E86B2492}"/>
+          </ac:spMkLst>
+        </pc:spChg>
+        <pc:picChg chg="add mod">
+          <ac:chgData name="Scruel Tao" userId="5ea5c98d59b44d4b" providerId="LiveId" clId="{2BA6F94F-59B6-4AA6-9DB6-4A8227DBE37E}" dt="2023-04-06T03:00:08.355" v="5783" actId="14100"/>
+          <ac:picMkLst>
+            <pc:docMk/>
+            <pc:sldMk cId="1301849154" sldId="273"/>
+            <ac:picMk id="4" creationId="{0A002240-4414-DA2D-96E9-81195475F4D9}"/>
+          </ac:picMkLst>
+        </pc:picChg>
+        <pc:picChg chg="add mod">
+          <ac:chgData name="Scruel Tao" userId="5ea5c98d59b44d4b" providerId="LiveId" clId="{2BA6F94F-59B6-4AA6-9DB6-4A8227DBE37E}" dt="2023-04-06T03:01:55.942" v="5807" actId="1076"/>
+          <ac:picMkLst>
+            <pc:docMk/>
+            <pc:sldMk cId="1301849154" sldId="273"/>
+            <ac:picMk id="7" creationId="{039AB04D-EA90-8BDD-A9C6-599C7C25DC63}"/>
+          </ac:picMkLst>
+        </pc:picChg>
+        <pc:picChg chg="add mod">
+          <ac:chgData name="Scruel Tao" userId="5ea5c98d59b44d4b" providerId="LiveId" clId="{2BA6F94F-59B6-4AA6-9DB6-4A8227DBE37E}" dt="2023-04-06T03:03:35.262" v="5826" actId="1076"/>
+          <ac:picMkLst>
+            <pc:docMk/>
+            <pc:sldMk cId="1301849154" sldId="273"/>
+            <ac:picMk id="11" creationId="{F56CF5C9-083E-9020-8D45-F23AB3CF38CE}"/>
+          </ac:picMkLst>
+        </pc:picChg>
+      </pc:sldChg>
+      <pc:sldChg chg="addSp delSp modSp add mod modClrScheme modAnim chgLayout">
+        <pc:chgData name="Scruel Tao" userId="5ea5c98d59b44d4b" providerId="LiveId" clId="{2BA6F94F-59B6-4AA6-9DB6-4A8227DBE37E}" dt="2023-04-06T03:08:04.347" v="6177" actId="20577"/>
+        <pc:sldMkLst>
+          <pc:docMk/>
+          <pc:sldMk cId="2878673110" sldId="274"/>
+        </pc:sldMkLst>
+        <pc:spChg chg="mod ord">
+          <ac:chgData name="Scruel Tao" userId="5ea5c98d59b44d4b" providerId="LiveId" clId="{2BA6F94F-59B6-4AA6-9DB6-4A8227DBE37E}" dt="2023-04-06T03:06:24.832" v="6026" actId="20577"/>
+          <ac:spMkLst>
+            <pc:docMk/>
+            <pc:sldMk cId="2878673110" sldId="274"/>
+            <ac:spMk id="2" creationId="{ABA783DF-49A6-7EF1-661E-C574E2C2F386}"/>
+          </ac:spMkLst>
+        </pc:spChg>
+        <pc:spChg chg="add mod ord">
+          <ac:chgData name="Scruel Tao" userId="5ea5c98d59b44d4b" providerId="LiveId" clId="{2BA6F94F-59B6-4AA6-9DB6-4A8227DBE37E}" dt="2023-04-06T03:08:04.347" v="6177" actId="20577"/>
+          <ac:spMkLst>
+            <pc:docMk/>
+            <pc:sldMk cId="2878673110" sldId="274"/>
+            <ac:spMk id="3" creationId="{9E0BA8B8-92DA-1AC9-79B9-A552D184BB54}"/>
+          </ac:spMkLst>
+        </pc:spChg>
+        <pc:spChg chg="del mod ord">
+          <ac:chgData name="Scruel Tao" userId="5ea5c98d59b44d4b" providerId="LiveId" clId="{2BA6F94F-59B6-4AA6-9DB6-4A8227DBE37E}" dt="2023-04-03T05:14:57.549" v="3272" actId="700"/>
+          <ac:spMkLst>
+            <pc:docMk/>
+            <pc:sldMk cId="2878673110" sldId="274"/>
+            <ac:spMk id="5" creationId="{334FF01F-2A65-44F6-34F9-69AC934A31D7}"/>
+          </ac:spMkLst>
+        </pc:spChg>
+        <pc:spChg chg="del">
+          <ac:chgData name="Scruel Tao" userId="5ea5c98d59b44d4b" providerId="LiveId" clId="{2BA6F94F-59B6-4AA6-9DB6-4A8227DBE37E}" dt="2023-04-03T05:14:57.549" v="3272" actId="700"/>
+          <ac:spMkLst>
+            <pc:docMk/>
+            <pc:sldMk cId="2878673110" sldId="274"/>
+            <ac:spMk id="12" creationId="{17AECC1C-6944-9F68-770A-0455E86B2492}"/>
+          </ac:spMkLst>
+        </pc:spChg>
+      </pc:sldChg>
+      <pc:sldChg chg="addSp delSp modSp add mod delAnim modAnim">
+        <pc:chgData name="Scruel Tao" userId="5ea5c98d59b44d4b" providerId="LiveId" clId="{2BA6F94F-59B6-4AA6-9DB6-4A8227DBE37E}" dt="2023-04-06T03:11:42.112" v="6223" actId="20577"/>
+        <pc:sldMkLst>
+          <pc:docMk/>
+          <pc:sldMk cId="1525970791" sldId="275"/>
+        </pc:sldMkLst>
+        <pc:spChg chg="mod">
+          <ac:chgData name="Scruel Tao" userId="5ea5c98d59b44d4b" providerId="LiveId" clId="{2BA6F94F-59B6-4AA6-9DB6-4A8227DBE37E}" dt="2023-04-06T02:37:55.606" v="4130" actId="20577"/>
+          <ac:spMkLst>
+            <pc:docMk/>
+            <pc:sldMk cId="1525970791" sldId="275"/>
+            <ac:spMk id="2" creationId="{ABA783DF-49A6-7EF1-661E-C574E2C2F386}"/>
+          </ac:spMkLst>
+        </pc:spChg>
+        <pc:spChg chg="add mod">
+          <ac:chgData name="Scruel Tao" userId="5ea5c98d59b44d4b" providerId="LiveId" clId="{2BA6F94F-59B6-4AA6-9DB6-4A8227DBE37E}" dt="2023-04-06T02:40:44.115" v="4288" actId="1076"/>
+          <ac:spMkLst>
+            <pc:docMk/>
+            <pc:sldMk cId="1525970791" sldId="275"/>
+            <ac:spMk id="3" creationId="{758FEE91-E006-78B4-7371-44F05CE1873F}"/>
+          </ac:spMkLst>
+        </pc:spChg>
+        <pc:spChg chg="mod">
+          <ac:chgData name="Scruel Tao" userId="5ea5c98d59b44d4b" providerId="LiveId" clId="{2BA6F94F-59B6-4AA6-9DB6-4A8227DBE37E}" dt="2023-04-06T03:11:42.112" v="6223" actId="20577"/>
+          <ac:spMkLst>
+            <pc:docMk/>
+            <pc:sldMk cId="1525970791" sldId="275"/>
+            <ac:spMk id="5" creationId="{334FF01F-2A65-44F6-34F9-69AC934A31D7}"/>
+          </ac:spMkLst>
+        </pc:spChg>
+        <pc:spChg chg="add del mod">
+          <ac:chgData name="Scruel Tao" userId="5ea5c98d59b44d4b" providerId="LiveId" clId="{2BA6F94F-59B6-4AA6-9DB6-4A8227DBE37E}" dt="2023-04-06T02:41:11.484" v="4301"/>
+          <ac:spMkLst>
+            <pc:docMk/>
+            <pc:sldMk cId="1525970791" sldId="275"/>
+            <ac:spMk id="6" creationId="{FE71521E-2CC0-4A61-AAED-50B969DD3FB2}"/>
+          </ac:spMkLst>
+        </pc:spChg>
+        <pc:spChg chg="add del mod">
+          <ac:chgData name="Scruel Tao" userId="5ea5c98d59b44d4b" providerId="LiveId" clId="{2BA6F94F-59B6-4AA6-9DB6-4A8227DBE37E}" dt="2023-04-06T02:41:49.801" v="4308"/>
+          <ac:spMkLst>
+            <pc:docMk/>
+            <pc:sldMk cId="1525970791" sldId="275"/>
+            <ac:spMk id="11" creationId="{E7566BCF-DD27-2A40-5FAC-846D590C6664}"/>
+          </ac:spMkLst>
+        </pc:spChg>
+        <pc:picChg chg="del">
+          <ac:chgData name="Scruel Tao" userId="5ea5c98d59b44d4b" providerId="LiveId" clId="{2BA6F94F-59B6-4AA6-9DB6-4A8227DBE37E}" dt="2023-04-03T05:13:19.543" v="3163" actId="21"/>
+          <ac:picMkLst>
+            <pc:docMk/>
+            <pc:sldMk cId="1525970791" sldId="275"/>
+            <ac:picMk id="3" creationId="{E9C9C4B6-9E80-13FC-3C11-56455F818828}"/>
+          </ac:picMkLst>
+        </pc:picChg>
+        <pc:picChg chg="add del mod">
+          <ac:chgData name="Scruel Tao" userId="5ea5c98d59b44d4b" providerId="LiveId" clId="{2BA6F94F-59B6-4AA6-9DB6-4A8227DBE37E}" dt="2023-04-06T02:41:10.728" v="4300"/>
+          <ac:picMkLst>
+            <pc:docMk/>
+            <pc:sldMk cId="1525970791" sldId="275"/>
+            <ac:picMk id="7" creationId="{72753DEC-DD0C-C274-F404-F5EB4CD1C448}"/>
+          </ac:picMkLst>
+        </pc:picChg>
+        <pc:picChg chg="add del mod">
+          <ac:chgData name="Scruel Tao" userId="5ea5c98d59b44d4b" providerId="LiveId" clId="{2BA6F94F-59B6-4AA6-9DB6-4A8227DBE37E}" dt="2023-04-06T02:41:48.798" v="4307" actId="478"/>
+          <ac:picMkLst>
+            <pc:docMk/>
+            <pc:sldMk cId="1525970791" sldId="275"/>
+            <ac:picMk id="9" creationId="{956D46E1-CA10-6110-3721-527FB106B816}"/>
+          </ac:picMkLst>
+        </pc:picChg>
+        <pc:picChg chg="add mod">
+          <ac:chgData name="Scruel Tao" userId="5ea5c98d59b44d4b" providerId="LiveId" clId="{2BA6F94F-59B6-4AA6-9DB6-4A8227DBE37E}" dt="2023-04-06T02:41:56.060" v="4311" actId="14100"/>
+          <ac:picMkLst>
+            <pc:docMk/>
+            <pc:sldMk cId="1525970791" sldId="275"/>
+            <ac:picMk id="13" creationId="{28E0336C-E8D0-EA88-BA1F-58180AAA10B2}"/>
+          </ac:picMkLst>
+        </pc:picChg>
+        <pc:picChg chg="add mod">
+          <ac:chgData name="Scruel Tao" userId="5ea5c98d59b44d4b" providerId="LiveId" clId="{2BA6F94F-59B6-4AA6-9DB6-4A8227DBE37E}" dt="2023-04-06T02:43:15.541" v="4323" actId="1076"/>
+          <ac:picMkLst>
+            <pc:docMk/>
+            <pc:sldMk cId="1525970791" sldId="275"/>
+            <ac:picMk id="15" creationId="{688D0B3B-ED19-D752-7801-4EA7CCF93CF1}"/>
+          </ac:picMkLst>
+        </pc:picChg>
+        <pc:picChg chg="add del mod">
+          <ac:chgData name="Scruel Tao" userId="5ea5c98d59b44d4b" providerId="LiveId" clId="{2BA6F94F-59B6-4AA6-9DB6-4A8227DBE37E}" dt="2023-04-06T02:45:44.597" v="4337" actId="478"/>
+          <ac:picMkLst>
+            <pc:docMk/>
+            <pc:sldMk cId="1525970791" sldId="275"/>
+            <ac:picMk id="17" creationId="{A0899730-319B-2A2E-DBC8-BEBF8655AA69}"/>
+          </ac:picMkLst>
+        </pc:picChg>
+        <pc:picChg chg="add mod">
+          <ac:chgData name="Scruel Tao" userId="5ea5c98d59b44d4b" providerId="LiveId" clId="{2BA6F94F-59B6-4AA6-9DB6-4A8227DBE37E}" dt="2023-04-06T02:45:54.296" v="4342" actId="1076"/>
+          <ac:picMkLst>
+            <pc:docMk/>
+            <pc:sldMk cId="1525970791" sldId="275"/>
+            <ac:picMk id="19" creationId="{EA4C9E56-4F35-33EF-251B-533EFC0DABBF}"/>
+          </ac:picMkLst>
+        </pc:picChg>
+      </pc:sldChg>
+      <pc:sldChg chg="modSp add del mod">
+        <pc:chgData name="Scruel Tao" userId="5ea5c98d59b44d4b" providerId="LiveId" clId="{2BA6F94F-59B6-4AA6-9DB6-4A8227DBE37E}" dt="2023-04-06T02:37:57.733" v="4131" actId="47"/>
+        <pc:sldMkLst>
+          <pc:docMk/>
+          <pc:sldMk cId="1084643022" sldId="276"/>
+        </pc:sldMkLst>
+        <pc:spChg chg="mod">
+          <ac:chgData name="Scruel Tao" userId="5ea5c98d59b44d4b" providerId="LiveId" clId="{2BA6F94F-59B6-4AA6-9DB6-4A8227DBE37E}" dt="2023-04-06T01:59:57.563" v="3451" actId="20577"/>
+          <ac:spMkLst>
+            <pc:docMk/>
+            <pc:sldMk cId="1084643022" sldId="276"/>
+            <ac:spMk id="2" creationId="{ABA783DF-49A6-7EF1-661E-C574E2C2F386}"/>
+          </ac:spMkLst>
+        </pc:spChg>
+      </pc:sldChg>
+      <pc:sldMasterChg chg="modSldLayout">
+        <pc:chgData name="Scruel Tao" userId="5ea5c98d59b44d4b" providerId="LiveId" clId="{2BA6F94F-59B6-4AA6-9DB6-4A8227DBE37E}" dt="2023-04-03T03:34:53.033" v="335" actId="1076"/>
+        <pc:sldMasterMkLst>
+          <pc:docMk/>
+          <pc:sldMasterMk cId="1766057859" sldId="2147483648"/>
+        </pc:sldMasterMkLst>
+        <pc:sldLayoutChg chg="delSp modSp mod">
+          <pc:chgData name="Scruel Tao" userId="5ea5c98d59b44d4b" providerId="LiveId" clId="{2BA6F94F-59B6-4AA6-9DB6-4A8227DBE37E}" dt="2023-04-03T03:34:53.033" v="335" actId="1076"/>
+          <pc:sldLayoutMkLst>
+            <pc:docMk/>
+            <pc:sldMasterMk cId="1552319991" sldId="2147483661"/>
+            <pc:sldLayoutMk cId="1337634028" sldId="2147483660"/>
+          </pc:sldLayoutMkLst>
+          <pc:spChg chg="del mod">
+            <ac:chgData name="Scruel Tao" userId="5ea5c98d59b44d4b" providerId="LiveId" clId="{2BA6F94F-59B6-4AA6-9DB6-4A8227DBE37E}" dt="2023-04-03T03:27:47.594" v="278" actId="478"/>
+            <ac:spMkLst>
+              <pc:docMk/>
+              <pc:sldMasterMk cId="1552319991" sldId="2147483661"/>
+              <pc:sldLayoutMk cId="1337634028" sldId="2147483660"/>
+              <ac:spMk id="19468" creationId="{418CE5A5-515B-CEAB-D160-CBAFEBF4837F}"/>
+            </ac:spMkLst>
+          </pc:spChg>
+          <pc:picChg chg="del">
+            <ac:chgData name="Scruel Tao" userId="5ea5c98d59b44d4b" providerId="LiveId" clId="{2BA6F94F-59B6-4AA6-9DB6-4A8227DBE37E}" dt="2023-04-03T03:26:11.336" v="269" actId="21"/>
+            <ac:picMkLst>
+              <pc:docMk/>
+              <pc:sldMasterMk cId="1552319991" sldId="2147483661"/>
+              <pc:sldLayoutMk cId="1337634028" sldId="2147483660"/>
+              <ac:picMk id="19481" creationId="{02568321-E4E6-1B3D-8017-A3451A7203B9}"/>
+            </ac:picMkLst>
+          </pc:picChg>
+          <pc:picChg chg="mod">
+            <ac:chgData name="Scruel Tao" userId="5ea5c98d59b44d4b" providerId="LiveId" clId="{2BA6F94F-59B6-4AA6-9DB6-4A8227DBE37E}" dt="2023-04-03T03:34:53.033" v="335" actId="1076"/>
+            <ac:picMkLst>
+              <pc:docMk/>
+              <pc:sldMasterMk cId="1552319991" sldId="2147483661"/>
+              <pc:sldLayoutMk cId="1337634028" sldId="2147483660"/>
+              <ac:picMk id="19482" creationId="{8F2B9C9A-7CA4-5723-784E-DBADCF09186B}"/>
+            </ac:picMkLst>
+          </pc:picChg>
+        </pc:sldLayoutChg>
+      </pc:sldMasterChg>
+    </pc:docChg>
+  </pc:docChgLst>
+  <pc:docChgLst>
     <pc:chgData name="Scruel Tao" userId="5ea5c98d59b44d4b" providerId="LiveId" clId="{42F73B06-DA81-4C67-8473-07E158E9C79B}"/>
     <pc:docChg chg="undo redo custSel addSld delSld modSld sldOrd modMainMaster">
       <pc:chgData name="Scruel Tao" userId="5ea5c98d59b44d4b" providerId="LiveId" clId="{42F73B06-DA81-4C67-8473-07E158E9C79B}" dt="2023-04-25T04:46:22.938" v="2599" actId="20577"/>
@@ -2818,14 +2818,14 @@
           <pc:chgData name="Scruel Tao" userId="5ea5c98d59b44d4b" providerId="LiveId" clId="{42F73B06-DA81-4C67-8473-07E158E9C79B}" dt="2023-04-25T02:47:33.665" v="42" actId="21"/>
           <pc:sldLayoutMkLst>
             <pc:docMk/>
-            <pc:sldMasterMk cId="1766057859" sldId="2147483648"/>
+            <pc:sldMasterMk cId="1552319991" sldId="2147483661"/>
             <pc:sldLayoutMk cId="1337634028" sldId="2147483660"/>
           </pc:sldLayoutMkLst>
           <pc:picChg chg="del">
             <ac:chgData name="Scruel Tao" userId="5ea5c98d59b44d4b" providerId="LiveId" clId="{42F73B06-DA81-4C67-8473-07E158E9C79B}" dt="2023-04-25T02:47:33.665" v="42" actId="21"/>
             <ac:picMkLst>
               <pc:docMk/>
-              <pc:sldMasterMk cId="1766057859" sldId="2147483648"/>
+              <pc:sldMasterMk cId="1552319991" sldId="2147483661"/>
               <pc:sldLayoutMk cId="1337634028" sldId="2147483660"/>
               <ac:picMk id="19482" creationId="{8F2B9C9A-7CA4-5723-784E-DBADCF09186B}"/>
             </ac:picMkLst>
@@ -2955,7 +2955,7 @@
           <a:p>
             <a:fld id="{AC7E1972-C479-4420-A687-8FB83BA90DEB}" type="datetimeFigureOut">
               <a:rPr lang="zh-CN" altLang="en-US" smtClean="0"/>
-              <a:t>2025/6/5 Thu</a:t>
+              <a:t>2025/6/6 Fri</a:t>
             </a:fld>
             <a:endParaRPr lang="zh-CN" altLang="en-US"/>
           </a:p>
@@ -3132,7 +3132,7 @@
           <a:p>
             <a:fld id="{89B7AB8D-BCC0-43C6-B24C-055A25DB558F}" type="datetimeFigureOut">
               <a:rPr lang="zh-CN" altLang="en-US" smtClean="0"/>
-              <a:t>2025/6/5 Thu</a:t>
+              <a:t>2025/6/6 Fri</a:t>
             </a:fld>
             <a:endParaRPr lang="zh-CN" altLang="en-US"/>
           </a:p>
@@ -6011,7 +6011,7 @@
           <a:p>
             <a:fld id="{F721228B-0167-4061-A906-8575043315EE}" type="datetimeFigureOut">
               <a:rPr lang="zh-CN" altLang="en-US" smtClean="0"/>
-              <a:t>2025/6/5 Thu</a:t>
+              <a:t>2025/6/6 Fri</a:t>
             </a:fld>
             <a:endParaRPr lang="zh-CN" altLang="en-US"/>
           </a:p>
@@ -6074,13 +6074,25 @@
     </p:spTree>
     <p:extLst>
       <p:ext uri="{BB962C8B-B14F-4D97-AF65-F5344CB8AC3E}">
-        <p14:creationId xmlns:p14="http://schemas.microsoft.com/office/powerpoint/2010/main" val="2187492797"/>
+        <p14:creationId xmlns:p14="http://schemas.microsoft.com/office/powerpoint/2010/main" val="72819855"/>
       </p:ext>
     </p:extLst>
   </p:cSld>
   <p:clrMapOvr>
     <a:masterClrMapping/>
   </p:clrMapOvr>
+  <mc:AlternateContent xmlns:mc="http://schemas.openxmlformats.org/markup-compatibility/2006" xmlns:p14="http://schemas.microsoft.com/office/powerpoint/2010/main">
+    <mc:Choice Requires="p14">
+      <p:transition spd="med" p14:dur="700">
+        <p:fade/>
+      </p:transition>
+    </mc:Choice>
+    <mc:Fallback xmlns="">
+      <p:transition spd="med">
+        <p:fade/>
+      </p:transition>
+    </mc:Fallback>
+  </mc:AlternateContent>
 </p:sldLayout>
 </file>
 
@@ -6209,7 +6221,7 @@
           <a:p>
             <a:fld id="{F721228B-0167-4061-A906-8575043315EE}" type="datetimeFigureOut">
               <a:rPr lang="zh-CN" altLang="en-US" smtClean="0"/>
-              <a:t>2025/6/5 Thu</a:t>
+              <a:t>2025/6/6 Fri</a:t>
             </a:fld>
             <a:endParaRPr lang="zh-CN" altLang="en-US"/>
           </a:p>
@@ -6272,13 +6284,25 @@
     </p:spTree>
     <p:extLst>
       <p:ext uri="{BB962C8B-B14F-4D97-AF65-F5344CB8AC3E}">
-        <p14:creationId xmlns:p14="http://schemas.microsoft.com/office/powerpoint/2010/main" val="3533658407"/>
+        <p14:creationId xmlns:p14="http://schemas.microsoft.com/office/powerpoint/2010/main" val="4198084421"/>
       </p:ext>
     </p:extLst>
   </p:cSld>
   <p:clrMapOvr>
     <a:masterClrMapping/>
   </p:clrMapOvr>
+  <mc:AlternateContent xmlns:mc="http://schemas.openxmlformats.org/markup-compatibility/2006" xmlns:p14="http://schemas.microsoft.com/office/powerpoint/2010/main">
+    <mc:Choice Requires="p14">
+      <p:transition spd="med" p14:dur="700">
+        <p:fade/>
+      </p:transition>
+    </mc:Choice>
+    <mc:Fallback xmlns="">
+      <p:transition spd="med">
+        <p:fade/>
+      </p:transition>
+    </mc:Fallback>
+  </mc:AlternateContent>
 </p:sldLayout>
 </file>
 
@@ -6417,7 +6441,7 @@
           <a:p>
             <a:fld id="{F721228B-0167-4061-A906-8575043315EE}" type="datetimeFigureOut">
               <a:rPr lang="zh-CN" altLang="en-US" smtClean="0"/>
-              <a:t>2025/6/5 Thu</a:t>
+              <a:t>2025/6/6 Fri</a:t>
             </a:fld>
             <a:endParaRPr lang="zh-CN" altLang="en-US"/>
           </a:p>
@@ -6480,18 +6504,30 @@
     </p:spTree>
     <p:extLst>
       <p:ext uri="{BB962C8B-B14F-4D97-AF65-F5344CB8AC3E}">
-        <p14:creationId xmlns:p14="http://schemas.microsoft.com/office/powerpoint/2010/main" val="1976972956"/>
+        <p14:creationId xmlns:p14="http://schemas.microsoft.com/office/powerpoint/2010/main" val="282958600"/>
       </p:ext>
     </p:extLst>
   </p:cSld>
   <p:clrMapOvr>
     <a:masterClrMapping/>
   </p:clrMapOvr>
+  <mc:AlternateContent xmlns:mc="http://schemas.openxmlformats.org/markup-compatibility/2006" xmlns:p14="http://schemas.microsoft.com/office/powerpoint/2010/main">
+    <mc:Choice Requires="p14">
+      <p:transition spd="med" p14:dur="700">
+        <p:fade/>
+      </p:transition>
+    </mc:Choice>
+    <mc:Fallback xmlns="">
+      <p:transition spd="med">
+        <p:fade/>
+      </p:transition>
+    </mc:Fallback>
+  </mc:AlternateContent>
 </p:sldLayout>
 </file>
 
 <file path=ppt/slideLayouts/slideLayout12.xml><?xml version="1.0" encoding="utf-8"?>
-<p:sldLayout xmlns:a="http://schemas.openxmlformats.org/drawingml/2006/main" xmlns:r="http://schemas.openxmlformats.org/officeDocument/2006/relationships" xmlns:p="http://schemas.openxmlformats.org/presentationml/2006/main" showMasterSp="0" userDrawn="1">
+<p:sldLayout xmlns:a="http://schemas.openxmlformats.org/drawingml/2006/main" xmlns:r="http://schemas.openxmlformats.org/officeDocument/2006/relationships" xmlns:p="http://schemas.openxmlformats.org/presentationml/2006/main" showMasterSp="0" preserve="1" userDrawn="1">
   <p:cSld name="1_标题幻灯片">
     <p:spTree>
       <p:nvGrpSpPr>
@@ -6700,6 +6736,470 @@
     </p:spTree>
     <p:extLst>
       <p:ext uri="{BB962C8B-B14F-4D97-AF65-F5344CB8AC3E}">
+        <p14:creationId xmlns:p14="http://schemas.microsoft.com/office/powerpoint/2010/main" val="4064112816"/>
+      </p:ext>
+    </p:extLst>
+  </p:cSld>
+  <p:clrMapOvr>
+    <a:masterClrMapping/>
+  </p:clrMapOvr>
+  <mc:AlternateContent xmlns:mc="http://schemas.openxmlformats.org/markup-compatibility/2006" xmlns:p14="http://schemas.microsoft.com/office/powerpoint/2010/main">
+    <mc:Choice Requires="p14">
+      <p:transition spd="med" p14:dur="700">
+        <p:fade/>
+      </p:transition>
+    </mc:Choice>
+    <mc:Fallback xmlns="">
+      <p:transition spd="med">
+        <p:fade/>
+      </p:transition>
+    </mc:Fallback>
+  </mc:AlternateContent>
+</p:sldLayout>
+</file>
+
+<file path=ppt/slideLayouts/slideLayout13.xml><?xml version="1.0" encoding="utf-8"?>
+<p:sldLayout xmlns:a="http://schemas.openxmlformats.org/drawingml/2006/main" xmlns:r="http://schemas.openxmlformats.org/officeDocument/2006/relationships" xmlns:p="http://schemas.openxmlformats.org/presentationml/2006/main" showMasterSp="0" preserve="1" userDrawn="1">
+  <p:cSld name="2_标题幻灯片">
+    <p:spTree>
+      <p:nvGrpSpPr>
+        <p:cNvPr id="1" name=""/>
+        <p:cNvGrpSpPr/>
+        <p:nvPr/>
+      </p:nvGrpSpPr>
+      <p:grpSpPr>
+        <a:xfrm>
+          <a:off x="0" y="0"/>
+          <a:ext cx="0" cy="0"/>
+          <a:chOff x="0" y="0"/>
+          <a:chExt cx="0" cy="0"/>
+        </a:xfrm>
+      </p:grpSpPr>
+      <p:sp>
+        <p:nvSpPr>
+          <p:cNvPr id="19483" name="Rectangle 27">
+            <a:extLst>
+              <a:ext uri="{FF2B5EF4-FFF2-40B4-BE49-F238E27FC236}">
+                <a16:creationId xmlns:a16="http://schemas.microsoft.com/office/drawing/2014/main" id="{FFE563FA-4880-391C-43FD-EF34392B9FBB}"/>
+              </a:ext>
+            </a:extLst>
+          </p:cNvPr>
+          <p:cNvSpPr>
+            <a:spLocks noChangeArrowheads="1"/>
+          </p:cNvSpPr>
+          <p:nvPr userDrawn="1"/>
+        </p:nvSpPr>
+        <p:spPr bwMode="auto">
+          <a:xfrm>
+            <a:off x="2641600" y="4191000"/>
+            <a:ext cx="7416800" cy="2209800"/>
+          </a:xfrm>
+          <a:prstGeom prst="rect">
+            <a:avLst/>
+          </a:prstGeom>
+          <a:noFill/>
+          <a:ln>
+            <a:noFill/>
+          </a:ln>
+          <a:effectLst/>
+          <a:extLst>
+            <a:ext uri="{909E8E84-426E-40DD-AFC4-6F175D3DCCD1}">
+              <a14:hiddenFill xmlns:a14="http://schemas.microsoft.com/office/drawing/2010/main">
+                <a:solidFill>
+                  <a:schemeClr val="accent1"/>
+                </a:solidFill>
+              </a14:hiddenFill>
+            </a:ext>
+            <a:ext uri="{91240B29-F687-4F45-9708-019B960494DF}">
+              <a14:hiddenLine xmlns:a14="http://schemas.microsoft.com/office/drawing/2010/main" w="9525">
+                <a:solidFill>
+                  <a:schemeClr val="tx1"/>
+                </a:solidFill>
+                <a:miter lim="800000"/>
+                <a:headEnd/>
+                <a:tailEnd/>
+              </a14:hiddenLine>
+            </a:ext>
+            <a:ext uri="{AF507438-7753-43E0-B8FC-AC1667EBCBE1}">
+              <a14:hiddenEffects xmlns:a14="http://schemas.microsoft.com/office/drawing/2010/main">
+                <a:effectLst>
+                  <a:outerShdw dist="35921" dir="2700000" algn="ctr" rotWithShape="0">
+                    <a:schemeClr val="bg2"/>
+                  </a:outerShdw>
+                </a:effectLst>
+              </a14:hiddenEffects>
+            </a:ext>
+          </a:extLst>
+        </p:spPr>
+        <p:txBody>
+          <a:bodyPr/>
+          <a:lstStyle>
+            <a:lvl1pPr marL="287338" indent="-287338" eaLnBrk="0" hangingPunct="0">
+              <a:spcBef>
+                <a:spcPct val="0"/>
+              </a:spcBef>
+              <a:defRPr kumimoji="1" sz="2400">
+                <a:solidFill>
+                  <a:schemeClr val="tx1"/>
+                </a:solidFill>
+                <a:latin typeface="Times New Roman" panose="02020603050405020304" pitchFamily="18" charset="0"/>
+              </a:defRPr>
+            </a:lvl1pPr>
+            <a:lvl2pPr marL="744538" indent="-287338" eaLnBrk="0" hangingPunct="0">
+              <a:spcBef>
+                <a:spcPct val="0"/>
+              </a:spcBef>
+              <a:defRPr kumimoji="1" sz="2400">
+                <a:solidFill>
+                  <a:schemeClr val="tx1"/>
+                </a:solidFill>
+                <a:latin typeface="Times New Roman" panose="02020603050405020304" pitchFamily="18" charset="0"/>
+              </a:defRPr>
+            </a:lvl2pPr>
+            <a:lvl3pPr eaLnBrk="0" hangingPunct="0">
+              <a:spcBef>
+                <a:spcPct val="0"/>
+              </a:spcBef>
+              <a:defRPr kumimoji="1" sz="2400">
+                <a:solidFill>
+                  <a:schemeClr val="tx1"/>
+                </a:solidFill>
+                <a:latin typeface="Times New Roman" panose="02020603050405020304" pitchFamily="18" charset="0"/>
+              </a:defRPr>
+            </a:lvl3pPr>
+            <a:lvl4pPr eaLnBrk="0" hangingPunct="0">
+              <a:spcBef>
+                <a:spcPct val="0"/>
+              </a:spcBef>
+              <a:defRPr kumimoji="1" sz="2400">
+                <a:solidFill>
+                  <a:schemeClr val="tx1"/>
+                </a:solidFill>
+                <a:latin typeface="Times New Roman" panose="02020603050405020304" pitchFamily="18" charset="0"/>
+              </a:defRPr>
+            </a:lvl4pPr>
+            <a:lvl5pPr eaLnBrk="0" hangingPunct="0">
+              <a:spcBef>
+                <a:spcPct val="0"/>
+              </a:spcBef>
+              <a:defRPr kumimoji="1" sz="2400">
+                <a:solidFill>
+                  <a:schemeClr val="tx1"/>
+                </a:solidFill>
+                <a:latin typeface="Times New Roman" panose="02020603050405020304" pitchFamily="18" charset="0"/>
+              </a:defRPr>
+            </a:lvl5pPr>
+            <a:lvl6pPr eaLnBrk="0" fontAlgn="base" hangingPunct="0">
+              <a:spcBef>
+                <a:spcPct val="0"/>
+              </a:spcBef>
+              <a:spcAft>
+                <a:spcPct val="0"/>
+              </a:spcAft>
+              <a:defRPr kumimoji="1" sz="2400">
+                <a:solidFill>
+                  <a:schemeClr val="tx1"/>
+                </a:solidFill>
+                <a:latin typeface="Times New Roman" panose="02020603050405020304" pitchFamily="18" charset="0"/>
+              </a:defRPr>
+            </a:lvl6pPr>
+            <a:lvl7pPr eaLnBrk="0" fontAlgn="base" hangingPunct="0">
+              <a:spcBef>
+                <a:spcPct val="0"/>
+              </a:spcBef>
+              <a:spcAft>
+                <a:spcPct val="0"/>
+              </a:spcAft>
+              <a:defRPr kumimoji="1" sz="2400">
+                <a:solidFill>
+                  <a:schemeClr val="tx1"/>
+                </a:solidFill>
+                <a:latin typeface="Times New Roman" panose="02020603050405020304" pitchFamily="18" charset="0"/>
+              </a:defRPr>
+            </a:lvl7pPr>
+            <a:lvl8pPr eaLnBrk="0" fontAlgn="base" hangingPunct="0">
+              <a:spcBef>
+                <a:spcPct val="0"/>
+              </a:spcBef>
+              <a:spcAft>
+                <a:spcPct val="0"/>
+              </a:spcAft>
+              <a:defRPr kumimoji="1" sz="2400">
+                <a:solidFill>
+                  <a:schemeClr val="tx1"/>
+                </a:solidFill>
+                <a:latin typeface="Times New Roman" panose="02020603050405020304" pitchFamily="18" charset="0"/>
+              </a:defRPr>
+            </a:lvl8pPr>
+            <a:lvl9pPr eaLnBrk="0" fontAlgn="base" hangingPunct="0">
+              <a:spcBef>
+                <a:spcPct val="0"/>
+              </a:spcBef>
+              <a:spcAft>
+                <a:spcPct val="0"/>
+              </a:spcAft>
+              <a:defRPr kumimoji="1" sz="2400">
+                <a:solidFill>
+                  <a:schemeClr val="tx1"/>
+                </a:solidFill>
+                <a:latin typeface="Times New Roman" panose="02020603050405020304" pitchFamily="18" charset="0"/>
+              </a:defRPr>
+            </a:lvl9pPr>
+          </a:lstStyle>
+          <a:p>
+            <a:pPr eaLnBrk="1" hangingPunct="1">
+              <a:lnSpc>
+                <a:spcPct val="102000"/>
+              </a:lnSpc>
+              <a:spcBef>
+                <a:spcPct val="20000"/>
+              </a:spcBef>
+              <a:buClr>
+                <a:srgbClr val="808080"/>
+              </a:buClr>
+              <a:buSzPct val="60000"/>
+            </a:pPr>
+            <a:endParaRPr kumimoji="0" lang="en-GB" altLang="zh-CN" sz="1600">
+              <a:latin typeface="Verdana" panose="020B0604030504040204" pitchFamily="34" charset="0"/>
+            </a:endParaRPr>
+          </a:p>
+        </p:txBody>
+      </p:sp>
+    </p:spTree>
+    <p:extLst>
+      <p:ext uri="{BB962C8B-B14F-4D97-AF65-F5344CB8AC3E}">
+        <p14:creationId xmlns:p14="http://schemas.microsoft.com/office/powerpoint/2010/main" val="2981788108"/>
+      </p:ext>
+    </p:extLst>
+  </p:cSld>
+  <p:clrMapOvr>
+    <a:masterClrMapping/>
+  </p:clrMapOvr>
+  <mc:AlternateContent xmlns:mc="http://schemas.openxmlformats.org/markup-compatibility/2006" xmlns:p14="http://schemas.microsoft.com/office/powerpoint/2010/main">
+    <mc:Choice Requires="p14">
+      <p:transition spd="med" p14:dur="700">
+        <p:fade/>
+      </p:transition>
+    </mc:Choice>
+    <mc:Fallback xmlns="">
+      <p:transition spd="med">
+        <p:fade/>
+      </p:transition>
+    </mc:Fallback>
+  </mc:AlternateContent>
+</p:sldLayout>
+</file>
+
+<file path=ppt/slideLayouts/slideLayout14.xml><?xml version="1.0" encoding="utf-8"?>
+<p:sldLayout xmlns:a="http://schemas.openxmlformats.org/drawingml/2006/main" xmlns:r="http://schemas.openxmlformats.org/officeDocument/2006/relationships" xmlns:p="http://schemas.openxmlformats.org/presentationml/2006/main" showMasterSp="0" userDrawn="1">
+  <p:cSld name="3_标题幻灯片">
+    <p:spTree>
+      <p:nvGrpSpPr>
+        <p:cNvPr id="1" name=""/>
+        <p:cNvGrpSpPr/>
+        <p:nvPr/>
+      </p:nvGrpSpPr>
+      <p:grpSpPr>
+        <a:xfrm>
+          <a:off x="0" y="0"/>
+          <a:ext cx="0" cy="0"/>
+          <a:chOff x="0" y="0"/>
+          <a:chExt cx="0" cy="0"/>
+        </a:xfrm>
+      </p:grpSpPr>
+      <p:sp>
+        <p:nvSpPr>
+          <p:cNvPr id="19483" name="Rectangle 27">
+            <a:extLst>
+              <a:ext uri="{FF2B5EF4-FFF2-40B4-BE49-F238E27FC236}">
+                <a16:creationId xmlns:a16="http://schemas.microsoft.com/office/drawing/2014/main" id="{FFE563FA-4880-391C-43FD-EF34392B9FBB}"/>
+              </a:ext>
+            </a:extLst>
+          </p:cNvPr>
+          <p:cNvSpPr>
+            <a:spLocks noChangeArrowheads="1"/>
+          </p:cNvSpPr>
+          <p:nvPr userDrawn="1"/>
+        </p:nvSpPr>
+        <p:spPr bwMode="auto">
+          <a:xfrm>
+            <a:off x="2641600" y="4191000"/>
+            <a:ext cx="7416800" cy="2209800"/>
+          </a:xfrm>
+          <a:prstGeom prst="rect">
+            <a:avLst/>
+          </a:prstGeom>
+          <a:noFill/>
+          <a:ln>
+            <a:noFill/>
+          </a:ln>
+          <a:effectLst/>
+          <a:extLst>
+            <a:ext uri="{909E8E84-426E-40DD-AFC4-6F175D3DCCD1}">
+              <a14:hiddenFill xmlns:a14="http://schemas.microsoft.com/office/drawing/2010/main">
+                <a:solidFill>
+                  <a:schemeClr val="accent1"/>
+                </a:solidFill>
+              </a14:hiddenFill>
+            </a:ext>
+            <a:ext uri="{91240B29-F687-4F45-9708-019B960494DF}">
+              <a14:hiddenLine xmlns:a14="http://schemas.microsoft.com/office/drawing/2010/main" w="9525">
+                <a:solidFill>
+                  <a:schemeClr val="tx1"/>
+                </a:solidFill>
+                <a:miter lim="800000"/>
+                <a:headEnd/>
+                <a:tailEnd/>
+              </a14:hiddenLine>
+            </a:ext>
+            <a:ext uri="{AF507438-7753-43E0-B8FC-AC1667EBCBE1}">
+              <a14:hiddenEffects xmlns:a14="http://schemas.microsoft.com/office/drawing/2010/main">
+                <a:effectLst>
+                  <a:outerShdw dist="35921" dir="2700000" algn="ctr" rotWithShape="0">
+                    <a:schemeClr val="bg2"/>
+                  </a:outerShdw>
+                </a:effectLst>
+              </a14:hiddenEffects>
+            </a:ext>
+          </a:extLst>
+        </p:spPr>
+        <p:txBody>
+          <a:bodyPr/>
+          <a:lstStyle>
+            <a:lvl1pPr marL="287338" indent="-287338" eaLnBrk="0" hangingPunct="0">
+              <a:spcBef>
+                <a:spcPct val="0"/>
+              </a:spcBef>
+              <a:defRPr kumimoji="1" sz="2400">
+                <a:solidFill>
+                  <a:schemeClr val="tx1"/>
+                </a:solidFill>
+                <a:latin typeface="Times New Roman" panose="02020603050405020304" pitchFamily="18" charset="0"/>
+              </a:defRPr>
+            </a:lvl1pPr>
+            <a:lvl2pPr marL="744538" indent="-287338" eaLnBrk="0" hangingPunct="0">
+              <a:spcBef>
+                <a:spcPct val="0"/>
+              </a:spcBef>
+              <a:defRPr kumimoji="1" sz="2400">
+                <a:solidFill>
+                  <a:schemeClr val="tx1"/>
+                </a:solidFill>
+                <a:latin typeface="Times New Roman" panose="02020603050405020304" pitchFamily="18" charset="0"/>
+              </a:defRPr>
+            </a:lvl2pPr>
+            <a:lvl3pPr eaLnBrk="0" hangingPunct="0">
+              <a:spcBef>
+                <a:spcPct val="0"/>
+              </a:spcBef>
+              <a:defRPr kumimoji="1" sz="2400">
+                <a:solidFill>
+                  <a:schemeClr val="tx1"/>
+                </a:solidFill>
+                <a:latin typeface="Times New Roman" panose="02020603050405020304" pitchFamily="18" charset="0"/>
+              </a:defRPr>
+            </a:lvl3pPr>
+            <a:lvl4pPr eaLnBrk="0" hangingPunct="0">
+              <a:spcBef>
+                <a:spcPct val="0"/>
+              </a:spcBef>
+              <a:defRPr kumimoji="1" sz="2400">
+                <a:solidFill>
+                  <a:schemeClr val="tx1"/>
+                </a:solidFill>
+                <a:latin typeface="Times New Roman" panose="02020603050405020304" pitchFamily="18" charset="0"/>
+              </a:defRPr>
+            </a:lvl4pPr>
+            <a:lvl5pPr eaLnBrk="0" hangingPunct="0">
+              <a:spcBef>
+                <a:spcPct val="0"/>
+              </a:spcBef>
+              <a:defRPr kumimoji="1" sz="2400">
+                <a:solidFill>
+                  <a:schemeClr val="tx1"/>
+                </a:solidFill>
+                <a:latin typeface="Times New Roman" panose="02020603050405020304" pitchFamily="18" charset="0"/>
+              </a:defRPr>
+            </a:lvl5pPr>
+            <a:lvl6pPr eaLnBrk="0" fontAlgn="base" hangingPunct="0">
+              <a:spcBef>
+                <a:spcPct val="0"/>
+              </a:spcBef>
+              <a:spcAft>
+                <a:spcPct val="0"/>
+              </a:spcAft>
+              <a:defRPr kumimoji="1" sz="2400">
+                <a:solidFill>
+                  <a:schemeClr val="tx1"/>
+                </a:solidFill>
+                <a:latin typeface="Times New Roman" panose="02020603050405020304" pitchFamily="18" charset="0"/>
+              </a:defRPr>
+            </a:lvl6pPr>
+            <a:lvl7pPr eaLnBrk="0" fontAlgn="base" hangingPunct="0">
+              <a:spcBef>
+                <a:spcPct val="0"/>
+              </a:spcBef>
+              <a:spcAft>
+                <a:spcPct val="0"/>
+              </a:spcAft>
+              <a:defRPr kumimoji="1" sz="2400">
+                <a:solidFill>
+                  <a:schemeClr val="tx1"/>
+                </a:solidFill>
+                <a:latin typeface="Times New Roman" panose="02020603050405020304" pitchFamily="18" charset="0"/>
+              </a:defRPr>
+            </a:lvl7pPr>
+            <a:lvl8pPr eaLnBrk="0" fontAlgn="base" hangingPunct="0">
+              <a:spcBef>
+                <a:spcPct val="0"/>
+              </a:spcBef>
+              <a:spcAft>
+                <a:spcPct val="0"/>
+              </a:spcAft>
+              <a:defRPr kumimoji="1" sz="2400">
+                <a:solidFill>
+                  <a:schemeClr val="tx1"/>
+                </a:solidFill>
+                <a:latin typeface="Times New Roman" panose="02020603050405020304" pitchFamily="18" charset="0"/>
+              </a:defRPr>
+            </a:lvl8pPr>
+            <a:lvl9pPr eaLnBrk="0" fontAlgn="base" hangingPunct="0">
+              <a:spcBef>
+                <a:spcPct val="0"/>
+              </a:spcBef>
+              <a:spcAft>
+                <a:spcPct val="0"/>
+              </a:spcAft>
+              <a:defRPr kumimoji="1" sz="2400">
+                <a:solidFill>
+                  <a:schemeClr val="tx1"/>
+                </a:solidFill>
+                <a:latin typeface="Times New Roman" panose="02020603050405020304" pitchFamily="18" charset="0"/>
+              </a:defRPr>
+            </a:lvl9pPr>
+          </a:lstStyle>
+          <a:p>
+            <a:pPr eaLnBrk="1" hangingPunct="1">
+              <a:lnSpc>
+                <a:spcPct val="102000"/>
+              </a:lnSpc>
+              <a:spcBef>
+                <a:spcPct val="20000"/>
+              </a:spcBef>
+              <a:buClr>
+                <a:srgbClr val="808080"/>
+              </a:buClr>
+              <a:buSzPct val="60000"/>
+            </a:pPr>
+            <a:endParaRPr kumimoji="0" lang="en-GB" altLang="zh-CN" sz="1600">
+              <a:latin typeface="Verdana" panose="020B0604030504040204" pitchFamily="34" charset="0"/>
+            </a:endParaRPr>
+          </a:p>
+        </p:txBody>
+      </p:sp>
+    </p:spTree>
+    <p:extLst>
+      <p:ext uri="{BB962C8B-B14F-4D97-AF65-F5344CB8AC3E}">
         <p14:creationId xmlns:p14="http://schemas.microsoft.com/office/powerpoint/2010/main" val="1337634028"/>
       </p:ext>
     </p:extLst>
@@ -6891,7 +7391,7 @@
           <a:p>
             <a:fld id="{F721228B-0167-4061-A906-8575043315EE}" type="datetimeFigureOut">
               <a:rPr lang="zh-CN" altLang="en-US" smtClean="0"/>
-              <a:t>2025/6/5 Thu</a:t>
+              <a:t>2025/6/6 Fri</a:t>
             </a:fld>
             <a:endParaRPr lang="zh-CN" altLang="en-US"/>
           </a:p>
@@ -6956,7 +7456,7 @@
           <p:cNvPr id="8" name="矩形 7">
             <a:extLst>
               <a:ext uri="{FF2B5EF4-FFF2-40B4-BE49-F238E27FC236}">
-                <a16:creationId xmlns:a16="http://schemas.microsoft.com/office/drawing/2014/main" id="{54D53D91-20A1-5B3C-A8FB-0A741900D5FC}"/>
+                <a16:creationId xmlns:a16="http://schemas.microsoft.com/office/drawing/2014/main" id="{F52872EC-81BB-5622-062D-1B604B1CF283}"/>
               </a:ext>
             </a:extLst>
           </p:cNvPr>
@@ -7003,13 +7503,25 @@
     </p:spTree>
     <p:extLst>
       <p:ext uri="{BB962C8B-B14F-4D97-AF65-F5344CB8AC3E}">
-        <p14:creationId xmlns:p14="http://schemas.microsoft.com/office/powerpoint/2010/main" val="2116765151"/>
+        <p14:creationId xmlns:p14="http://schemas.microsoft.com/office/powerpoint/2010/main" val="4166047442"/>
       </p:ext>
     </p:extLst>
   </p:cSld>
   <p:clrMapOvr>
     <a:masterClrMapping/>
   </p:clrMapOvr>
+  <mc:AlternateContent xmlns:mc="http://schemas.openxmlformats.org/markup-compatibility/2006" xmlns:p14="http://schemas.microsoft.com/office/powerpoint/2010/main">
+    <mc:Choice Requires="p14">
+      <p:transition spd="med" p14:dur="700">
+        <p:fade/>
+      </p:transition>
+    </mc:Choice>
+    <mc:Fallback xmlns="">
+      <p:transition spd="med">
+        <p:fade/>
+      </p:transition>
+    </mc:Fallback>
+  </mc:AlternateContent>
 </p:sldLayout>
 </file>
 
@@ -7215,7 +7727,7 @@
           <a:p>
             <a:fld id="{F721228B-0167-4061-A906-8575043315EE}" type="datetimeFigureOut">
               <a:rPr lang="zh-CN" altLang="en-US" smtClean="0"/>
-              <a:t>2025/6/5 Thu</a:t>
+              <a:t>2025/6/6 Fri</a:t>
             </a:fld>
             <a:endParaRPr lang="zh-CN" altLang="en-US"/>
           </a:p>
@@ -7278,13 +7790,25 @@
     </p:spTree>
     <p:extLst>
       <p:ext uri="{BB962C8B-B14F-4D97-AF65-F5344CB8AC3E}">
-        <p14:creationId xmlns:p14="http://schemas.microsoft.com/office/powerpoint/2010/main" val="3876442843"/>
+        <p14:creationId xmlns:p14="http://schemas.microsoft.com/office/powerpoint/2010/main" val="463906788"/>
       </p:ext>
     </p:extLst>
   </p:cSld>
   <p:clrMapOvr>
     <a:masterClrMapping/>
   </p:clrMapOvr>
+  <mc:AlternateContent xmlns:mc="http://schemas.openxmlformats.org/markup-compatibility/2006" xmlns:p14="http://schemas.microsoft.com/office/powerpoint/2010/main">
+    <mc:Choice Requires="p14">
+      <p:transition spd="med" p14:dur="700">
+        <p:fade/>
+      </p:transition>
+    </mc:Choice>
+    <mc:Fallback xmlns="">
+      <p:transition spd="med">
+        <p:fade/>
+      </p:transition>
+    </mc:Fallback>
+  </mc:AlternateContent>
 </p:sldLayout>
 </file>
 
@@ -7561,7 +8085,7 @@
           <a:p>
             <a:fld id="{F721228B-0167-4061-A906-8575043315EE}" type="datetimeFigureOut">
               <a:rPr lang="zh-CN" altLang="en-US" smtClean="0"/>
-              <a:t>2025/6/5 Thu</a:t>
+              <a:t>2025/6/6 Fri</a:t>
             </a:fld>
             <a:endParaRPr lang="zh-CN" altLang="en-US"/>
           </a:p>
@@ -7626,7 +8150,7 @@
           <p:cNvPr id="9" name="矩形 8">
             <a:extLst>
               <a:ext uri="{FF2B5EF4-FFF2-40B4-BE49-F238E27FC236}">
-                <a16:creationId xmlns:a16="http://schemas.microsoft.com/office/drawing/2014/main" id="{400149F2-A6AB-3953-F433-DA24D56CB0BE}"/>
+                <a16:creationId xmlns:a16="http://schemas.microsoft.com/office/drawing/2014/main" id="{82EB41EB-0D08-7526-0E4D-92DD20C296DF}"/>
               </a:ext>
             </a:extLst>
           </p:cNvPr>
@@ -7673,13 +8197,25 @@
     </p:spTree>
     <p:extLst>
       <p:ext uri="{BB962C8B-B14F-4D97-AF65-F5344CB8AC3E}">
-        <p14:creationId xmlns:p14="http://schemas.microsoft.com/office/powerpoint/2010/main" val="2296489930"/>
+        <p14:creationId xmlns:p14="http://schemas.microsoft.com/office/powerpoint/2010/main" val="3857761768"/>
       </p:ext>
     </p:extLst>
   </p:cSld>
   <p:clrMapOvr>
     <a:masterClrMapping/>
   </p:clrMapOvr>
+  <mc:AlternateContent xmlns:mc="http://schemas.openxmlformats.org/markup-compatibility/2006" xmlns:p14="http://schemas.microsoft.com/office/powerpoint/2010/main">
+    <mc:Choice Requires="p14">
+      <p:transition spd="med" p14:dur="700">
+        <p:fade/>
+      </p:transition>
+    </mc:Choice>
+    <mc:Fallback xmlns="">
+      <p:transition spd="med">
+        <p:fade/>
+      </p:transition>
+    </mc:Fallback>
+  </mc:AlternateContent>
 </p:sldLayout>
 </file>
 
@@ -8022,7 +8558,7 @@
           <a:p>
             <a:fld id="{F721228B-0167-4061-A906-8575043315EE}" type="datetimeFigureOut">
               <a:rPr lang="zh-CN" altLang="en-US" smtClean="0"/>
-              <a:t>2025/6/5 Thu</a:t>
+              <a:t>2025/6/6 Fri</a:t>
             </a:fld>
             <a:endParaRPr lang="zh-CN" altLang="en-US"/>
           </a:p>
@@ -8085,13 +8621,25 @@
     </p:spTree>
     <p:extLst>
       <p:ext uri="{BB962C8B-B14F-4D97-AF65-F5344CB8AC3E}">
-        <p14:creationId xmlns:p14="http://schemas.microsoft.com/office/powerpoint/2010/main" val="1903742116"/>
+        <p14:creationId xmlns:p14="http://schemas.microsoft.com/office/powerpoint/2010/main" val="2547348129"/>
       </p:ext>
     </p:extLst>
   </p:cSld>
   <p:clrMapOvr>
     <a:masterClrMapping/>
   </p:clrMapOvr>
+  <mc:AlternateContent xmlns:mc="http://schemas.openxmlformats.org/markup-compatibility/2006" xmlns:p14="http://schemas.microsoft.com/office/powerpoint/2010/main">
+    <mc:Choice Requires="p14">
+      <p:transition spd="med" p14:dur="700">
+        <p:fade/>
+      </p:transition>
+    </mc:Choice>
+    <mc:Fallback xmlns="">
+      <p:transition spd="med">
+        <p:fade/>
+      </p:transition>
+    </mc:Fallback>
+  </mc:AlternateContent>
 </p:sldLayout>
 </file>
 
@@ -8163,7 +8711,7 @@
           <a:p>
             <a:fld id="{F721228B-0167-4061-A906-8575043315EE}" type="datetimeFigureOut">
               <a:rPr lang="zh-CN" altLang="en-US" smtClean="0"/>
-              <a:t>2025/6/5 Thu</a:t>
+              <a:t>2025/6/6 Fri</a:t>
             </a:fld>
             <a:endParaRPr lang="zh-CN" altLang="en-US"/>
           </a:p>
@@ -8226,13 +8774,25 @@
     </p:spTree>
     <p:extLst>
       <p:ext uri="{BB962C8B-B14F-4D97-AF65-F5344CB8AC3E}">
-        <p14:creationId xmlns:p14="http://schemas.microsoft.com/office/powerpoint/2010/main" val="2266343131"/>
+        <p14:creationId xmlns:p14="http://schemas.microsoft.com/office/powerpoint/2010/main" val="1046614763"/>
       </p:ext>
     </p:extLst>
   </p:cSld>
   <p:clrMapOvr>
     <a:masterClrMapping/>
   </p:clrMapOvr>
+  <mc:AlternateContent xmlns:mc="http://schemas.openxmlformats.org/markup-compatibility/2006" xmlns:p14="http://schemas.microsoft.com/office/powerpoint/2010/main">
+    <mc:Choice Requires="p14">
+      <p:transition spd="med" p14:dur="700">
+        <p:fade/>
+      </p:transition>
+    </mc:Choice>
+    <mc:Fallback xmlns="">
+      <p:transition spd="med">
+        <p:fade/>
+      </p:transition>
+    </mc:Fallback>
+  </mc:AlternateContent>
 </p:sldLayout>
 </file>
 
@@ -8276,7 +8836,7 @@
           <a:p>
             <a:fld id="{F721228B-0167-4061-A906-8575043315EE}" type="datetimeFigureOut">
               <a:rPr lang="zh-CN" altLang="en-US" smtClean="0"/>
-              <a:t>2025/6/5 Thu</a:t>
+              <a:t>2025/6/6 Fri</a:t>
             </a:fld>
             <a:endParaRPr lang="zh-CN" altLang="en-US"/>
           </a:p>
@@ -8339,13 +8899,25 @@
     </p:spTree>
     <p:extLst>
       <p:ext uri="{BB962C8B-B14F-4D97-AF65-F5344CB8AC3E}">
-        <p14:creationId xmlns:p14="http://schemas.microsoft.com/office/powerpoint/2010/main" val="3125871839"/>
+        <p14:creationId xmlns:p14="http://schemas.microsoft.com/office/powerpoint/2010/main" val="756781449"/>
       </p:ext>
     </p:extLst>
   </p:cSld>
   <p:clrMapOvr>
     <a:masterClrMapping/>
   </p:clrMapOvr>
+  <mc:AlternateContent xmlns:mc="http://schemas.openxmlformats.org/markup-compatibility/2006" xmlns:p14="http://schemas.microsoft.com/office/powerpoint/2010/main">
+    <mc:Choice Requires="p14">
+      <p:transition spd="med" p14:dur="700">
+        <p:fade/>
+      </p:transition>
+    </mc:Choice>
+    <mc:Fallback xmlns="">
+      <p:transition spd="med">
+        <p:fade/>
+      </p:transition>
+    </mc:Fallback>
+  </mc:AlternateContent>
 </p:sldLayout>
 </file>
 
@@ -8587,7 +9159,7 @@
           <a:p>
             <a:fld id="{F721228B-0167-4061-A906-8575043315EE}" type="datetimeFigureOut">
               <a:rPr lang="zh-CN" altLang="en-US" smtClean="0"/>
-              <a:t>2025/6/5 Thu</a:t>
+              <a:t>2025/6/6 Fri</a:t>
             </a:fld>
             <a:endParaRPr lang="zh-CN" altLang="en-US"/>
           </a:p>
@@ -8650,13 +9222,25 @@
     </p:spTree>
     <p:extLst>
       <p:ext uri="{BB962C8B-B14F-4D97-AF65-F5344CB8AC3E}">
-        <p14:creationId xmlns:p14="http://schemas.microsoft.com/office/powerpoint/2010/main" val="4269120921"/>
+        <p14:creationId xmlns:p14="http://schemas.microsoft.com/office/powerpoint/2010/main" val="3326523130"/>
       </p:ext>
     </p:extLst>
   </p:cSld>
   <p:clrMapOvr>
     <a:masterClrMapping/>
   </p:clrMapOvr>
+  <mc:AlternateContent xmlns:mc="http://schemas.openxmlformats.org/markup-compatibility/2006" xmlns:p14="http://schemas.microsoft.com/office/powerpoint/2010/main">
+    <mc:Choice Requires="p14">
+      <p:transition spd="med" p14:dur="700">
+        <p:fade/>
+      </p:transition>
+    </mc:Choice>
+    <mc:Fallback xmlns="">
+      <p:transition spd="med">
+        <p:fade/>
+      </p:transition>
+    </mc:Fallback>
+  </mc:AlternateContent>
 </p:sldLayout>
 </file>
 
@@ -8875,7 +9459,7 @@
           <a:p>
             <a:fld id="{F721228B-0167-4061-A906-8575043315EE}" type="datetimeFigureOut">
               <a:rPr lang="zh-CN" altLang="en-US" smtClean="0"/>
-              <a:t>2025/6/5 Thu</a:t>
+              <a:t>2025/6/6 Fri</a:t>
             </a:fld>
             <a:endParaRPr lang="zh-CN" altLang="en-US"/>
           </a:p>
@@ -8938,23 +9522,46 @@
     </p:spTree>
     <p:extLst>
       <p:ext uri="{BB962C8B-B14F-4D97-AF65-F5344CB8AC3E}">
-        <p14:creationId xmlns:p14="http://schemas.microsoft.com/office/powerpoint/2010/main" val="3839517779"/>
+        <p14:creationId xmlns:p14="http://schemas.microsoft.com/office/powerpoint/2010/main" val="3746510177"/>
       </p:ext>
     </p:extLst>
   </p:cSld>
   <p:clrMapOvr>
     <a:masterClrMapping/>
   </p:clrMapOvr>
+  <mc:AlternateContent xmlns:mc="http://schemas.openxmlformats.org/markup-compatibility/2006" xmlns:p14="http://schemas.microsoft.com/office/powerpoint/2010/main">
+    <mc:Choice Requires="p14">
+      <p:transition spd="med" p14:dur="700">
+        <p:fade/>
+      </p:transition>
+    </mc:Choice>
+    <mc:Fallback xmlns="">
+      <p:transition spd="med">
+        <p:fade/>
+      </p:transition>
+    </mc:Fallback>
+  </mc:AlternateContent>
 </p:sldLayout>
 </file>
 
 <file path=ppt/slideMasters/slideMaster1.xml><?xml version="1.0" encoding="utf-8"?>
-<p:sldMaster xmlns:a="http://schemas.openxmlformats.org/drawingml/2006/main" xmlns:r="http://schemas.openxmlformats.org/officeDocument/2006/relationships" xmlns:p="http://schemas.openxmlformats.org/presentationml/2006/main">
+<p:sldMaster xmlns:a="http://schemas.openxmlformats.org/drawingml/2006/main" xmlns:r="http://schemas.openxmlformats.org/officeDocument/2006/relationships" xmlns:p="http://schemas.openxmlformats.org/presentationml/2006/main" preserve="1">
   <p:cSld>
     <p:bg>
-      <p:bgRef idx="1001">
-        <a:schemeClr val="bg1"/>
-      </p:bgRef>
+      <p:bgPr>
+        <a:gradFill>
+          <a:gsLst>
+            <a:gs pos="0">
+              <a:schemeClr val="bg1"/>
+            </a:gs>
+            <a:gs pos="100000">
+              <a:srgbClr val="F0F8FF"/>
+            </a:gs>
+          </a:gsLst>
+          <a:lin ang="5400000" scaled="1"/>
+        </a:gradFill>
+        <a:effectLst/>
+      </p:bgPr>
     </p:bg>
     <p:spTree>
       <p:nvGrpSpPr>
@@ -9116,7 +9723,7 @@
           <a:p>
             <a:fld id="{F721228B-0167-4061-A906-8575043315EE}" type="datetimeFigureOut">
               <a:rPr lang="zh-CN" altLang="en-US" smtClean="0"/>
-              <a:t>2025/6/5 Thu</a:t>
+              <a:t>2025/6/6 Fri</a:t>
             </a:fld>
             <a:endParaRPr lang="zh-CN" altLang="en-US"/>
           </a:p>
@@ -9212,28 +9819,72 @@
           </a:p>
         </p:txBody>
       </p:sp>
+      <p:pic>
+        <p:nvPicPr>
+          <p:cNvPr id="7" name="图片 6">
+            <a:extLst>
+              <a:ext uri="{FF2B5EF4-FFF2-40B4-BE49-F238E27FC236}">
+                <a16:creationId xmlns:a16="http://schemas.microsoft.com/office/drawing/2014/main" id="{68A54585-7C5F-477D-7B3E-CE77E2F12069}"/>
+              </a:ext>
+            </a:extLst>
+          </p:cNvPr>
+          <p:cNvPicPr/>
+          <p:nvPr userDrawn="1"/>
+        </p:nvPicPr>
+        <p:blipFill>
+          <a:blip r:embed="rId16"/>
+          <a:stretch/>
+        </p:blipFill>
+        <p:spPr>
+          <a:xfrm>
+            <a:off x="11234160" y="5770605"/>
+            <a:ext cx="699060" cy="815726"/>
+          </a:xfrm>
+          <a:prstGeom prst="rect">
+            <a:avLst/>
+          </a:prstGeom>
+          <a:noFill/>
+          <a:ln w="0">
+            <a:noFill/>
+          </a:ln>
+        </p:spPr>
+      </p:pic>
     </p:spTree>
     <p:extLst>
       <p:ext uri="{BB962C8B-B14F-4D97-AF65-F5344CB8AC3E}">
-        <p14:creationId xmlns:p14="http://schemas.microsoft.com/office/powerpoint/2010/main" val="1766057859"/>
+        <p14:creationId xmlns:p14="http://schemas.microsoft.com/office/powerpoint/2010/main" val="1552319991"/>
       </p:ext>
     </p:extLst>
   </p:cSld>
   <p:clrMap bg1="lt1" tx1="dk1" bg2="lt2" tx2="dk2" accent1="accent1" accent2="accent2" accent3="accent3" accent4="accent4" accent5="accent5" accent6="accent6" hlink="hlink" folHlink="folHlink"/>
   <p:sldLayoutIdLst>
-    <p:sldLayoutId id="2147483649" r:id="rId1"/>
-    <p:sldLayoutId id="2147483650" r:id="rId2"/>
-    <p:sldLayoutId id="2147483651" r:id="rId3"/>
-    <p:sldLayoutId id="2147483652" r:id="rId4"/>
-    <p:sldLayoutId id="2147483653" r:id="rId5"/>
-    <p:sldLayoutId id="2147483654" r:id="rId6"/>
-    <p:sldLayoutId id="2147483655" r:id="rId7"/>
-    <p:sldLayoutId id="2147483656" r:id="rId8"/>
-    <p:sldLayoutId id="2147483657" r:id="rId9"/>
-    <p:sldLayoutId id="2147483658" r:id="rId10"/>
-    <p:sldLayoutId id="2147483659" r:id="rId11"/>
-    <p:sldLayoutId id="2147483660" r:id="rId12"/>
+    <p:sldLayoutId id="2147483662" r:id="rId1"/>
+    <p:sldLayoutId id="2147483663" r:id="rId2"/>
+    <p:sldLayoutId id="2147483664" r:id="rId3"/>
+    <p:sldLayoutId id="2147483665" r:id="rId4"/>
+    <p:sldLayoutId id="2147483666" r:id="rId5"/>
+    <p:sldLayoutId id="2147483667" r:id="rId6"/>
+    <p:sldLayoutId id="2147483668" r:id="rId7"/>
+    <p:sldLayoutId id="2147483669" r:id="rId8"/>
+    <p:sldLayoutId id="2147483670" r:id="rId9"/>
+    <p:sldLayoutId id="2147483671" r:id="rId10"/>
+    <p:sldLayoutId id="2147483672" r:id="rId11"/>
+    <p:sldLayoutId id="2147483673" r:id="rId12"/>
+    <p:sldLayoutId id="2147483674" r:id="rId13"/>
+    <p:sldLayoutId id="2147483660" r:id="rId14"/>
   </p:sldLayoutIdLst>
+  <mc:AlternateContent xmlns:mc="http://schemas.openxmlformats.org/markup-compatibility/2006" xmlns:p14="http://schemas.microsoft.com/office/powerpoint/2010/main">
+    <mc:Choice Requires="p14">
+      <p:transition spd="med" p14:dur="700">
+        <p:fade/>
+      </p:transition>
+    </mc:Choice>
+    <mc:Fallback xmlns="">
+      <p:transition spd="med">
+        <p:fade/>
+      </p:transition>
+    </mc:Fallback>
+  </mc:AlternateContent>
   <p:txStyles>
     <p:titleStyle>
       <a:lvl1pPr algn="l" defTabSz="914400" rtl="0" eaLnBrk="1" latinLnBrk="0" hangingPunct="1">
@@ -9520,14 +10171,6 @@
 <file path=ppt/slides/slide1.xml><?xml version="1.0" encoding="utf-8"?>
 <p:sld xmlns:a="http://schemas.openxmlformats.org/drawingml/2006/main" xmlns:r="http://schemas.openxmlformats.org/officeDocument/2006/relationships" xmlns:p="http://schemas.openxmlformats.org/presentationml/2006/main">
   <p:cSld>
-    <p:bg>
-      <p:bgPr>
-        <a:solidFill>
-          <a:srgbClr val="FFFAD4"/>
-        </a:solidFill>
-        <a:effectLst/>
-      </p:bgPr>
-    </p:bg>
     <p:spTree>
       <p:nvGrpSpPr>
         <p:cNvPr id="1" name=""/>
@@ -9560,20 +10203,20 @@
         </p:nvSpPr>
         <p:spPr>
           <a:xfrm>
-            <a:off x="-16934" y="3201698"/>
-            <a:ext cx="12208933" cy="1600200"/>
+            <a:off x="-17463" y="3644900"/>
+            <a:ext cx="12209463" cy="1600200"/>
           </a:xfrm>
-          <a:solidFill>
-            <a:srgbClr val="F6E979"/>
-          </a:solidFill>
+          <a:noFill/>
         </p:spPr>
         <p:txBody>
-          <a:bodyPr/>
+          <a:bodyPr>
+            <a:normAutofit/>
+          </a:bodyPr>
           <a:lstStyle/>
           <a:p>
             <a:pPr algn="ctr"/>
             <a:r>
-              <a:rPr lang="en-US" altLang="zh-CN">
+              <a:rPr lang="en-US" altLang="zh-CN" sz="4800" dirty="0">
                 <a:solidFill>
                   <a:schemeClr val="tx1">
                     <a:lumMod val="95000"/>
@@ -9593,7 +10236,7 @@
               <a:t>Python </a:t>
             </a:r>
             <a:r>
-              <a:rPr lang="zh-CN" altLang="en-US">
+              <a:rPr lang="zh-CN" altLang="en-US" sz="4800" dirty="0">
                 <a:solidFill>
                   <a:schemeClr val="tx1">
                     <a:lumMod val="95000"/>
@@ -9610,30 +10253,10 @@
                 <a:latin typeface="华文琥珀" panose="02010800040101010101" pitchFamily="2" charset="-122"/>
                 <a:ea typeface="华文琥珀" panose="02010800040101010101" pitchFamily="2" charset="-122"/>
               </a:rPr>
-              <a:t>编程</a:t>
-            </a:r>
-            <a:r>
-              <a:rPr lang="zh-CN" altLang="en-US" dirty="0">
-                <a:solidFill>
-                  <a:schemeClr val="tx1">
-                    <a:lumMod val="95000"/>
-                    <a:lumOff val="5000"/>
-                  </a:schemeClr>
-                </a:solidFill>
-                <a:effectLst>
-                  <a:outerShdw blurRad="38100" dist="38100" dir="2700000" algn="tl">
-                    <a:srgbClr val="000000">
-                      <a:alpha val="43137"/>
-                    </a:srgbClr>
-                  </a:outerShdw>
-                </a:effectLst>
-                <a:latin typeface="华文琥珀" panose="02010800040101010101" pitchFamily="2" charset="-122"/>
-                <a:ea typeface="华文琥珀" panose="02010800040101010101" pitchFamily="2" charset="-122"/>
-              </a:rPr>
-              <a:t>：从入门到实践</a:t>
+              <a:t>编程：从入门到实践</a:t>
             </a:r>
             <a:br>
-              <a:rPr lang="en-US" altLang="zh-CN" dirty="0">
+              <a:rPr lang="en-US" altLang="zh-CN" sz="4800" dirty="0">
                 <a:solidFill>
                   <a:schemeClr val="tx1">
                     <a:lumMod val="95000"/>
@@ -9652,7 +10275,7 @@
               </a:rPr>
             </a:br>
             <a:r>
-              <a:rPr lang="zh-CN" altLang="en-US" dirty="0">
+              <a:rPr lang="zh-CN" altLang="en-US" sz="4800" dirty="0">
                 <a:solidFill>
                   <a:schemeClr val="tx1">
                     <a:lumMod val="95000"/>
@@ -9671,7 +10294,7 @@
               </a:rPr>
               <a:t>（第三版）</a:t>
             </a:r>
-            <a:endParaRPr lang="en-US" altLang="zh-CN" dirty="0">
+            <a:endParaRPr lang="en-US" altLang="zh-CN" sz="4800" dirty="0">
               <a:solidFill>
                 <a:schemeClr val="tx1">
                   <a:lumMod val="95000"/>
@@ -9707,8 +10330,8 @@
         </p:nvSpPr>
         <p:spPr bwMode="auto">
           <a:xfrm>
-            <a:off x="4559361" y="5491971"/>
-            <a:ext cx="3073277" cy="369332"/>
+            <a:off x="4304483" y="5491971"/>
+            <a:ext cx="3583033" cy="461665"/>
           </a:xfrm>
           <a:prstGeom prst="rect">
             <a:avLst/>
@@ -9758,8 +10381,8 @@
               <a:buNone/>
             </a:pPr>
             <a:r>
-              <a:rPr lang="en-US" altLang="zh-CN" b="1" dirty="0">
-                <a:latin typeface="Verdana" panose="020B0604030504040204" pitchFamily="34" charset="0"/>
+              <a:rPr lang="en-US" altLang="zh-CN" sz="2400" b="1" dirty="0">
+                <a:latin typeface="Consolas" panose="020B0609020204030204" pitchFamily="49" charset="0"/>
                 <a:ea typeface="Verdana" panose="020B0604030504040204" pitchFamily="34" charset="0"/>
               </a:rPr>
               <a:t>Teacher Name / Email</a:t>
@@ -9795,7 +10418,7 @@
         </p:blipFill>
         <p:spPr>
           <a:xfrm>
-            <a:off x="4488200" y="581078"/>
+            <a:off x="4495458" y="804806"/>
             <a:ext cx="3186567" cy="2591873"/>
           </a:xfrm>
           <a:prstGeom prst="rect">
@@ -9808,7 +10431,7 @@
           <p:cNvPr id="4" name="矩形 3">
             <a:extLst>
               <a:ext uri="{FF2B5EF4-FFF2-40B4-BE49-F238E27FC236}">
-                <a16:creationId xmlns:a16="http://schemas.microsoft.com/office/drawing/2014/main" id="{C8D8A3AF-A568-FD46-61C8-B9A8DB918237}"/>
+                <a16:creationId xmlns:a16="http://schemas.microsoft.com/office/drawing/2014/main" id="{75A0379E-3606-9AF4-7B2C-57E5B4C73ED1}"/>
               </a:ext>
             </a:extLst>
           </p:cNvPr>
@@ -9857,7 +10480,18 @@
   <p:clrMapOvr>
     <a:masterClrMapping/>
   </p:clrMapOvr>
-  <p:transition spd="med"/>
+  <mc:AlternateContent xmlns:mc="http://schemas.openxmlformats.org/markup-compatibility/2006" xmlns:p14="http://schemas.microsoft.com/office/powerpoint/2010/main">
+    <mc:Choice Requires="p14">
+      <p:transition spd="med" p14:dur="700">
+        <p:fade/>
+      </p:transition>
+    </mc:Choice>
+    <mc:Fallback xmlns="">
+      <p:transition spd="med">
+        <p:fade/>
+      </p:transition>
+    </mc:Fallback>
+  </mc:AlternateContent>
   <p:timing>
     <p:tnLst>
       <p:par>
@@ -9913,6 +10547,38 @@
       </p:grpSpPr>
       <p:sp>
         <p:nvSpPr>
+          <p:cNvPr id="5" name="标题 4">
+            <a:extLst>
+              <a:ext uri="{FF2B5EF4-FFF2-40B4-BE49-F238E27FC236}">
+                <a16:creationId xmlns:a16="http://schemas.microsoft.com/office/drawing/2014/main" id="{D2F7A023-43E3-794D-3644-3926F61019FF}"/>
+              </a:ext>
+            </a:extLst>
+          </p:cNvPr>
+          <p:cNvSpPr>
+            <a:spLocks noGrp="1"/>
+          </p:cNvSpPr>
+          <p:nvPr>
+            <p:ph type="title"/>
+          </p:nvPr>
+        </p:nvSpPr>
+        <p:spPr/>
+        <p:txBody>
+          <a:bodyPr/>
+          <a:lstStyle/>
+          <a:p>
+            <a:r>
+              <a:rPr lang="en-US" altLang="zh-CN" dirty="0"/>
+              <a:t>15.2.2 </a:t>
+            </a:r>
+            <a:r>
+              <a:rPr lang="zh-CN" altLang="en-US" dirty="0"/>
+              <a:t>校正图形</a:t>
+            </a:r>
+          </a:p>
+        </p:txBody>
+      </p:sp>
+      <p:sp>
+        <p:nvSpPr>
           <p:cNvPr id="3" name="内容占位符 2">
             <a:extLst>
               <a:ext uri="{FF2B5EF4-FFF2-40B4-BE49-F238E27FC236}">
@@ -9964,38 +10630,6 @@
               <a:buNone/>
             </a:pPr>
             <a:endParaRPr lang="en-US" altLang="zh-CN" dirty="0"/>
-          </a:p>
-        </p:txBody>
-      </p:sp>
-      <p:sp>
-        <p:nvSpPr>
-          <p:cNvPr id="5" name="标题 4">
-            <a:extLst>
-              <a:ext uri="{FF2B5EF4-FFF2-40B4-BE49-F238E27FC236}">
-                <a16:creationId xmlns:a16="http://schemas.microsoft.com/office/drawing/2014/main" id="{D2F7A023-43E3-794D-3644-3926F61019FF}"/>
-              </a:ext>
-            </a:extLst>
-          </p:cNvPr>
-          <p:cNvSpPr>
-            <a:spLocks noGrp="1"/>
-          </p:cNvSpPr>
-          <p:nvPr>
-            <p:ph type="title"/>
-          </p:nvPr>
-        </p:nvSpPr>
-        <p:spPr/>
-        <p:txBody>
-          <a:bodyPr/>
-          <a:lstStyle/>
-          <a:p>
-            <a:r>
-              <a:rPr lang="en-US" altLang="zh-CN" dirty="0"/>
-              <a:t>15.2.2 </a:t>
-            </a:r>
-            <a:r>
-              <a:rPr lang="zh-CN" altLang="en-US" dirty="0"/>
-              <a:t>校正图形</a:t>
-            </a:r>
           </a:p>
         </p:txBody>
       </p:sp>
@@ -10039,6 +10673,18 @@
   <p:clrMapOvr>
     <a:masterClrMapping/>
   </p:clrMapOvr>
+  <mc:AlternateContent xmlns:mc="http://schemas.openxmlformats.org/markup-compatibility/2006" xmlns:p14="http://schemas.microsoft.com/office/powerpoint/2010/main">
+    <mc:Choice Requires="p14">
+      <p:transition spd="med" p14:dur="700">
+        <p:fade/>
+      </p:transition>
+    </mc:Choice>
+    <mc:Fallback xmlns="">
+      <p:transition spd="med">
+        <p:fade/>
+      </p:transition>
+    </mc:Fallback>
+  </mc:AlternateContent>
 </p:sld>
 </file>
 
@@ -10067,6 +10713,38 @@
       </p:grpSpPr>
       <p:sp>
         <p:nvSpPr>
+          <p:cNvPr id="5" name="标题 4">
+            <a:extLst>
+              <a:ext uri="{FF2B5EF4-FFF2-40B4-BE49-F238E27FC236}">
+                <a16:creationId xmlns:a16="http://schemas.microsoft.com/office/drawing/2014/main" id="{68049B58-2F61-2732-F0BA-EC94DACB7484}"/>
+              </a:ext>
+            </a:extLst>
+          </p:cNvPr>
+          <p:cNvSpPr>
+            <a:spLocks noGrp="1"/>
+          </p:cNvSpPr>
+          <p:nvPr>
+            <p:ph type="title"/>
+          </p:nvPr>
+        </p:nvSpPr>
+        <p:spPr/>
+        <p:txBody>
+          <a:bodyPr/>
+          <a:lstStyle/>
+          <a:p>
+            <a:r>
+              <a:rPr lang="en-US" altLang="zh-CN" dirty="0"/>
+              <a:t>15.2.3 </a:t>
+            </a:r>
+            <a:r>
+              <a:rPr lang="zh-CN" altLang="en-US" dirty="0"/>
+              <a:t>使用内置样式</a:t>
+            </a:r>
+          </a:p>
+        </p:txBody>
+      </p:sp>
+      <p:sp>
+        <p:nvSpPr>
           <p:cNvPr id="3" name="内容占位符 2">
             <a:extLst>
               <a:ext uri="{FF2B5EF4-FFF2-40B4-BE49-F238E27FC236}">
@@ -10246,38 +10924,6 @@
                 </a:highlight>
               </a:rPr>
               <a:t>-gallery', --snip-</a:t>
-            </a:r>
-          </a:p>
-        </p:txBody>
-      </p:sp>
-      <p:sp>
-        <p:nvSpPr>
-          <p:cNvPr id="5" name="标题 4">
-            <a:extLst>
-              <a:ext uri="{FF2B5EF4-FFF2-40B4-BE49-F238E27FC236}">
-                <a16:creationId xmlns:a16="http://schemas.microsoft.com/office/drawing/2014/main" id="{68049B58-2F61-2732-F0BA-EC94DACB7484}"/>
-              </a:ext>
-            </a:extLst>
-          </p:cNvPr>
-          <p:cNvSpPr>
-            <a:spLocks noGrp="1"/>
-          </p:cNvSpPr>
-          <p:nvPr>
-            <p:ph type="title"/>
-          </p:nvPr>
-        </p:nvSpPr>
-        <p:spPr/>
-        <p:txBody>
-          <a:bodyPr/>
-          <a:lstStyle/>
-          <a:p>
-            <a:r>
-              <a:rPr lang="en-US" altLang="zh-CN" dirty="0"/>
-              <a:t>15.2.3 </a:t>
-            </a:r>
-            <a:r>
-              <a:rPr lang="zh-CN" altLang="en-US" dirty="0"/>
-              <a:t>使用内置样式</a:t>
             </a:r>
           </a:p>
         </p:txBody>
@@ -10292,6 +10938,18 @@
   <p:clrMapOvr>
     <a:masterClrMapping/>
   </p:clrMapOvr>
+  <mc:AlternateContent xmlns:mc="http://schemas.openxmlformats.org/markup-compatibility/2006" xmlns:p14="http://schemas.microsoft.com/office/powerpoint/2010/main">
+    <mc:Choice Requires="p14">
+      <p:transition spd="med" p14:dur="700">
+        <p:fade/>
+      </p:transition>
+    </mc:Choice>
+    <mc:Fallback xmlns="">
+      <p:transition spd="med">
+        <p:fade/>
+      </p:transition>
+    </mc:Fallback>
+  </mc:AlternateContent>
 </p:sld>
 </file>
 
@@ -10392,6 +11050,18 @@
   <p:clrMapOvr>
     <a:masterClrMapping/>
   </p:clrMapOvr>
+  <mc:AlternateContent xmlns:mc="http://schemas.openxmlformats.org/markup-compatibility/2006" xmlns:p14="http://schemas.microsoft.com/office/powerpoint/2010/main">
+    <mc:Choice Requires="p14">
+      <p:transition spd="med" p14:dur="700">
+        <p:fade/>
+      </p:transition>
+    </mc:Choice>
+    <mc:Fallback xmlns="">
+      <p:transition spd="med">
+        <p:fade/>
+      </p:transition>
+    </mc:Fallback>
+  </mc:AlternateContent>
 </p:sld>
 </file>
 
@@ -10504,6 +11174,18 @@
   <p:clrMapOvr>
     <a:masterClrMapping/>
   </p:clrMapOvr>
+  <mc:AlternateContent xmlns:mc="http://schemas.openxmlformats.org/markup-compatibility/2006" xmlns:p14="http://schemas.microsoft.com/office/powerpoint/2010/main">
+    <mc:Choice Requires="p14">
+      <p:transition spd="med" p14:dur="700">
+        <p:fade/>
+      </p:transition>
+    </mc:Choice>
+    <mc:Fallback xmlns="">
+      <p:transition spd="med">
+        <p:fade/>
+      </p:transition>
+    </mc:Fallback>
+  </mc:AlternateContent>
 </p:sld>
 </file>
 
@@ -10603,6 +11285,18 @@
   <p:clrMapOvr>
     <a:masterClrMapping/>
   </p:clrMapOvr>
+  <mc:AlternateContent xmlns:mc="http://schemas.openxmlformats.org/markup-compatibility/2006" xmlns:p14="http://schemas.microsoft.com/office/powerpoint/2010/main">
+    <mc:Choice Requires="p14">
+      <p:transition spd="med" p14:dur="700">
+        <p:fade/>
+      </p:transition>
+    </mc:Choice>
+    <mc:Fallback xmlns="">
+      <p:transition spd="med">
+        <p:fade/>
+      </p:transition>
+    </mc:Fallback>
+  </mc:AlternateContent>
 </p:sld>
 </file>
 
@@ -10710,6 +11404,18 @@
   <p:clrMapOvr>
     <a:masterClrMapping/>
   </p:clrMapOvr>
+  <mc:AlternateContent xmlns:mc="http://schemas.openxmlformats.org/markup-compatibility/2006" xmlns:p14="http://schemas.microsoft.com/office/powerpoint/2010/main">
+    <mc:Choice Requires="p14">
+      <p:transition spd="med" p14:dur="700">
+        <p:fade/>
+      </p:transition>
+    </mc:Choice>
+    <mc:Fallback xmlns="">
+      <p:transition spd="med">
+        <p:fade/>
+      </p:transition>
+    </mc:Fallback>
+  </mc:AlternateContent>
 </p:sld>
 </file>
 
@@ -10848,6 +11554,18 @@
   <p:clrMapOvr>
     <a:masterClrMapping/>
   </p:clrMapOvr>
+  <mc:AlternateContent xmlns:mc="http://schemas.openxmlformats.org/markup-compatibility/2006" xmlns:p14="http://schemas.microsoft.com/office/powerpoint/2010/main">
+    <mc:Choice Requires="p14">
+      <p:transition spd="med" p14:dur="700">
+        <p:fade/>
+      </p:transition>
+    </mc:Choice>
+    <mc:Fallback xmlns="">
+      <p:transition spd="med">
+        <p:fade/>
+      </p:transition>
+    </mc:Fallback>
+  </mc:AlternateContent>
 </p:sld>
 </file>
 
@@ -10876,6 +11594,38 @@
       </p:grpSpPr>
       <p:sp>
         <p:nvSpPr>
+          <p:cNvPr id="5" name="标题 4">
+            <a:extLst>
+              <a:ext uri="{FF2B5EF4-FFF2-40B4-BE49-F238E27FC236}">
+                <a16:creationId xmlns:a16="http://schemas.microsoft.com/office/drawing/2014/main" id="{241B94B9-B192-090F-3DCF-9247A51F39F7}"/>
+              </a:ext>
+            </a:extLst>
+          </p:cNvPr>
+          <p:cNvSpPr>
+            <a:spLocks noGrp="1"/>
+          </p:cNvSpPr>
+          <p:nvPr>
+            <p:ph type="title"/>
+          </p:nvPr>
+        </p:nvSpPr>
+        <p:spPr/>
+        <p:txBody>
+          <a:bodyPr/>
+          <a:lstStyle/>
+          <a:p>
+            <a:r>
+              <a:rPr lang="en-US" altLang="zh-CN" dirty="0"/>
+              <a:t>15.3 </a:t>
+            </a:r>
+            <a:r>
+              <a:rPr lang="zh-CN" altLang="en-US" dirty="0"/>
+              <a:t>随机游走</a:t>
+            </a:r>
+          </a:p>
+        </p:txBody>
+      </p:sp>
+      <p:sp>
+        <p:nvSpPr>
           <p:cNvPr id="3" name="内容占位符 2">
             <a:extLst>
               <a:ext uri="{FF2B5EF4-FFF2-40B4-BE49-F238E27FC236}">
@@ -10941,38 +11691,6 @@
               <a:t>是由一系列简单的随机决策决定的行走路径。可以将随机游走看作蚂蚁在晕头转向的情况下，每次都沿随机的方向前行所经过的路径。</a:t>
             </a:r>
             <a:endParaRPr lang="en-US" altLang="zh-CN" dirty="0"/>
-          </a:p>
-        </p:txBody>
-      </p:sp>
-      <p:sp>
-        <p:nvSpPr>
-          <p:cNvPr id="5" name="标题 4">
-            <a:extLst>
-              <a:ext uri="{FF2B5EF4-FFF2-40B4-BE49-F238E27FC236}">
-                <a16:creationId xmlns:a16="http://schemas.microsoft.com/office/drawing/2014/main" id="{241B94B9-B192-090F-3DCF-9247A51F39F7}"/>
-              </a:ext>
-            </a:extLst>
-          </p:cNvPr>
-          <p:cNvSpPr>
-            <a:spLocks noGrp="1"/>
-          </p:cNvSpPr>
-          <p:nvPr>
-            <p:ph type="title"/>
-          </p:nvPr>
-        </p:nvSpPr>
-        <p:spPr/>
-        <p:txBody>
-          <a:bodyPr/>
-          <a:lstStyle/>
-          <a:p>
-            <a:r>
-              <a:rPr lang="en-US" altLang="zh-CN" dirty="0"/>
-              <a:t>15.3 </a:t>
-            </a:r>
-            <a:r>
-              <a:rPr lang="zh-CN" altLang="en-US" dirty="0"/>
-              <a:t>随机游走</a:t>
-            </a:r>
           </a:p>
         </p:txBody>
       </p:sp>
@@ -10986,6 +11704,18 @@
   <p:clrMapOvr>
     <a:masterClrMapping/>
   </p:clrMapOvr>
+  <mc:AlternateContent xmlns:mc="http://schemas.openxmlformats.org/markup-compatibility/2006" xmlns:p14="http://schemas.microsoft.com/office/powerpoint/2010/main">
+    <mc:Choice Requires="p14">
+      <p:transition spd="med" p14:dur="700">
+        <p:fade/>
+      </p:transition>
+    </mc:Choice>
+    <mc:Fallback xmlns="">
+      <p:transition spd="med">
+        <p:fade/>
+      </p:transition>
+    </mc:Fallback>
+  </mc:AlternateContent>
 </p:sld>
 </file>
 
@@ -11014,6 +11744,38 @@
       </p:grpSpPr>
       <p:sp>
         <p:nvSpPr>
+          <p:cNvPr id="5" name="标题 4">
+            <a:extLst>
+              <a:ext uri="{FF2B5EF4-FFF2-40B4-BE49-F238E27FC236}">
+                <a16:creationId xmlns:a16="http://schemas.microsoft.com/office/drawing/2014/main" id="{F2F22C40-1BEF-0127-D0E4-54B1802CBF99}"/>
+              </a:ext>
+            </a:extLst>
+          </p:cNvPr>
+          <p:cNvSpPr>
+            <a:spLocks noGrp="1"/>
+          </p:cNvSpPr>
+          <p:nvPr>
+            <p:ph type="title"/>
+          </p:nvPr>
+        </p:nvSpPr>
+        <p:spPr/>
+        <p:txBody>
+          <a:bodyPr/>
+          <a:lstStyle/>
+          <a:p>
+            <a:r>
+              <a:rPr lang="en-US" altLang="zh-CN" dirty="0"/>
+              <a:t>15.3 </a:t>
+            </a:r>
+            <a:r>
+              <a:rPr lang="zh-CN" altLang="en-US" dirty="0"/>
+              <a:t>随机游走</a:t>
+            </a:r>
+          </a:p>
+        </p:txBody>
+      </p:sp>
+      <p:sp>
+        <p:nvSpPr>
           <p:cNvPr id="3" name="内容占位符 2">
             <a:extLst>
               <a:ext uri="{FF2B5EF4-FFF2-40B4-BE49-F238E27FC236}">
@@ -11053,38 +11815,6 @@
               <a:t>例如，漂浮在水滴上的一粒花粉不断受到水分子的挤压而在水面上移动，因为水滴中的分子运动是随机的，所以花粉在水面上的运动路径就是随机游走。</a:t>
             </a:r>
             <a:endParaRPr lang="en-US" altLang="zh-CN" dirty="0"/>
-          </a:p>
-        </p:txBody>
-      </p:sp>
-      <p:sp>
-        <p:nvSpPr>
-          <p:cNvPr id="5" name="标题 4">
-            <a:extLst>
-              <a:ext uri="{FF2B5EF4-FFF2-40B4-BE49-F238E27FC236}">
-                <a16:creationId xmlns:a16="http://schemas.microsoft.com/office/drawing/2014/main" id="{F2F22C40-1BEF-0127-D0E4-54B1802CBF99}"/>
-              </a:ext>
-            </a:extLst>
-          </p:cNvPr>
-          <p:cNvSpPr>
-            <a:spLocks noGrp="1"/>
-          </p:cNvSpPr>
-          <p:nvPr>
-            <p:ph type="title"/>
-          </p:nvPr>
-        </p:nvSpPr>
-        <p:spPr/>
-        <p:txBody>
-          <a:bodyPr/>
-          <a:lstStyle/>
-          <a:p>
-            <a:r>
-              <a:rPr lang="en-US" altLang="zh-CN" dirty="0"/>
-              <a:t>15.3 </a:t>
-            </a:r>
-            <a:r>
-              <a:rPr lang="zh-CN" altLang="en-US" dirty="0"/>
-              <a:t>随机游走</a:t>
-            </a:r>
           </a:p>
         </p:txBody>
       </p:sp>
@@ -11098,6 +11828,18 @@
   <p:clrMapOvr>
     <a:masterClrMapping/>
   </p:clrMapOvr>
+  <mc:AlternateContent xmlns:mc="http://schemas.openxmlformats.org/markup-compatibility/2006" xmlns:p14="http://schemas.microsoft.com/office/powerpoint/2010/main">
+    <mc:Choice Requires="p14">
+      <p:transition spd="med" p14:dur="700">
+        <p:fade/>
+      </p:transition>
+    </mc:Choice>
+    <mc:Fallback xmlns="">
+      <p:transition spd="med">
+        <p:fade/>
+      </p:transition>
+    </mc:Fallback>
+  </mc:AlternateContent>
 </p:sld>
 </file>
 
@@ -11124,6 +11866,38 @@
           <a:chExt cx="0" cy="0"/>
         </a:xfrm>
       </p:grpSpPr>
+      <p:sp>
+        <p:nvSpPr>
+          <p:cNvPr id="5" name="标题 4">
+            <a:extLst>
+              <a:ext uri="{FF2B5EF4-FFF2-40B4-BE49-F238E27FC236}">
+                <a16:creationId xmlns:a16="http://schemas.microsoft.com/office/drawing/2014/main" id="{3C0BCAFE-34EB-EFE7-3945-662999263E8C}"/>
+              </a:ext>
+            </a:extLst>
+          </p:cNvPr>
+          <p:cNvSpPr>
+            <a:spLocks noGrp="1"/>
+          </p:cNvSpPr>
+          <p:nvPr>
+            <p:ph type="title"/>
+          </p:nvPr>
+        </p:nvSpPr>
+        <p:spPr/>
+        <p:txBody>
+          <a:bodyPr/>
+          <a:lstStyle/>
+          <a:p>
+            <a:r>
+              <a:rPr lang="en-US" altLang="zh-CN" dirty="0"/>
+              <a:t>15.3 </a:t>
+            </a:r>
+            <a:r>
+              <a:rPr lang="zh-CN" altLang="en-US" dirty="0"/>
+              <a:t>随机游走</a:t>
+            </a:r>
+          </a:p>
+        </p:txBody>
+      </p:sp>
       <p:pic>
         <p:nvPicPr>
           <p:cNvPr id="4" name="内容占位符 3">
@@ -11153,38 +11927,6 @@
           </a:xfrm>
         </p:spPr>
       </p:pic>
-      <p:sp>
-        <p:nvSpPr>
-          <p:cNvPr id="5" name="标题 4">
-            <a:extLst>
-              <a:ext uri="{FF2B5EF4-FFF2-40B4-BE49-F238E27FC236}">
-                <a16:creationId xmlns:a16="http://schemas.microsoft.com/office/drawing/2014/main" id="{3C0BCAFE-34EB-EFE7-3945-662999263E8C}"/>
-              </a:ext>
-            </a:extLst>
-          </p:cNvPr>
-          <p:cNvSpPr>
-            <a:spLocks noGrp="1"/>
-          </p:cNvSpPr>
-          <p:nvPr>
-            <p:ph type="title"/>
-          </p:nvPr>
-        </p:nvSpPr>
-        <p:spPr/>
-        <p:txBody>
-          <a:bodyPr/>
-          <a:lstStyle/>
-          <a:p>
-            <a:r>
-              <a:rPr lang="en-US" altLang="zh-CN" dirty="0"/>
-              <a:t>15.3 </a:t>
-            </a:r>
-            <a:r>
-              <a:rPr lang="zh-CN" altLang="en-US" dirty="0"/>
-              <a:t>随机游走</a:t>
-            </a:r>
-          </a:p>
-        </p:txBody>
-      </p:sp>
     </p:spTree>
     <p:extLst>
       <p:ext uri="{BB962C8B-B14F-4D97-AF65-F5344CB8AC3E}">
@@ -11195,6 +11937,18 @@
   <p:clrMapOvr>
     <a:masterClrMapping/>
   </p:clrMapOvr>
+  <mc:AlternateContent xmlns:mc="http://schemas.openxmlformats.org/markup-compatibility/2006" xmlns:p14="http://schemas.microsoft.com/office/powerpoint/2010/main">
+    <mc:Choice Requires="p14">
+      <p:transition spd="med" p14:dur="700">
+        <p:fade/>
+      </p:transition>
+    </mc:Choice>
+    <mc:Fallback xmlns="">
+      <p:transition spd="med">
+        <p:fade/>
+      </p:transition>
+    </mc:Fallback>
+  </mc:AlternateContent>
 </p:sld>
 </file>
 
@@ -11217,6 +11971,34 @@
       </p:grpSpPr>
       <p:sp>
         <p:nvSpPr>
+          <p:cNvPr id="5" name="标题 4">
+            <a:extLst>
+              <a:ext uri="{FF2B5EF4-FFF2-40B4-BE49-F238E27FC236}">
+                <a16:creationId xmlns:a16="http://schemas.microsoft.com/office/drawing/2014/main" id="{14B5F31E-85DD-B8D9-9ED7-E32A03C57260}"/>
+              </a:ext>
+            </a:extLst>
+          </p:cNvPr>
+          <p:cNvSpPr>
+            <a:spLocks noGrp="1"/>
+          </p:cNvSpPr>
+          <p:nvPr>
+            <p:ph type="title"/>
+          </p:nvPr>
+        </p:nvSpPr>
+        <p:spPr/>
+        <p:txBody>
+          <a:bodyPr/>
+          <a:lstStyle/>
+          <a:p>
+            <a:r>
+              <a:rPr lang="zh-CN" altLang="en-US" dirty="0"/>
+              <a:t>关于本讲义</a:t>
+            </a:r>
+          </a:p>
+        </p:txBody>
+      </p:sp>
+      <p:sp>
+        <p:nvSpPr>
           <p:cNvPr id="3" name="内容占位符 2">
             <a:extLst>
               <a:ext uri="{FF2B5EF4-FFF2-40B4-BE49-F238E27FC236}">
@@ -11356,34 +12138,6 @@
             <a:r>
               <a:rPr lang="en-US" altLang="zh-CN" dirty="0"/>
               <a:t>@Scruel Tao</a:t>
-            </a:r>
-          </a:p>
-        </p:txBody>
-      </p:sp>
-      <p:sp>
-        <p:nvSpPr>
-          <p:cNvPr id="5" name="标题 4">
-            <a:extLst>
-              <a:ext uri="{FF2B5EF4-FFF2-40B4-BE49-F238E27FC236}">
-                <a16:creationId xmlns:a16="http://schemas.microsoft.com/office/drawing/2014/main" id="{14B5F31E-85DD-B8D9-9ED7-E32A03C57260}"/>
-              </a:ext>
-            </a:extLst>
-          </p:cNvPr>
-          <p:cNvSpPr>
-            <a:spLocks noGrp="1"/>
-          </p:cNvSpPr>
-          <p:nvPr>
-            <p:ph type="title"/>
-          </p:nvPr>
-        </p:nvSpPr>
-        <p:spPr/>
-        <p:txBody>
-          <a:bodyPr/>
-          <a:lstStyle/>
-          <a:p>
-            <a:r>
-              <a:rPr lang="zh-CN" altLang="en-US" dirty="0"/>
-              <a:t>关于本讲义</a:t>
             </a:r>
           </a:p>
         </p:txBody>
@@ -11398,6 +12152,18 @@
   <p:clrMapOvr>
     <a:masterClrMapping/>
   </p:clrMapOvr>
+  <mc:AlternateContent xmlns:mc="http://schemas.openxmlformats.org/markup-compatibility/2006" xmlns:p14="http://schemas.microsoft.com/office/powerpoint/2010/main">
+    <mc:Choice Requires="p14">
+      <p:transition spd="med" p14:dur="700">
+        <p:fade/>
+      </p:transition>
+    </mc:Choice>
+    <mc:Fallback xmlns="">
+      <p:transition spd="med">
+        <p:fade/>
+      </p:transition>
+    </mc:Fallback>
+  </mc:AlternateContent>
 </p:sld>
 </file>
 
@@ -11495,6 +12261,18 @@
   <p:clrMapOvr>
     <a:masterClrMapping/>
   </p:clrMapOvr>
+  <mc:AlternateContent xmlns:mc="http://schemas.openxmlformats.org/markup-compatibility/2006" xmlns:p14="http://schemas.microsoft.com/office/powerpoint/2010/main">
+    <mc:Choice Requires="p14">
+      <p:transition spd="med" p14:dur="700">
+        <p:fade/>
+      </p:transition>
+    </mc:Choice>
+    <mc:Fallback xmlns="">
+      <p:transition spd="med">
+        <p:fade/>
+      </p:transition>
+    </mc:Fallback>
+  </mc:AlternateContent>
 </p:sld>
 </file>
 
@@ -11523,6 +12301,50 @@
       </p:grpSpPr>
       <p:sp>
         <p:nvSpPr>
+          <p:cNvPr id="5" name="标题 4">
+            <a:extLst>
+              <a:ext uri="{FF2B5EF4-FFF2-40B4-BE49-F238E27FC236}">
+                <a16:creationId xmlns:a16="http://schemas.microsoft.com/office/drawing/2014/main" id="{DB412DE4-F708-8C2D-A2DE-BC128FF82D8A}"/>
+              </a:ext>
+            </a:extLst>
+          </p:cNvPr>
+          <p:cNvSpPr>
+            <a:spLocks noGrp="1"/>
+          </p:cNvSpPr>
+          <p:nvPr>
+            <p:ph type="title"/>
+          </p:nvPr>
+        </p:nvSpPr>
+        <p:spPr/>
+        <p:txBody>
+          <a:bodyPr/>
+          <a:lstStyle/>
+          <a:p>
+            <a:r>
+              <a:rPr lang="en-US" altLang="zh-CN" dirty="0"/>
+              <a:t>15.4 </a:t>
+            </a:r>
+            <a:r>
+              <a:rPr lang="zh-CN" altLang="en-US" dirty="0"/>
+              <a:t>使用 </a:t>
+            </a:r>
+            <a:r>
+              <a:rPr lang="en-US" altLang="zh-CN" dirty="0" err="1"/>
+              <a:t>Plotly</a:t>
+            </a:r>
+            <a:r>
+              <a:rPr lang="en-US" altLang="zh-CN" dirty="0"/>
+              <a:t> </a:t>
+            </a:r>
+            <a:r>
+              <a:rPr lang="zh-CN" altLang="en-US" dirty="0"/>
+              <a:t>模拟掷骰子</a:t>
+            </a:r>
+          </a:p>
+        </p:txBody>
+      </p:sp>
+      <p:sp>
+        <p:nvSpPr>
           <p:cNvPr id="3" name="内容占位符 2">
             <a:extLst>
               <a:ext uri="{FF2B5EF4-FFF2-40B4-BE49-F238E27FC236}">
@@ -11640,50 +12462,6 @@
               <a:t>那样对图形进行定制。</a:t>
             </a:r>
             <a:endParaRPr lang="en-US" altLang="zh-CN" dirty="0"/>
-          </a:p>
-        </p:txBody>
-      </p:sp>
-      <p:sp>
-        <p:nvSpPr>
-          <p:cNvPr id="5" name="标题 4">
-            <a:extLst>
-              <a:ext uri="{FF2B5EF4-FFF2-40B4-BE49-F238E27FC236}">
-                <a16:creationId xmlns:a16="http://schemas.microsoft.com/office/drawing/2014/main" id="{DB412DE4-F708-8C2D-A2DE-BC128FF82D8A}"/>
-              </a:ext>
-            </a:extLst>
-          </p:cNvPr>
-          <p:cNvSpPr>
-            <a:spLocks noGrp="1"/>
-          </p:cNvSpPr>
-          <p:nvPr>
-            <p:ph type="title"/>
-          </p:nvPr>
-        </p:nvSpPr>
-        <p:spPr/>
-        <p:txBody>
-          <a:bodyPr/>
-          <a:lstStyle/>
-          <a:p>
-            <a:r>
-              <a:rPr lang="en-US" altLang="zh-CN" dirty="0"/>
-              <a:t>15.4 </a:t>
-            </a:r>
-            <a:r>
-              <a:rPr lang="zh-CN" altLang="en-US" dirty="0"/>
-              <a:t>使用 </a:t>
-            </a:r>
-            <a:r>
-              <a:rPr lang="en-US" altLang="zh-CN" dirty="0" err="1"/>
-              <a:t>Plotly</a:t>
-            </a:r>
-            <a:r>
-              <a:rPr lang="en-US" altLang="zh-CN" dirty="0"/>
-              <a:t> </a:t>
-            </a:r>
-            <a:r>
-              <a:rPr lang="zh-CN" altLang="en-US" dirty="0"/>
-              <a:t>模拟掷骰子</a:t>
-            </a:r>
           </a:p>
         </p:txBody>
       </p:sp>
@@ -11697,6 +12475,18 @@
   <p:clrMapOvr>
     <a:masterClrMapping/>
   </p:clrMapOvr>
+  <mc:AlternateContent xmlns:mc="http://schemas.openxmlformats.org/markup-compatibility/2006" xmlns:p14="http://schemas.microsoft.com/office/powerpoint/2010/main">
+    <mc:Choice Requires="p14">
+      <p:transition spd="med" p14:dur="700">
+        <p:fade/>
+      </p:transition>
+    </mc:Choice>
+    <mc:Fallback xmlns="">
+      <p:transition spd="med">
+        <p:fade/>
+      </p:transition>
+    </mc:Fallback>
+  </mc:AlternateContent>
 </p:sld>
 </file>
 
@@ -11725,6 +12515,50 @@
       </p:grpSpPr>
       <p:sp>
         <p:nvSpPr>
+          <p:cNvPr id="5" name="标题 4">
+            <a:extLst>
+              <a:ext uri="{FF2B5EF4-FFF2-40B4-BE49-F238E27FC236}">
+                <a16:creationId xmlns:a16="http://schemas.microsoft.com/office/drawing/2014/main" id="{C902D97A-2A87-AD39-6DB7-14A41DB0287C}"/>
+              </a:ext>
+            </a:extLst>
+          </p:cNvPr>
+          <p:cNvSpPr>
+            <a:spLocks noGrp="1"/>
+          </p:cNvSpPr>
+          <p:nvPr>
+            <p:ph type="title"/>
+          </p:nvPr>
+        </p:nvSpPr>
+        <p:spPr/>
+        <p:txBody>
+          <a:bodyPr/>
+          <a:lstStyle/>
+          <a:p>
+            <a:r>
+              <a:rPr lang="en-US" altLang="zh-CN" dirty="0"/>
+              <a:t>15.4 </a:t>
+            </a:r>
+            <a:r>
+              <a:rPr lang="zh-CN" altLang="en-US" dirty="0"/>
+              <a:t>使用 </a:t>
+            </a:r>
+            <a:r>
+              <a:rPr lang="en-US" altLang="zh-CN" dirty="0" err="1"/>
+              <a:t>Plotly</a:t>
+            </a:r>
+            <a:r>
+              <a:rPr lang="en-US" altLang="zh-CN" dirty="0"/>
+              <a:t> </a:t>
+            </a:r>
+            <a:r>
+              <a:rPr lang="zh-CN" altLang="en-US" dirty="0"/>
+              <a:t>模拟掷骰子</a:t>
+            </a:r>
+          </a:p>
+        </p:txBody>
+      </p:sp>
+      <p:sp>
+        <p:nvSpPr>
           <p:cNvPr id="3" name="内容占位符 2">
             <a:extLst>
               <a:ext uri="{FF2B5EF4-FFF2-40B4-BE49-F238E27FC236}">
@@ -11829,50 +12663,6 @@
               <a:t>，即可绘制出掷骰子的直方图了。</a:t>
             </a:r>
             <a:endParaRPr lang="en-US" altLang="zh-CN" dirty="0"/>
-          </a:p>
-        </p:txBody>
-      </p:sp>
-      <p:sp>
-        <p:nvSpPr>
-          <p:cNvPr id="5" name="标题 4">
-            <a:extLst>
-              <a:ext uri="{FF2B5EF4-FFF2-40B4-BE49-F238E27FC236}">
-                <a16:creationId xmlns:a16="http://schemas.microsoft.com/office/drawing/2014/main" id="{C902D97A-2A87-AD39-6DB7-14A41DB0287C}"/>
-              </a:ext>
-            </a:extLst>
-          </p:cNvPr>
-          <p:cNvSpPr>
-            <a:spLocks noGrp="1"/>
-          </p:cNvSpPr>
-          <p:nvPr>
-            <p:ph type="title"/>
-          </p:nvPr>
-        </p:nvSpPr>
-        <p:spPr/>
-        <p:txBody>
-          <a:bodyPr/>
-          <a:lstStyle/>
-          <a:p>
-            <a:r>
-              <a:rPr lang="en-US" altLang="zh-CN" dirty="0"/>
-              <a:t>15.4 </a:t>
-            </a:r>
-            <a:r>
-              <a:rPr lang="zh-CN" altLang="en-US" dirty="0"/>
-              <a:t>使用 </a:t>
-            </a:r>
-            <a:r>
-              <a:rPr lang="en-US" altLang="zh-CN" dirty="0" err="1"/>
-              <a:t>Plotly</a:t>
-            </a:r>
-            <a:r>
-              <a:rPr lang="en-US" altLang="zh-CN" dirty="0"/>
-              <a:t> </a:t>
-            </a:r>
-            <a:r>
-              <a:rPr lang="zh-CN" altLang="en-US" dirty="0"/>
-              <a:t>模拟掷骰子</a:t>
-            </a:r>
           </a:p>
         </p:txBody>
       </p:sp>
@@ -11886,6 +12676,18 @@
   <p:clrMapOvr>
     <a:masterClrMapping/>
   </p:clrMapOvr>
+  <mc:AlternateContent xmlns:mc="http://schemas.openxmlformats.org/markup-compatibility/2006" xmlns:p14="http://schemas.microsoft.com/office/powerpoint/2010/main">
+    <mc:Choice Requires="p14">
+      <p:transition spd="med" p14:dur="700">
+        <p:fade/>
+      </p:transition>
+    </mc:Choice>
+    <mc:Fallback xmlns="">
+      <p:transition spd="med">
+        <p:fade/>
+      </p:transition>
+    </mc:Fallback>
+  </mc:AlternateContent>
 </p:sld>
 </file>
 
@@ -11912,6 +12714,50 @@
           <a:chExt cx="0" cy="0"/>
         </a:xfrm>
       </p:grpSpPr>
+      <p:sp>
+        <p:nvSpPr>
+          <p:cNvPr id="5" name="标题 4">
+            <a:extLst>
+              <a:ext uri="{FF2B5EF4-FFF2-40B4-BE49-F238E27FC236}">
+                <a16:creationId xmlns:a16="http://schemas.microsoft.com/office/drawing/2014/main" id="{EA2F7E55-BB00-4EE0-0F46-AC34259404EB}"/>
+              </a:ext>
+            </a:extLst>
+          </p:cNvPr>
+          <p:cNvSpPr>
+            <a:spLocks noGrp="1"/>
+          </p:cNvSpPr>
+          <p:nvPr>
+            <p:ph type="title"/>
+          </p:nvPr>
+        </p:nvSpPr>
+        <p:spPr/>
+        <p:txBody>
+          <a:bodyPr/>
+          <a:lstStyle/>
+          <a:p>
+            <a:r>
+              <a:rPr lang="en-US" altLang="zh-CN" dirty="0"/>
+              <a:t>15.4 </a:t>
+            </a:r>
+            <a:r>
+              <a:rPr lang="zh-CN" altLang="en-US" dirty="0"/>
+              <a:t>使用 </a:t>
+            </a:r>
+            <a:r>
+              <a:rPr lang="en-US" altLang="zh-CN" dirty="0" err="1"/>
+              <a:t>Plotly</a:t>
+            </a:r>
+            <a:r>
+              <a:rPr lang="en-US" altLang="zh-CN" dirty="0"/>
+              <a:t> </a:t>
+            </a:r>
+            <a:r>
+              <a:rPr lang="zh-CN" altLang="en-US" dirty="0"/>
+              <a:t>模拟掷骰子</a:t>
+            </a:r>
+          </a:p>
+        </p:txBody>
+      </p:sp>
       <p:pic>
         <p:nvPicPr>
           <p:cNvPr id="7" name="内容占位符 6">
@@ -11941,50 +12787,6 @@
           </a:xfrm>
         </p:spPr>
       </p:pic>
-      <p:sp>
-        <p:nvSpPr>
-          <p:cNvPr id="5" name="标题 4">
-            <a:extLst>
-              <a:ext uri="{FF2B5EF4-FFF2-40B4-BE49-F238E27FC236}">
-                <a16:creationId xmlns:a16="http://schemas.microsoft.com/office/drawing/2014/main" id="{EA2F7E55-BB00-4EE0-0F46-AC34259404EB}"/>
-              </a:ext>
-            </a:extLst>
-          </p:cNvPr>
-          <p:cNvSpPr>
-            <a:spLocks noGrp="1"/>
-          </p:cNvSpPr>
-          <p:nvPr>
-            <p:ph type="title"/>
-          </p:nvPr>
-        </p:nvSpPr>
-        <p:spPr/>
-        <p:txBody>
-          <a:bodyPr/>
-          <a:lstStyle/>
-          <a:p>
-            <a:r>
-              <a:rPr lang="en-US" altLang="zh-CN" dirty="0"/>
-              <a:t>15.4 </a:t>
-            </a:r>
-            <a:r>
-              <a:rPr lang="zh-CN" altLang="en-US" dirty="0"/>
-              <a:t>使用 </a:t>
-            </a:r>
-            <a:r>
-              <a:rPr lang="en-US" altLang="zh-CN" dirty="0" err="1"/>
-              <a:t>Plotly</a:t>
-            </a:r>
-            <a:r>
-              <a:rPr lang="en-US" altLang="zh-CN" dirty="0"/>
-              <a:t> </a:t>
-            </a:r>
-            <a:r>
-              <a:rPr lang="zh-CN" altLang="en-US" dirty="0"/>
-              <a:t>模拟掷骰子</a:t>
-            </a:r>
-          </a:p>
-        </p:txBody>
-      </p:sp>
     </p:spTree>
     <p:extLst>
       <p:ext uri="{BB962C8B-B14F-4D97-AF65-F5344CB8AC3E}">
@@ -11995,6 +12797,18 @@
   <p:clrMapOvr>
     <a:masterClrMapping/>
   </p:clrMapOvr>
+  <mc:AlternateContent xmlns:mc="http://schemas.openxmlformats.org/markup-compatibility/2006" xmlns:p14="http://schemas.microsoft.com/office/powerpoint/2010/main">
+    <mc:Choice Requires="p14">
+      <p:transition spd="med" p14:dur="700">
+        <p:fade/>
+      </p:transition>
+    </mc:Choice>
+    <mc:Fallback xmlns="">
+      <p:transition spd="med">
+        <p:fade/>
+      </p:transition>
+    </mc:Fallback>
+  </mc:AlternateContent>
 </p:sld>
 </file>
 
@@ -12104,6 +12918,18 @@
   <p:clrMapOvr>
     <a:masterClrMapping/>
   </p:clrMapOvr>
+  <mc:AlternateContent xmlns:mc="http://schemas.openxmlformats.org/markup-compatibility/2006" xmlns:p14="http://schemas.microsoft.com/office/powerpoint/2010/main">
+    <mc:Choice Requires="p14">
+      <p:transition spd="med" p14:dur="700">
+        <p:fade/>
+      </p:transition>
+    </mc:Choice>
+    <mc:Fallback xmlns="">
+      <p:transition spd="med">
+        <p:fade/>
+      </p:transition>
+    </mc:Fallback>
+  </mc:AlternateContent>
 </p:sld>
 </file>
 
@@ -12213,6 +13039,18 @@
   <p:clrMapOvr>
     <a:masterClrMapping/>
   </p:clrMapOvr>
+  <mc:AlternateContent xmlns:mc="http://schemas.openxmlformats.org/markup-compatibility/2006" xmlns:p14="http://schemas.microsoft.com/office/powerpoint/2010/main">
+    <mc:Choice Requires="p14">
+      <p:transition spd="med" p14:dur="700">
+        <p:fade/>
+      </p:transition>
+    </mc:Choice>
+    <mc:Fallback xmlns="">
+      <p:transition spd="med">
+        <p:fade/>
+      </p:transition>
+    </mc:Fallback>
+  </mc:AlternateContent>
 </p:sld>
 </file>
 
@@ -12346,6 +13184,18 @@
   <p:clrMapOvr>
     <a:masterClrMapping/>
   </p:clrMapOvr>
+  <mc:AlternateContent xmlns:mc="http://schemas.openxmlformats.org/markup-compatibility/2006" xmlns:p14="http://schemas.microsoft.com/office/powerpoint/2010/main">
+    <mc:Choice Requires="p14">
+      <p:transition spd="med" p14:dur="700">
+        <p:fade/>
+      </p:transition>
+    </mc:Choice>
+    <mc:Fallback xmlns="">
+      <p:transition spd="med">
+        <p:fade/>
+      </p:transition>
+    </mc:Fallback>
+  </mc:AlternateContent>
 </p:sld>
 </file>
 
@@ -12482,6 +13332,18 @@
   <p:clrMapOvr>
     <a:masterClrMapping/>
   </p:clrMapOvr>
+  <mc:AlternateContent xmlns:mc="http://schemas.openxmlformats.org/markup-compatibility/2006" xmlns:p14="http://schemas.microsoft.com/office/powerpoint/2010/main">
+    <mc:Choice Requires="p14">
+      <p:transition spd="med" p14:dur="700">
+        <p:fade/>
+      </p:transition>
+    </mc:Choice>
+    <mc:Fallback xmlns="">
+      <p:transition spd="med">
+        <p:fade/>
+      </p:transition>
+    </mc:Fallback>
+  </mc:AlternateContent>
 </p:sld>
 </file>
 
@@ -12666,6 +13528,18 @@
   <p:clrMapOvr>
     <a:masterClrMapping/>
   </p:clrMapOvr>
+  <mc:AlternateContent xmlns:mc="http://schemas.openxmlformats.org/markup-compatibility/2006" xmlns:p14="http://schemas.microsoft.com/office/powerpoint/2010/main">
+    <mc:Choice Requires="p14">
+      <p:transition spd="med" p14:dur="700">
+        <p:fade/>
+      </p:transition>
+    </mc:Choice>
+    <mc:Fallback xmlns="">
+      <p:transition spd="med">
+        <p:fade/>
+      </p:transition>
+    </mc:Fallback>
+  </mc:AlternateContent>
 </p:sld>
 </file>
 
@@ -12694,6 +13568,42 @@
       </p:grpSpPr>
       <p:sp>
         <p:nvSpPr>
+          <p:cNvPr id="5" name="标题 4">
+            <a:extLst>
+              <a:ext uri="{FF2B5EF4-FFF2-40B4-BE49-F238E27FC236}">
+                <a16:creationId xmlns:a16="http://schemas.microsoft.com/office/drawing/2014/main" id="{B7464F41-B81D-BA3B-E326-447CE7179C3F}"/>
+              </a:ext>
+            </a:extLst>
+          </p:cNvPr>
+          <p:cNvSpPr>
+            <a:spLocks noGrp="1"/>
+          </p:cNvSpPr>
+          <p:nvPr>
+            <p:ph type="title"/>
+          </p:nvPr>
+        </p:nvSpPr>
+        <p:spPr/>
+        <p:txBody>
+          <a:bodyPr/>
+          <a:lstStyle/>
+          <a:p>
+            <a:r>
+              <a:rPr lang="zh-CN" altLang="en-US" dirty="0"/>
+              <a:t>第</a:t>
+            </a:r>
+            <a:r>
+              <a:rPr lang="en-US" altLang="zh-CN" dirty="0"/>
+              <a:t>15 </a:t>
+            </a:r>
+            <a:r>
+              <a:rPr lang="zh-CN" altLang="en-US" dirty="0"/>
+              <a:t>章 生成数据</a:t>
+            </a:r>
+          </a:p>
+        </p:txBody>
+      </p:sp>
+      <p:sp>
+        <p:nvSpPr>
           <p:cNvPr id="3" name="内容占位符 2">
             <a:extLst>
               <a:ext uri="{FF2B5EF4-FFF2-40B4-BE49-F238E27FC236}">
@@ -12771,42 +13681,6 @@
               <a:t>。</a:t>
             </a:r>
             <a:endParaRPr lang="en-US" altLang="zh-CN" dirty="0"/>
-          </a:p>
-        </p:txBody>
-      </p:sp>
-      <p:sp>
-        <p:nvSpPr>
-          <p:cNvPr id="5" name="标题 4">
-            <a:extLst>
-              <a:ext uri="{FF2B5EF4-FFF2-40B4-BE49-F238E27FC236}">
-                <a16:creationId xmlns:a16="http://schemas.microsoft.com/office/drawing/2014/main" id="{B7464F41-B81D-BA3B-E326-447CE7179C3F}"/>
-              </a:ext>
-            </a:extLst>
-          </p:cNvPr>
-          <p:cNvSpPr>
-            <a:spLocks noGrp="1"/>
-          </p:cNvSpPr>
-          <p:nvPr>
-            <p:ph type="title"/>
-          </p:nvPr>
-        </p:nvSpPr>
-        <p:spPr/>
-        <p:txBody>
-          <a:bodyPr/>
-          <a:lstStyle/>
-          <a:p>
-            <a:r>
-              <a:rPr lang="zh-CN" altLang="en-US" dirty="0"/>
-              <a:t>第</a:t>
-            </a:r>
-            <a:r>
-              <a:rPr lang="en-US" altLang="zh-CN" dirty="0"/>
-              <a:t>15 </a:t>
-            </a:r>
-            <a:r>
-              <a:rPr lang="zh-CN" altLang="en-US" dirty="0"/>
-              <a:t>章 生成数据</a:t>
-            </a:r>
           </a:p>
         </p:txBody>
       </p:sp>
@@ -12820,6 +13694,18 @@
   <p:clrMapOvr>
     <a:masterClrMapping/>
   </p:clrMapOvr>
+  <mc:AlternateContent xmlns:mc="http://schemas.openxmlformats.org/markup-compatibility/2006" xmlns:p14="http://schemas.microsoft.com/office/powerpoint/2010/main">
+    <mc:Choice Requires="p14">
+      <p:transition spd="med" p14:dur="700">
+        <p:fade/>
+      </p:transition>
+    </mc:Choice>
+    <mc:Fallback xmlns="">
+      <p:transition spd="med">
+        <p:fade/>
+      </p:transition>
+    </mc:Fallback>
+  </mc:AlternateContent>
 </p:sld>
 </file>
 
@@ -12848,6 +13734,43 @@
       </p:grpSpPr>
       <p:sp>
         <p:nvSpPr>
+          <p:cNvPr id="5" name="标题 4">
+            <a:extLst>
+              <a:ext uri="{FF2B5EF4-FFF2-40B4-BE49-F238E27FC236}">
+                <a16:creationId xmlns:a16="http://schemas.microsoft.com/office/drawing/2014/main" id="{A00A4FEA-9421-97E2-9CFE-47E08F40F4C9}"/>
+              </a:ext>
+            </a:extLst>
+          </p:cNvPr>
+          <p:cNvSpPr>
+            <a:spLocks noGrp="1"/>
+          </p:cNvSpPr>
+          <p:nvPr>
+            <p:ph type="title"/>
+          </p:nvPr>
+        </p:nvSpPr>
+        <p:spPr/>
+        <p:txBody>
+          <a:bodyPr/>
+          <a:lstStyle/>
+          <a:p>
+            <a:r>
+              <a:rPr lang="en-US" altLang="zh-CN" dirty="0"/>
+              <a:t>15.1 </a:t>
+            </a:r>
+            <a:r>
+              <a:rPr lang="zh-CN" altLang="en-US" dirty="0"/>
+              <a:t>安装 </a:t>
+            </a:r>
+            <a:r>
+              <a:rPr lang="en-US" altLang="zh-CN" dirty="0"/>
+              <a:t>Matplotlib</a:t>
+            </a:r>
+            <a:endParaRPr lang="zh-CN" altLang="en-US" dirty="0"/>
+          </a:p>
+        </p:txBody>
+      </p:sp>
+      <p:sp>
+        <p:nvSpPr>
           <p:cNvPr id="3" name="内容占位符 2">
             <a:extLst>
               <a:ext uri="{FF2B5EF4-FFF2-40B4-BE49-F238E27FC236}">
@@ -12896,43 +13819,6 @@
               <a:rPr lang="en-US" altLang="zh-CN" dirty="0"/>
               <a:t>python -m pip install --user matplotlib</a:t>
             </a:r>
-          </a:p>
-        </p:txBody>
-      </p:sp>
-      <p:sp>
-        <p:nvSpPr>
-          <p:cNvPr id="5" name="标题 4">
-            <a:extLst>
-              <a:ext uri="{FF2B5EF4-FFF2-40B4-BE49-F238E27FC236}">
-                <a16:creationId xmlns:a16="http://schemas.microsoft.com/office/drawing/2014/main" id="{A00A4FEA-9421-97E2-9CFE-47E08F40F4C9}"/>
-              </a:ext>
-            </a:extLst>
-          </p:cNvPr>
-          <p:cNvSpPr>
-            <a:spLocks noGrp="1"/>
-          </p:cNvSpPr>
-          <p:nvPr>
-            <p:ph type="title"/>
-          </p:nvPr>
-        </p:nvSpPr>
-        <p:spPr/>
-        <p:txBody>
-          <a:bodyPr/>
-          <a:lstStyle/>
-          <a:p>
-            <a:r>
-              <a:rPr lang="en-US" altLang="zh-CN" dirty="0"/>
-              <a:t>15.1 </a:t>
-            </a:r>
-            <a:r>
-              <a:rPr lang="zh-CN" altLang="en-US" dirty="0"/>
-              <a:t>安装 </a:t>
-            </a:r>
-            <a:r>
-              <a:rPr lang="en-US" altLang="zh-CN" dirty="0"/>
-              <a:t>Matplotlib</a:t>
-            </a:r>
-            <a:endParaRPr lang="zh-CN" altLang="en-US" dirty="0"/>
           </a:p>
         </p:txBody>
       </p:sp>
@@ -12946,6 +13832,18 @@
   <p:clrMapOvr>
     <a:masterClrMapping/>
   </p:clrMapOvr>
+  <mc:AlternateContent xmlns:mc="http://schemas.openxmlformats.org/markup-compatibility/2006" xmlns:p14="http://schemas.microsoft.com/office/powerpoint/2010/main">
+    <mc:Choice Requires="p14">
+      <p:transition spd="med" p14:dur="700">
+        <p:fade/>
+      </p:transition>
+    </mc:Choice>
+    <mc:Fallback xmlns="">
+      <p:transition spd="med">
+        <p:fade/>
+      </p:transition>
+    </mc:Fallback>
+  </mc:AlternateContent>
 </p:sld>
 </file>
 
@@ -12974,6 +13872,38 @@
       </p:grpSpPr>
       <p:sp>
         <p:nvSpPr>
+          <p:cNvPr id="5" name="标题 4">
+            <a:extLst>
+              <a:ext uri="{FF2B5EF4-FFF2-40B4-BE49-F238E27FC236}">
+                <a16:creationId xmlns:a16="http://schemas.microsoft.com/office/drawing/2014/main" id="{3E3FAFCE-6168-D62F-082E-A4839B90714F}"/>
+              </a:ext>
+            </a:extLst>
+          </p:cNvPr>
+          <p:cNvSpPr>
+            <a:spLocks noGrp="1"/>
+          </p:cNvSpPr>
+          <p:nvPr>
+            <p:ph type="title"/>
+          </p:nvPr>
+        </p:nvSpPr>
+        <p:spPr/>
+        <p:txBody>
+          <a:bodyPr/>
+          <a:lstStyle/>
+          <a:p>
+            <a:r>
+              <a:rPr lang="en-US" altLang="zh-CN" dirty="0"/>
+              <a:t>15.2 </a:t>
+            </a:r>
+            <a:r>
+              <a:rPr lang="zh-CN" altLang="en-US" dirty="0"/>
+              <a:t>绘制简单的折线图</a:t>
+            </a:r>
+          </a:p>
+        </p:txBody>
+      </p:sp>
+      <p:sp>
+        <p:nvSpPr>
           <p:cNvPr id="3" name="内容占位符 2">
             <a:extLst>
               <a:ext uri="{FF2B5EF4-FFF2-40B4-BE49-F238E27FC236}">
@@ -13089,38 +14019,6 @@
               <a:buNone/>
             </a:pPr>
             <a:endParaRPr lang="en-US" altLang="zh-CN" dirty="0"/>
-          </a:p>
-        </p:txBody>
-      </p:sp>
-      <p:sp>
-        <p:nvSpPr>
-          <p:cNvPr id="5" name="标题 4">
-            <a:extLst>
-              <a:ext uri="{FF2B5EF4-FFF2-40B4-BE49-F238E27FC236}">
-                <a16:creationId xmlns:a16="http://schemas.microsoft.com/office/drawing/2014/main" id="{3E3FAFCE-6168-D62F-082E-A4839B90714F}"/>
-              </a:ext>
-            </a:extLst>
-          </p:cNvPr>
-          <p:cNvSpPr>
-            <a:spLocks noGrp="1"/>
-          </p:cNvSpPr>
-          <p:nvPr>
-            <p:ph type="title"/>
-          </p:nvPr>
-        </p:nvSpPr>
-        <p:spPr/>
-        <p:txBody>
-          <a:bodyPr/>
-          <a:lstStyle/>
-          <a:p>
-            <a:r>
-              <a:rPr lang="en-US" altLang="zh-CN" dirty="0"/>
-              <a:t>15.2 </a:t>
-            </a:r>
-            <a:r>
-              <a:rPr lang="zh-CN" altLang="en-US" dirty="0"/>
-              <a:t>绘制简单的折线图</a:t>
-            </a:r>
           </a:p>
         </p:txBody>
       </p:sp>
@@ -13134,6 +14032,18 @@
   <p:clrMapOvr>
     <a:masterClrMapping/>
   </p:clrMapOvr>
+  <mc:AlternateContent xmlns:mc="http://schemas.openxmlformats.org/markup-compatibility/2006" xmlns:p14="http://schemas.microsoft.com/office/powerpoint/2010/main">
+    <mc:Choice Requires="p14">
+      <p:transition spd="med" p14:dur="700">
+        <p:fade/>
+      </p:transition>
+    </mc:Choice>
+    <mc:Fallback xmlns="">
+      <p:transition spd="med">
+        <p:fade/>
+      </p:transition>
+    </mc:Fallback>
+  </mc:AlternateContent>
 </p:sld>
 </file>
 
@@ -13160,6 +14070,38 @@
           <a:chExt cx="0" cy="0"/>
         </a:xfrm>
       </p:grpSpPr>
+      <p:sp>
+        <p:nvSpPr>
+          <p:cNvPr id="5" name="标题 4">
+            <a:extLst>
+              <a:ext uri="{FF2B5EF4-FFF2-40B4-BE49-F238E27FC236}">
+                <a16:creationId xmlns:a16="http://schemas.microsoft.com/office/drawing/2014/main" id="{1BE90730-1BFF-25F6-7DDB-70E50CC854A0}"/>
+              </a:ext>
+            </a:extLst>
+          </p:cNvPr>
+          <p:cNvSpPr>
+            <a:spLocks noGrp="1"/>
+          </p:cNvSpPr>
+          <p:nvPr>
+            <p:ph type="title"/>
+          </p:nvPr>
+        </p:nvSpPr>
+        <p:spPr/>
+        <p:txBody>
+          <a:bodyPr/>
+          <a:lstStyle/>
+          <a:p>
+            <a:r>
+              <a:rPr lang="en-US" altLang="zh-CN" dirty="0"/>
+              <a:t>15.2 </a:t>
+            </a:r>
+            <a:r>
+              <a:rPr lang="zh-CN" altLang="en-US" dirty="0"/>
+              <a:t>绘制简单的折线图</a:t>
+            </a:r>
+          </a:p>
+        </p:txBody>
+      </p:sp>
       <p:pic>
         <p:nvPicPr>
           <p:cNvPr id="7" name="内容占位符 6">
@@ -13189,38 +14131,6 @@
           </a:xfrm>
         </p:spPr>
       </p:pic>
-      <p:sp>
-        <p:nvSpPr>
-          <p:cNvPr id="5" name="标题 4">
-            <a:extLst>
-              <a:ext uri="{FF2B5EF4-FFF2-40B4-BE49-F238E27FC236}">
-                <a16:creationId xmlns:a16="http://schemas.microsoft.com/office/drawing/2014/main" id="{1BE90730-1BFF-25F6-7DDB-70E50CC854A0}"/>
-              </a:ext>
-            </a:extLst>
-          </p:cNvPr>
-          <p:cNvSpPr>
-            <a:spLocks noGrp="1"/>
-          </p:cNvSpPr>
-          <p:nvPr>
-            <p:ph type="title"/>
-          </p:nvPr>
-        </p:nvSpPr>
-        <p:spPr/>
-        <p:txBody>
-          <a:bodyPr/>
-          <a:lstStyle/>
-          <a:p>
-            <a:r>
-              <a:rPr lang="en-US" altLang="zh-CN" dirty="0"/>
-              <a:t>15.2 </a:t>
-            </a:r>
-            <a:r>
-              <a:rPr lang="zh-CN" altLang="en-US" dirty="0"/>
-              <a:t>绘制简单的折线图</a:t>
-            </a:r>
-          </a:p>
-        </p:txBody>
-      </p:sp>
     </p:spTree>
     <p:extLst>
       <p:ext uri="{BB962C8B-B14F-4D97-AF65-F5344CB8AC3E}">
@@ -13231,6 +14141,18 @@
   <p:clrMapOvr>
     <a:masterClrMapping/>
   </p:clrMapOvr>
+  <mc:AlternateContent xmlns:mc="http://schemas.openxmlformats.org/markup-compatibility/2006" xmlns:p14="http://schemas.microsoft.com/office/powerpoint/2010/main">
+    <mc:Choice Requires="p14">
+      <p:transition spd="med" p14:dur="700">
+        <p:fade/>
+      </p:transition>
+    </mc:Choice>
+    <mc:Fallback xmlns="">
+      <p:transition spd="med">
+        <p:fade/>
+      </p:transition>
+    </mc:Fallback>
+  </mc:AlternateContent>
 </p:sld>
 </file>
 
@@ -13259,6 +14181,38 @@
       </p:grpSpPr>
       <p:sp>
         <p:nvSpPr>
+          <p:cNvPr id="5" name="标题 4">
+            <a:extLst>
+              <a:ext uri="{FF2B5EF4-FFF2-40B4-BE49-F238E27FC236}">
+                <a16:creationId xmlns:a16="http://schemas.microsoft.com/office/drawing/2014/main" id="{CA1778D9-E43D-37EF-B01D-F8AF076F2819}"/>
+              </a:ext>
+            </a:extLst>
+          </p:cNvPr>
+          <p:cNvSpPr>
+            <a:spLocks noGrp="1"/>
+          </p:cNvSpPr>
+          <p:nvPr>
+            <p:ph type="title"/>
+          </p:nvPr>
+        </p:nvSpPr>
+        <p:spPr/>
+        <p:txBody>
+          <a:bodyPr/>
+          <a:lstStyle/>
+          <a:p>
+            <a:r>
+              <a:rPr lang="en-US" altLang="zh-CN" dirty="0"/>
+              <a:t>15.2.1 </a:t>
+            </a:r>
+            <a:r>
+              <a:rPr lang="zh-CN" altLang="en-US" dirty="0"/>
+              <a:t>修改标签文字和线条粗细</a:t>
+            </a:r>
+          </a:p>
+        </p:txBody>
+      </p:sp>
+      <p:sp>
+        <p:nvSpPr>
           <p:cNvPr id="3" name="内容占位符 2">
             <a:extLst>
               <a:ext uri="{FF2B5EF4-FFF2-40B4-BE49-F238E27FC236}">
@@ -13316,38 +14270,6 @@
               <a:buNone/>
             </a:pPr>
             <a:endParaRPr lang="en-US" altLang="zh-CN" dirty="0"/>
-          </a:p>
-        </p:txBody>
-      </p:sp>
-      <p:sp>
-        <p:nvSpPr>
-          <p:cNvPr id="5" name="标题 4">
-            <a:extLst>
-              <a:ext uri="{FF2B5EF4-FFF2-40B4-BE49-F238E27FC236}">
-                <a16:creationId xmlns:a16="http://schemas.microsoft.com/office/drawing/2014/main" id="{CA1778D9-E43D-37EF-B01D-F8AF076F2819}"/>
-              </a:ext>
-            </a:extLst>
-          </p:cNvPr>
-          <p:cNvSpPr>
-            <a:spLocks noGrp="1"/>
-          </p:cNvSpPr>
-          <p:nvPr>
-            <p:ph type="title"/>
-          </p:nvPr>
-        </p:nvSpPr>
-        <p:spPr/>
-        <p:txBody>
-          <a:bodyPr/>
-          <a:lstStyle/>
-          <a:p>
-            <a:r>
-              <a:rPr lang="en-US" altLang="zh-CN" dirty="0"/>
-              <a:t>15.2.1 </a:t>
-            </a:r>
-            <a:r>
-              <a:rPr lang="zh-CN" altLang="en-US" dirty="0"/>
-              <a:t>修改标签文字和线条粗细</a:t>
-            </a:r>
           </a:p>
         </p:txBody>
       </p:sp>
@@ -13361,6 +14283,18 @@
   <p:clrMapOvr>
     <a:masterClrMapping/>
   </p:clrMapOvr>
+  <mc:AlternateContent xmlns:mc="http://schemas.openxmlformats.org/markup-compatibility/2006" xmlns:p14="http://schemas.microsoft.com/office/powerpoint/2010/main">
+    <mc:Choice Requires="p14">
+      <p:transition spd="med" p14:dur="700">
+        <p:fade/>
+      </p:transition>
+    </mc:Choice>
+    <mc:Fallback xmlns="">
+      <p:transition spd="med">
+        <p:fade/>
+      </p:transition>
+    </mc:Fallback>
+  </mc:AlternateContent>
 </p:sld>
 </file>
 
@@ -13458,11 +14392,23 @@
   <p:clrMapOvr>
     <a:masterClrMapping/>
   </p:clrMapOvr>
+  <mc:AlternateContent xmlns:mc="http://schemas.openxmlformats.org/markup-compatibility/2006" xmlns:p14="http://schemas.microsoft.com/office/powerpoint/2010/main">
+    <mc:Choice Requires="p14">
+      <p:transition spd="med" p14:dur="700">
+        <p:fade/>
+      </p:transition>
+    </mc:Choice>
+    <mc:Fallback xmlns="">
+      <p:transition spd="med">
+        <p:fade/>
+      </p:transition>
+    </mc:Fallback>
+  </mc:AlternateContent>
 </p:sld>
 </file>
 
 <file path=ppt/theme/theme1.xml><?xml version="1.0" encoding="utf-8"?>
-<a:theme xmlns:a="http://schemas.openxmlformats.org/drawingml/2006/main" name="Office 主题​​">
+<a:theme xmlns:a="http://schemas.openxmlformats.org/drawingml/2006/main" name="2_Office 主题​​">
   <a:themeElements>
     <a:clrScheme name="Office">
       <a:dk1>
